--- a/KotlinApp/Kotlin分享.pptx
+++ b/KotlinApp/Kotlin分享.pptx
@@ -17,7 +17,12 @@
     <p:sldId id="266" r:id="rId12"/>
     <p:sldId id="267" r:id="rId13"/>
     <p:sldId id="268" r:id="rId14"/>
-    <p:sldId id="270" r:id="rId15"/>
+    <p:sldId id="271" r:id="rId15"/>
+    <p:sldId id="272" r:id="rId16"/>
+    <p:sldId id="270" r:id="rId17"/>
+    <p:sldId id="273" r:id="rId18"/>
+    <p:sldId id="274" r:id="rId19"/>
+    <p:sldId id="275" r:id="rId20"/>
   </p:sldIdLst>
   <p:sldSz cx="12192000" cy="6858000"/>
   <p:notesSz cx="7103745" cy="10234295"/>
@@ -3167,15 +3172,7 @@
                   <a:schemeClr val="bg1"/>
                 </a:solidFill>
               </a:rPr>
-              <a:t>的不同（六</a:t>
-            </a:r>
-            <a:r>
-              <a:rPr lang="zh-CN" altLang="en-US">
-                <a:solidFill>
-                  <a:schemeClr val="bg1"/>
-                </a:solidFill>
-              </a:rPr>
-              <a:t>）</a:t>
+              <a:t>的不同（六）</a:t>
             </a:r>
             <a:endParaRPr lang="zh-CN" altLang="en-US">
               <a:solidFill>
@@ -3525,15 +3522,7 @@
                   <a:schemeClr val="bg1"/>
                 </a:solidFill>
               </a:rPr>
-              <a:t>的不同（七</a:t>
-            </a:r>
-            <a:r>
-              <a:rPr lang="zh-CN" altLang="en-US">
-                <a:solidFill>
-                  <a:schemeClr val="bg1"/>
-                </a:solidFill>
-              </a:rPr>
-              <a:t>）</a:t>
+              <a:t>的不同（七）</a:t>
             </a:r>
             <a:endParaRPr lang="en-US" altLang="zh-CN">
               <a:solidFill>
@@ -3698,7 +3687,79 @@
           </a:p>
           <a:p>
             <a:pPr algn="l"/>
-            <a:endParaRPr lang="zh-CN" altLang="en-US" sz="2000">
+            <a:r>
+              <a:rPr lang="en-US" altLang="zh-CN" sz="2000">
+                <a:solidFill>
+                  <a:schemeClr val="bg1"/>
+                </a:solidFill>
+              </a:rPr>
+              <a:t>22 . java</a:t>
+            </a:r>
+            <a:r>
+              <a:rPr lang="zh-CN" altLang="en-US" sz="2000">
+                <a:solidFill>
+                  <a:schemeClr val="bg1"/>
+                </a:solidFill>
+              </a:rPr>
+              <a:t>中</a:t>
+            </a:r>
+            <a:r>
+              <a:rPr lang="en-US" altLang="zh-CN" sz="2000">
+                <a:solidFill>
+                  <a:schemeClr val="bg1"/>
+                </a:solidFill>
+              </a:rPr>
+              <a:t>findViewById </a:t>
+            </a:r>
+            <a:endParaRPr lang="en-US" altLang="zh-CN" sz="2000">
+              <a:solidFill>
+                <a:schemeClr val="bg1"/>
+              </a:solidFill>
+            </a:endParaRPr>
+          </a:p>
+          <a:p>
+            <a:pPr algn="l"/>
+            <a:r>
+              <a:rPr lang="en-US" altLang="zh-CN" sz="2000">
+                <a:solidFill>
+                  <a:schemeClr val="bg1"/>
+                </a:solidFill>
+              </a:rPr>
+              <a:t>kotlin</a:t>
+            </a:r>
+            <a:r>
+              <a:rPr lang="zh-CN" altLang="en-US" sz="2000">
+                <a:solidFill>
+                  <a:schemeClr val="bg1"/>
+                </a:solidFill>
+              </a:rPr>
+              <a:t>中直接用</a:t>
+            </a:r>
+            <a:r>
+              <a:rPr lang="en-US" altLang="zh-CN" sz="2000">
+                <a:solidFill>
+                  <a:schemeClr val="bg1"/>
+                </a:solidFill>
+              </a:rPr>
+              <a:t>id</a:t>
+            </a:r>
+            <a:endParaRPr lang="en-US" altLang="zh-CN" sz="2000">
+              <a:solidFill>
+                <a:schemeClr val="bg1"/>
+              </a:solidFill>
+            </a:endParaRPr>
+          </a:p>
+          <a:p>
+            <a:pPr algn="l"/>
+            <a:endParaRPr lang="en-US" altLang="zh-CN" sz="2000">
+              <a:solidFill>
+                <a:schemeClr val="bg1"/>
+              </a:solidFill>
+            </a:endParaRPr>
+          </a:p>
+          <a:p>
+            <a:pPr algn="l"/>
+            <a:endParaRPr lang="en-US" altLang="zh-CN" sz="2000">
               <a:solidFill>
                 <a:schemeClr val="bg1"/>
               </a:solidFill>
@@ -3755,15 +3816,7 @@
                   <a:schemeClr val="bg1"/>
                 </a:solidFill>
               </a:rPr>
-              <a:t>的不同（八</a:t>
-            </a:r>
-            <a:r>
-              <a:rPr lang="zh-CN" altLang="en-US">
-                <a:solidFill>
-                  <a:schemeClr val="bg1"/>
-                </a:solidFill>
-              </a:rPr>
-              <a:t>）</a:t>
+              <a:t>的不同（八）</a:t>
             </a:r>
             <a:endParaRPr lang="en-US" altLang="zh-CN">
               <a:solidFill>
@@ -3833,14 +3886,158 @@
           <a:p>
             <a:pPr algn="l"/>
             <a:r>
-              <a:rPr lang="en-US" altLang="zh-CN" sz="2000">
-                <a:solidFill>
-                  <a:schemeClr val="bg1"/>
-                </a:solidFill>
-              </a:rPr>
-              <a:t>    }</a:t>
-            </a:r>
-            <a:endParaRPr lang="en-US" altLang="zh-CN" sz="2000">
+              <a:rPr lang="en-US" altLang="zh-CN">
+                <a:solidFill>
+                  <a:schemeClr val="bg1"/>
+                </a:solidFill>
+              </a:rPr>
+              <a:t>1. 高阶函数</a:t>
+            </a:r>
+            <a:endParaRPr lang="en-US" altLang="zh-CN">
+              <a:solidFill>
+                <a:schemeClr val="bg1"/>
+              </a:solidFill>
+            </a:endParaRPr>
+          </a:p>
+          <a:p>
+            <a:pPr algn="l"/>
+            <a:r>
+              <a:rPr lang="en-US" altLang="zh-CN">
+                <a:solidFill>
+                  <a:schemeClr val="bg1"/>
+                </a:solidFill>
+              </a:rPr>
+              <a:t>高阶函数是将函数用作参数或者返回值的函数。</a:t>
+            </a:r>
+            <a:endParaRPr lang="en-US" altLang="zh-CN">
+              <a:solidFill>
+                <a:schemeClr val="bg1"/>
+              </a:solidFill>
+            </a:endParaRPr>
+          </a:p>
+          <a:p>
+            <a:pPr algn="l"/>
+            <a:r>
+              <a:rPr lang="en-US" altLang="zh-CN">
+                <a:solidFill>
+                  <a:schemeClr val="bg1"/>
+                </a:solidFill>
+              </a:rPr>
+              <a:t>fun isLargeThanFive(x: Int): Boolean = x &gt; 5</a:t>
+            </a:r>
+            <a:endParaRPr lang="en-US" altLang="zh-CN">
+              <a:solidFill>
+                <a:schemeClr val="bg1"/>
+              </a:solidFill>
+            </a:endParaRPr>
+          </a:p>
+          <a:p>
+            <a:pPr algn="l"/>
+            <a:r>
+              <a:rPr lang="en-US" altLang="zh-CN">
+                <a:solidFill>
+                  <a:schemeClr val="bg1"/>
+                </a:solidFill>
+              </a:rPr>
+              <a:t>fun main(args: Array&lt;String&gt;) {</a:t>
+            </a:r>
+            <a:endParaRPr lang="en-US" altLang="zh-CN">
+              <a:solidFill>
+                <a:schemeClr val="bg1"/>
+              </a:solidFill>
+            </a:endParaRPr>
+          </a:p>
+          <a:p>
+            <a:pPr algn="l"/>
+            <a:r>
+              <a:rPr lang="en-US" altLang="zh-CN">
+                <a:solidFill>
+                  <a:schemeClr val="bg1"/>
+                </a:solidFill>
+              </a:rPr>
+              <a:t>     val numbers = listOf(1, 2, 3, 4, 5, 6, 7, 8)</a:t>
+            </a:r>
+            <a:endParaRPr lang="en-US" altLang="zh-CN">
+              <a:solidFill>
+                <a:schemeClr val="bg1"/>
+              </a:solidFill>
+            </a:endParaRPr>
+          </a:p>
+          <a:p>
+            <a:pPr algn="l"/>
+            <a:r>
+              <a:rPr lang="en-US" altLang="zh-CN">
+                <a:solidFill>
+                  <a:schemeClr val="bg1"/>
+                </a:solidFill>
+              </a:rPr>
+              <a:t>     println(numbers.filter(::isLargeThanFive))  //打印[6, 7, 8]</a:t>
+            </a:r>
+            <a:endParaRPr lang="en-US" altLang="zh-CN">
+              <a:solidFill>
+                <a:schemeClr val="bg1"/>
+              </a:solidFill>
+            </a:endParaRPr>
+          </a:p>
+          <a:p>
+            <a:pPr algn="l"/>
+            <a:r>
+              <a:rPr lang="en-US" altLang="zh-CN">
+                <a:solidFill>
+                  <a:schemeClr val="bg1"/>
+                </a:solidFill>
+              </a:rPr>
+              <a:t>}</a:t>
+            </a:r>
+            <a:endParaRPr lang="en-US" altLang="zh-CN">
+              <a:solidFill>
+                <a:schemeClr val="bg1"/>
+              </a:solidFill>
+            </a:endParaRPr>
+          </a:p>
+          <a:p>
+            <a:pPr algn="l"/>
+            <a:r>
+              <a:rPr lang="en-US" altLang="zh-CN">
+                <a:solidFill>
+                  <a:schemeClr val="bg1"/>
+                </a:solidFill>
+              </a:rPr>
+              <a:t>注意：我们使用::来引用一个函数。</a:t>
+            </a:r>
+            <a:endParaRPr lang="en-US" altLang="zh-CN">
+              <a:solidFill>
+                <a:schemeClr val="bg1"/>
+              </a:solidFill>
+            </a:endParaRPr>
+          </a:p>
+          <a:p>
+            <a:pPr algn="l"/>
+            <a:r>
+              <a:rPr lang="en-US" altLang="zh-CN">
+                <a:solidFill>
+                  <a:schemeClr val="bg1"/>
+                </a:solidFill>
+              </a:rPr>
+              <a:t>2. 匿名函数</a:t>
+            </a:r>
+            <a:endParaRPr lang="en-US" altLang="zh-CN">
+              <a:solidFill>
+                <a:schemeClr val="bg1"/>
+              </a:solidFill>
+            </a:endParaRPr>
+          </a:p>
+          <a:p>
+            <a:pPr algn="l"/>
+            <a:r>
+              <a:rPr lang="en-US" altLang="zh-CN">
+                <a:solidFill>
+                  <a:schemeClr val="bg1"/>
+                </a:solidFill>
+              </a:rPr>
+              <a:t>匿名函数，其实就是没有函数名的函数</a:t>
+            </a:r>
+            <a:endParaRPr lang="en-US" altLang="zh-CN">
               <a:solidFill>
                 <a:schemeClr val="bg1"/>
               </a:solidFill>
@@ -3874,6 +4071,1317 @@
                 </a:solidFill>
               </a:rPr>
               <a:t>Kotlin</a:t>
+            </a:r>
+            <a:r>
+              <a:rPr lang="zh-CN" altLang="en-US">
+                <a:solidFill>
+                  <a:schemeClr val="bg1"/>
+                </a:solidFill>
+              </a:rPr>
+              <a:t>函数式编程</a:t>
+            </a:r>
+            <a:endParaRPr lang="zh-CN" altLang="en-US">
+              <a:solidFill>
+                <a:schemeClr val="bg1"/>
+              </a:solidFill>
+            </a:endParaRPr>
+          </a:p>
+        </p:txBody>
+      </p:sp>
+    </p:spTree>
+  </p:cSld>
+  <p:clrMapOvr>
+    <a:masterClrMapping/>
+  </p:clrMapOvr>
+</p:sld>
+</file>
+
+<file path=ppt/slides/slide14.xml><?xml version="1.0" encoding="utf-8"?>
+<p:sld xmlns:a="http://schemas.openxmlformats.org/drawingml/2006/main" xmlns:r="http://schemas.openxmlformats.org/officeDocument/2006/relationships" xmlns:p="http://schemas.openxmlformats.org/presentationml/2006/main">
+  <p:cSld>
+    <p:bg>
+      <p:bgPr>
+        <a:blipFill rotWithShape="1">
+          <a:blip r:embed="rId1"/>
+          <a:stretch>
+            <a:fillRect/>
+          </a:stretch>
+        </a:blipFill>
+        <a:effectLst/>
+      </p:bgPr>
+    </p:bg>
+    <p:spTree>
+      <p:nvGrpSpPr>
+        <p:cNvPr id="1" name=""/>
+        <p:cNvGrpSpPr/>
+        <p:nvPr/>
+      </p:nvGrpSpPr>
+      <p:grpSpPr/>
+      <p:sp>
+        <p:nvSpPr>
+          <p:cNvPr id="3" name="副标题 2"/>
+          <p:cNvSpPr>
+            <a:spLocks noGrp="1"/>
+          </p:cNvSpPr>
+          <p:nvPr>
+            <p:ph type="subTitle" idx="1"/>
+          </p:nvPr>
+        </p:nvSpPr>
+        <p:spPr>
+          <a:xfrm>
+            <a:off x="598170" y="1196340"/>
+            <a:ext cx="11065510" cy="5502910"/>
+          </a:xfrm>
+        </p:spPr>
+        <p:txBody>
+          <a:bodyPr>
+            <a:noAutofit/>
+          </a:bodyPr>
+          <a:p>
+            <a:pPr algn="l"/>
+            <a:endParaRPr lang="en-US" altLang="zh-CN" sz="2000">
+              <a:solidFill>
+                <a:schemeClr val="bg1"/>
+              </a:solidFill>
+            </a:endParaRPr>
+          </a:p>
+          <a:p>
+            <a:pPr algn="l"/>
+            <a:r>
+              <a:rPr lang="en-US" altLang="zh-CN">
+                <a:solidFill>
+                  <a:schemeClr val="bg1"/>
+                </a:solidFill>
+              </a:rPr>
+              <a:t>val numbers = listOf(1, 2, 3, 4, 5, 6, 7, 8)</a:t>
+            </a:r>
+            <a:endParaRPr lang="en-US" altLang="zh-CN">
+              <a:solidFill>
+                <a:schemeClr val="bg1"/>
+              </a:solidFill>
+            </a:endParaRPr>
+          </a:p>
+          <a:p>
+            <a:pPr algn="l"/>
+            <a:r>
+              <a:rPr lang="en-US" altLang="zh-CN">
+                <a:solidFill>
+                  <a:schemeClr val="bg1"/>
+                </a:solidFill>
+              </a:rPr>
+              <a:t>     println(numbers.filter(</a:t>
+            </a:r>
+            <a:endParaRPr lang="en-US" altLang="zh-CN">
+              <a:solidFill>
+                <a:schemeClr val="bg1"/>
+              </a:solidFill>
+            </a:endParaRPr>
+          </a:p>
+          <a:p>
+            <a:pPr algn="l"/>
+            <a:r>
+              <a:rPr lang="en-US" altLang="zh-CN">
+                <a:solidFill>
+                  <a:schemeClr val="bg1"/>
+                </a:solidFill>
+              </a:rPr>
+              <a:t>               fun (x: Int):Boolean {</a:t>
+            </a:r>
+            <a:endParaRPr lang="en-US" altLang="zh-CN">
+              <a:solidFill>
+                <a:schemeClr val="bg1"/>
+              </a:solidFill>
+            </a:endParaRPr>
+          </a:p>
+          <a:p>
+            <a:pPr algn="l"/>
+            <a:r>
+              <a:rPr lang="en-US" altLang="zh-CN">
+                <a:solidFill>
+                  <a:schemeClr val="bg1"/>
+                </a:solidFill>
+              </a:rPr>
+              <a:t>                    return x &gt; 5</a:t>
+            </a:r>
+            <a:endParaRPr lang="en-US" altLang="zh-CN">
+              <a:solidFill>
+                <a:schemeClr val="bg1"/>
+              </a:solidFill>
+            </a:endParaRPr>
+          </a:p>
+          <a:p>
+            <a:pPr algn="l"/>
+            <a:r>
+              <a:rPr lang="en-US" altLang="zh-CN">
+                <a:solidFill>
+                  <a:schemeClr val="bg1"/>
+                </a:solidFill>
+              </a:rPr>
+              <a:t>               }</a:t>
+            </a:r>
+            <a:endParaRPr lang="en-US" altLang="zh-CN">
+              <a:solidFill>
+                <a:schemeClr val="bg1"/>
+              </a:solidFill>
+            </a:endParaRPr>
+          </a:p>
+          <a:p>
+            <a:pPr algn="l"/>
+            <a:r>
+              <a:rPr lang="en-US" altLang="zh-CN">
+                <a:solidFill>
+                  <a:schemeClr val="bg1"/>
+                </a:solidFill>
+              </a:rPr>
+              <a:t>          )</a:t>
+            </a:r>
+            <a:endParaRPr lang="en-US" altLang="zh-CN">
+              <a:solidFill>
+                <a:schemeClr val="bg1"/>
+              </a:solidFill>
+            </a:endParaRPr>
+          </a:p>
+          <a:p>
+            <a:pPr algn="l"/>
+            <a:r>
+              <a:rPr lang="en-US" altLang="zh-CN">
+                <a:solidFill>
+                  <a:schemeClr val="bg1"/>
+                </a:solidFill>
+              </a:rPr>
+              <a:t>3 . Lambda表达式</a:t>
+            </a:r>
+            <a:endParaRPr lang="en-US" altLang="zh-CN">
+              <a:solidFill>
+                <a:schemeClr val="bg1"/>
+              </a:solidFill>
+            </a:endParaRPr>
+          </a:p>
+          <a:p>
+            <a:pPr algn="l"/>
+            <a:r>
+              <a:rPr lang="en-US" altLang="zh-CN">
+                <a:solidFill>
+                  <a:schemeClr val="bg1"/>
+                </a:solidFill>
+              </a:rPr>
+              <a:t> val numbers = listOf(1, 2, 3, 4, 5, 6, 7, 8)</a:t>
+            </a:r>
+            <a:endParaRPr lang="en-US" altLang="zh-CN">
+              <a:solidFill>
+                <a:schemeClr val="bg1"/>
+              </a:solidFill>
+            </a:endParaRPr>
+          </a:p>
+          <a:p>
+            <a:pPr algn="l"/>
+            <a:r>
+              <a:rPr lang="en-US" altLang="zh-CN">
+                <a:solidFill>
+                  <a:schemeClr val="bg1"/>
+                </a:solidFill>
+              </a:rPr>
+              <a:t>    numbers.filter({ it &gt; 5 })</a:t>
+            </a:r>
+            <a:endParaRPr lang="en-US" altLang="zh-CN">
+              <a:solidFill>
+                <a:schemeClr val="bg1"/>
+              </a:solidFill>
+            </a:endParaRPr>
+          </a:p>
+          <a:p>
+            <a:pPr algn="l"/>
+            <a:r>
+              <a:rPr lang="en-US" altLang="zh-CN">
+                <a:solidFill>
+                  <a:schemeClr val="bg1"/>
+                </a:solidFill>
+              </a:rPr>
+              <a:t>    //or 这样</a:t>
+            </a:r>
+            <a:endParaRPr lang="en-US" altLang="zh-CN">
+              <a:solidFill>
+                <a:schemeClr val="bg1"/>
+              </a:solidFill>
+            </a:endParaRPr>
+          </a:p>
+          <a:p>
+            <a:pPr algn="l"/>
+            <a:r>
+              <a:rPr lang="en-US" altLang="zh-CN">
+                <a:solidFill>
+                  <a:schemeClr val="bg1"/>
+                </a:solidFill>
+              </a:rPr>
+              <a:t>    numbers.filter { it &gt; 5 }</a:t>
+            </a:r>
+            <a:endParaRPr lang="en-US" altLang="zh-CN">
+              <a:solidFill>
+                <a:schemeClr val="bg1"/>
+              </a:solidFill>
+            </a:endParaRPr>
+          </a:p>
+        </p:txBody>
+      </p:sp>
+      <p:sp>
+        <p:nvSpPr>
+          <p:cNvPr id="4" name="标题 3"/>
+          <p:cNvSpPr/>
+          <p:nvPr>
+            <p:ph type="ctrTitle"/>
+          </p:nvPr>
+        </p:nvSpPr>
+        <p:spPr>
+          <a:xfrm>
+            <a:off x="1419225" y="97155"/>
+            <a:ext cx="9144000" cy="920750"/>
+          </a:xfrm>
+        </p:spPr>
+        <p:txBody>
+          <a:bodyPr>
+            <a:normAutofit fontScale="90000"/>
+          </a:bodyPr>
+          <a:p>
+            <a:r>
+              <a:rPr lang="en-US" altLang="zh-CN">
+                <a:solidFill>
+                  <a:schemeClr val="bg1"/>
+                </a:solidFill>
+              </a:rPr>
+              <a:t>Kotlin</a:t>
+            </a:r>
+            <a:r>
+              <a:rPr lang="zh-CN" altLang="en-US">
+                <a:solidFill>
+                  <a:schemeClr val="bg1"/>
+                </a:solidFill>
+              </a:rPr>
+              <a:t>函数式编程</a:t>
+            </a:r>
+            <a:r>
+              <a:rPr lang="en-US" altLang="zh-CN">
+                <a:solidFill>
+                  <a:schemeClr val="bg1"/>
+                </a:solidFill>
+              </a:rPr>
+              <a:t>2</a:t>
+            </a:r>
+            <a:endParaRPr lang="en-US" altLang="zh-CN">
+              <a:solidFill>
+                <a:schemeClr val="bg1"/>
+              </a:solidFill>
+            </a:endParaRPr>
+          </a:p>
+        </p:txBody>
+      </p:sp>
+    </p:spTree>
+  </p:cSld>
+  <p:clrMapOvr>
+    <a:masterClrMapping/>
+  </p:clrMapOvr>
+</p:sld>
+</file>
+
+<file path=ppt/slides/slide15.xml><?xml version="1.0" encoding="utf-8"?>
+<p:sld xmlns:a="http://schemas.openxmlformats.org/drawingml/2006/main" xmlns:r="http://schemas.openxmlformats.org/officeDocument/2006/relationships" xmlns:p="http://schemas.openxmlformats.org/presentationml/2006/main">
+  <p:cSld>
+    <p:bg>
+      <p:bgPr>
+        <a:blipFill rotWithShape="1">
+          <a:blip r:embed="rId1"/>
+          <a:stretch>
+            <a:fillRect/>
+          </a:stretch>
+        </a:blipFill>
+        <a:effectLst/>
+      </p:bgPr>
+    </p:bg>
+    <p:spTree>
+      <p:nvGrpSpPr>
+        <p:cNvPr id="1" name=""/>
+        <p:cNvGrpSpPr/>
+        <p:nvPr/>
+      </p:nvGrpSpPr>
+      <p:grpSpPr/>
+      <p:sp>
+        <p:nvSpPr>
+          <p:cNvPr id="3" name="副标题 2"/>
+          <p:cNvSpPr>
+            <a:spLocks noGrp="1"/>
+          </p:cNvSpPr>
+          <p:nvPr>
+            <p:ph type="subTitle" idx="1"/>
+          </p:nvPr>
+        </p:nvSpPr>
+        <p:spPr>
+          <a:xfrm>
+            <a:off x="598170" y="1196340"/>
+            <a:ext cx="11065510" cy="5502910"/>
+          </a:xfrm>
+        </p:spPr>
+        <p:txBody>
+          <a:bodyPr>
+            <a:noAutofit/>
+          </a:bodyPr>
+          <a:p>
+            <a:pPr algn="l"/>
+            <a:endParaRPr lang="en-US" altLang="zh-CN" sz="2000">
+              <a:solidFill>
+                <a:schemeClr val="bg1"/>
+              </a:solidFill>
+            </a:endParaRPr>
+          </a:p>
+          <a:p>
+            <a:pPr algn="l"/>
+            <a:r>
+              <a:rPr lang="en-US" altLang="zh-CN">
+                <a:solidFill>
+                  <a:schemeClr val="bg1"/>
+                </a:solidFill>
+              </a:rPr>
+              <a:t>1. kotlin查看编译后的Java代码</a:t>
+            </a:r>
+            <a:endParaRPr lang="en-US" altLang="zh-CN">
+              <a:solidFill>
+                <a:schemeClr val="bg1"/>
+              </a:solidFill>
+            </a:endParaRPr>
+          </a:p>
+          <a:p>
+            <a:pPr algn="l"/>
+            <a:r>
+              <a:rPr lang="en-US" altLang="zh-CN">
+                <a:solidFill>
+                  <a:schemeClr val="bg1"/>
+                </a:solidFill>
+              </a:rPr>
+              <a:t>  a</a:t>
+            </a:r>
+            <a:r>
+              <a:rPr lang="en-US" altLang="zh-CN">
+                <a:solidFill>
+                  <a:schemeClr val="bg1"/>
+                </a:solidFill>
+              </a:rPr>
+              <a:t>、打开一个.kt文件</a:t>
+            </a:r>
+            <a:endParaRPr lang="en-US" altLang="zh-CN">
+              <a:solidFill>
+                <a:schemeClr val="bg1"/>
+              </a:solidFill>
+            </a:endParaRPr>
+          </a:p>
+          <a:p>
+            <a:pPr algn="l"/>
+            <a:r>
+              <a:rPr lang="en-US" altLang="zh-CN">
+                <a:solidFill>
+                  <a:schemeClr val="bg1"/>
+                </a:solidFill>
+              </a:rPr>
+              <a:t>  b、在Android Studio上方，操作如下:</a:t>
+            </a:r>
+            <a:r>
+              <a:rPr lang="en-US" altLang="zh-CN">
+                <a:solidFill>
+                  <a:schemeClr val="bg1"/>
+                </a:solidFill>
+                <a:sym typeface="+mn-ea"/>
+              </a:rPr>
+              <a:t>Tools --&gt; Kotlin --&gt; Show Kotlin ByteCodes</a:t>
+            </a:r>
+            <a:endParaRPr lang="en-US" altLang="zh-CN">
+              <a:solidFill>
+                <a:schemeClr val="bg1"/>
+              </a:solidFill>
+              <a:sym typeface="+mn-ea"/>
+            </a:endParaRPr>
+          </a:p>
+          <a:p>
+            <a:pPr algn="l"/>
+            <a:r>
+              <a:rPr lang="en-US" altLang="zh-CN">
+                <a:solidFill>
+                  <a:schemeClr val="bg1"/>
+                </a:solidFill>
+                <a:sym typeface="+mn-ea"/>
+              </a:rPr>
+              <a:t>  c</a:t>
+            </a:r>
+            <a:r>
+              <a:rPr lang="zh-CN" altLang="en-US">
+                <a:solidFill>
+                  <a:schemeClr val="bg1"/>
+                </a:solidFill>
+                <a:sym typeface="+mn-ea"/>
+              </a:rPr>
+              <a:t>、</a:t>
+            </a:r>
+            <a:r>
+              <a:rPr lang="en-US" altLang="zh-CN">
+                <a:solidFill>
+                  <a:schemeClr val="bg1"/>
+                </a:solidFill>
+                <a:sym typeface="+mn-ea"/>
+              </a:rPr>
+              <a:t>在kotlin字节码页面中，我们点击左上角的decompile按钮，就可以看到Java代码了</a:t>
+            </a:r>
+            <a:endParaRPr lang="en-US" altLang="zh-CN">
+              <a:solidFill>
+                <a:schemeClr val="bg1"/>
+              </a:solidFill>
+              <a:sym typeface="+mn-ea"/>
+            </a:endParaRPr>
+          </a:p>
+          <a:p>
+            <a:pPr algn="l"/>
+            <a:endParaRPr lang="en-US" altLang="zh-CN">
+              <a:solidFill>
+                <a:schemeClr val="bg1"/>
+              </a:solidFill>
+              <a:sym typeface="+mn-ea"/>
+            </a:endParaRPr>
+          </a:p>
+          <a:p>
+            <a:pPr algn="l"/>
+            <a:r>
+              <a:rPr lang="en-US" altLang="zh-CN">
+                <a:solidFill>
+                  <a:schemeClr val="bg1"/>
+                </a:solidFill>
+                <a:sym typeface="+mn-ea"/>
+              </a:rPr>
+              <a:t>2 . </a:t>
+            </a:r>
+            <a:r>
+              <a:rPr lang="zh-CN" altLang="en-US">
+                <a:solidFill>
+                  <a:schemeClr val="bg1"/>
+                </a:solidFill>
+                <a:sym typeface="+mn-ea"/>
+              </a:rPr>
+              <a:t>流式集合</a:t>
+            </a:r>
+            <a:endParaRPr lang="zh-CN" altLang="en-US">
+              <a:solidFill>
+                <a:schemeClr val="bg1"/>
+              </a:solidFill>
+            </a:endParaRPr>
+          </a:p>
+          <a:p>
+            <a:pPr algn="l"/>
+            <a:r>
+              <a:rPr lang="en-US" altLang="zh-CN">
+                <a:solidFill>
+                  <a:schemeClr val="bg1"/>
+                </a:solidFill>
+              </a:rPr>
+              <a:t>val list = listOf(1, 2, 3, 4, 5, 6, 7, 8, 9, 10)</a:t>
+            </a:r>
+            <a:endParaRPr lang="en-US" altLang="zh-CN">
+              <a:solidFill>
+                <a:schemeClr val="bg1"/>
+              </a:solidFill>
+            </a:endParaRPr>
+          </a:p>
+          <a:p>
+            <a:pPr algn="l"/>
+            <a:r>
+              <a:rPr lang="en-US" altLang="zh-CN">
+                <a:solidFill>
+                  <a:schemeClr val="bg1"/>
+                </a:solidFill>
+              </a:rPr>
+              <a:t>    list.filter { it%2==0 }             // 取偶数</a:t>
+            </a:r>
+            <a:endParaRPr lang="en-US" altLang="zh-CN">
+              <a:solidFill>
+                <a:schemeClr val="bg1"/>
+              </a:solidFill>
+            </a:endParaRPr>
+          </a:p>
+          <a:p>
+            <a:pPr algn="l"/>
+            <a:r>
+              <a:rPr lang="en-US" altLang="zh-CN">
+                <a:solidFill>
+                  <a:schemeClr val="bg1"/>
+                </a:solidFill>
+              </a:rPr>
+              <a:t>            .map{ it*it }               // 平方</a:t>
+            </a:r>
+            <a:endParaRPr lang="en-US" altLang="zh-CN">
+              <a:solidFill>
+                <a:schemeClr val="bg1"/>
+              </a:solidFill>
+            </a:endParaRPr>
+          </a:p>
+          <a:p>
+            <a:pPr algn="l"/>
+            <a:r>
+              <a:rPr lang="en-US" altLang="zh-CN">
+                <a:solidFill>
+                  <a:schemeClr val="bg1"/>
+                </a:solidFill>
+              </a:rPr>
+              <a:t>            .sortedDescending()         // 降序排序</a:t>
+            </a:r>
+            <a:endParaRPr lang="en-US" altLang="zh-CN">
+              <a:solidFill>
+                <a:schemeClr val="bg1"/>
+              </a:solidFill>
+            </a:endParaRPr>
+          </a:p>
+          <a:p>
+            <a:pPr algn="l"/>
+            <a:r>
+              <a:rPr lang="en-US" altLang="zh-CN">
+                <a:solidFill>
+                  <a:schemeClr val="bg1"/>
+                </a:solidFill>
+              </a:rPr>
+              <a:t>            .take(3)                    // 取前 3 个</a:t>
+            </a:r>
+            <a:endParaRPr lang="en-US" altLang="zh-CN">
+              <a:solidFill>
+                <a:schemeClr val="bg1"/>
+              </a:solidFill>
+            </a:endParaRPr>
+          </a:p>
+          <a:p>
+            <a:pPr algn="l"/>
+            <a:r>
+              <a:rPr lang="en-US" altLang="zh-CN">
+                <a:solidFill>
+                  <a:schemeClr val="bg1"/>
+                </a:solidFill>
+              </a:rPr>
+              <a:t>            .forEach { println(it) }    // 遍历, 打印</a:t>
+            </a:r>
+            <a:endParaRPr lang="en-US" altLang="zh-CN">
+              <a:solidFill>
+                <a:schemeClr val="bg1"/>
+              </a:solidFill>
+            </a:endParaRPr>
+          </a:p>
+        </p:txBody>
+      </p:sp>
+      <p:sp>
+        <p:nvSpPr>
+          <p:cNvPr id="4" name="标题 3"/>
+          <p:cNvSpPr/>
+          <p:nvPr>
+            <p:ph type="ctrTitle"/>
+          </p:nvPr>
+        </p:nvSpPr>
+        <p:spPr>
+          <a:xfrm>
+            <a:off x="1419225" y="97155"/>
+            <a:ext cx="9144000" cy="920750"/>
+          </a:xfrm>
+        </p:spPr>
+        <p:txBody>
+          <a:bodyPr>
+            <a:normAutofit fontScale="90000"/>
+          </a:bodyPr>
+          <a:p>
+            <a:r>
+              <a:rPr lang="en-US" altLang="zh-CN">
+                <a:solidFill>
+                  <a:schemeClr val="bg1"/>
+                </a:solidFill>
+              </a:rPr>
+              <a:t>Kotlin</a:t>
+            </a:r>
+            <a:r>
+              <a:rPr lang="zh-CN" altLang="en-US">
+                <a:solidFill>
+                  <a:schemeClr val="bg1"/>
+                </a:solidFill>
+              </a:rPr>
+              <a:t>知识点</a:t>
+            </a:r>
+            <a:r>
+              <a:rPr lang="en-US" altLang="zh-CN">
+                <a:solidFill>
+                  <a:schemeClr val="bg1"/>
+                </a:solidFill>
+              </a:rPr>
+              <a:t>1</a:t>
+            </a:r>
+            <a:endParaRPr lang="en-US" altLang="zh-CN">
+              <a:solidFill>
+                <a:schemeClr val="bg1"/>
+              </a:solidFill>
+            </a:endParaRPr>
+          </a:p>
+        </p:txBody>
+      </p:sp>
+    </p:spTree>
+  </p:cSld>
+  <p:clrMapOvr>
+    <a:masterClrMapping/>
+  </p:clrMapOvr>
+</p:sld>
+</file>
+
+<file path=ppt/slides/slide16.xml><?xml version="1.0" encoding="utf-8"?>
+<p:sld xmlns:a="http://schemas.openxmlformats.org/drawingml/2006/main" xmlns:r="http://schemas.openxmlformats.org/officeDocument/2006/relationships" xmlns:p="http://schemas.openxmlformats.org/presentationml/2006/main">
+  <p:cSld>
+    <p:bg>
+      <p:bgPr>
+        <a:blipFill rotWithShape="1">
+          <a:blip r:embed="rId1"/>
+          <a:stretch>
+            <a:fillRect/>
+          </a:stretch>
+        </a:blipFill>
+        <a:effectLst/>
+      </p:bgPr>
+    </p:bg>
+    <p:spTree>
+      <p:nvGrpSpPr>
+        <p:cNvPr id="1" name=""/>
+        <p:cNvGrpSpPr/>
+        <p:nvPr/>
+      </p:nvGrpSpPr>
+      <p:grpSpPr/>
+      <p:sp>
+        <p:nvSpPr>
+          <p:cNvPr id="3" name="副标题 2"/>
+          <p:cNvSpPr>
+            <a:spLocks noGrp="1"/>
+          </p:cNvSpPr>
+          <p:nvPr>
+            <p:ph type="subTitle" idx="1"/>
+          </p:nvPr>
+        </p:nvSpPr>
+        <p:spPr>
+          <a:xfrm>
+            <a:off x="598170" y="1196340"/>
+            <a:ext cx="11065510" cy="5502910"/>
+          </a:xfrm>
+        </p:spPr>
+        <p:txBody>
+          <a:bodyPr>
+            <a:noAutofit/>
+          </a:bodyPr>
+          <a:p>
+            <a:pPr algn="l"/>
+            <a:endParaRPr lang="en-US" altLang="zh-CN" sz="2000">
+              <a:solidFill>
+                <a:schemeClr val="bg1"/>
+              </a:solidFill>
+            </a:endParaRPr>
+          </a:p>
+          <a:p>
+            <a:pPr algn="l"/>
+            <a:r>
+              <a:rPr lang="en-US" altLang="zh-CN">
+                <a:solidFill>
+                  <a:schemeClr val="bg1"/>
+                </a:solidFill>
+              </a:rPr>
+              <a:t>3. Kotlin实现Parcelable</a:t>
+            </a:r>
+            <a:endParaRPr lang="en-US" altLang="zh-CN">
+              <a:solidFill>
+                <a:schemeClr val="bg1"/>
+              </a:solidFill>
+            </a:endParaRPr>
+          </a:p>
+          <a:p>
+            <a:pPr algn="l"/>
+            <a:r>
+              <a:rPr lang="en-US" altLang="zh-CN">
+                <a:solidFill>
+                  <a:schemeClr val="bg1"/>
+                </a:solidFill>
+              </a:rPr>
+              <a:t>@Parcelize</a:t>
+            </a:r>
+            <a:endParaRPr lang="en-US" altLang="zh-CN">
+              <a:solidFill>
+                <a:schemeClr val="bg1"/>
+              </a:solidFill>
+            </a:endParaRPr>
+          </a:p>
+          <a:p>
+            <a:pPr algn="l"/>
+            <a:r>
+              <a:rPr lang="en-US" altLang="zh-CN">
+                <a:solidFill>
+                  <a:schemeClr val="bg1"/>
+                </a:solidFill>
+              </a:rPr>
+              <a:t>data class User(val name: String, val age: Int) : Parcelable</a:t>
+            </a:r>
+            <a:endParaRPr lang="en-US" altLang="zh-CN">
+              <a:solidFill>
+                <a:schemeClr val="bg1"/>
+              </a:solidFill>
+            </a:endParaRPr>
+          </a:p>
+          <a:p>
+            <a:pPr algn="l"/>
+            <a:endParaRPr lang="en-US" altLang="zh-CN">
+              <a:solidFill>
+                <a:schemeClr val="bg1"/>
+              </a:solidFill>
+            </a:endParaRPr>
+          </a:p>
+          <a:p>
+            <a:pPr algn="l"/>
+            <a:r>
+              <a:rPr lang="en-US" altLang="zh-CN">
+                <a:solidFill>
+                  <a:schemeClr val="bg1"/>
+                </a:solidFill>
+              </a:rPr>
+              <a:t>4 . async </a:t>
+            </a:r>
+            <a:r>
+              <a:rPr lang="zh-CN" altLang="en-US">
+                <a:solidFill>
+                  <a:schemeClr val="bg1"/>
+                </a:solidFill>
+              </a:rPr>
+              <a:t>实现</a:t>
+            </a:r>
+            <a:r>
+              <a:rPr lang="zh-CN" altLang="en-US">
+                <a:solidFill>
+                  <a:schemeClr val="bg1"/>
+                </a:solidFill>
+              </a:rPr>
+              <a:t>异步：</a:t>
+            </a:r>
+            <a:endParaRPr lang="zh-CN" altLang="en-US">
+              <a:solidFill>
+                <a:schemeClr val="bg1"/>
+              </a:solidFill>
+            </a:endParaRPr>
+          </a:p>
+          <a:p>
+            <a:pPr algn="l"/>
+            <a:r>
+              <a:rPr lang="zh-CN" altLang="en-US">
+                <a:solidFill>
+                  <a:schemeClr val="bg1"/>
+                </a:solidFill>
+              </a:rPr>
+              <a:t>在build.gradle中添加：compile 'org.jetbrains.anko:anko-sdk15:0.8.2'</a:t>
+            </a:r>
+            <a:endParaRPr lang="zh-CN" altLang="en-US">
+              <a:solidFill>
+                <a:schemeClr val="bg1"/>
+              </a:solidFill>
+            </a:endParaRPr>
+          </a:p>
+          <a:p>
+            <a:pPr algn="l"/>
+            <a:r>
+              <a:rPr lang="zh-CN" altLang="en-US">
+                <a:solidFill>
+                  <a:schemeClr val="bg1"/>
+                </a:solidFill>
+              </a:rPr>
+              <a:t>async {</a:t>
+            </a:r>
+            <a:endParaRPr lang="zh-CN" altLang="en-US">
+              <a:solidFill>
+                <a:schemeClr val="bg1"/>
+              </a:solidFill>
+            </a:endParaRPr>
+          </a:p>
+          <a:p>
+            <a:pPr algn="l"/>
+            <a:r>
+              <a:rPr lang="zh-CN" altLang="en-US">
+                <a:solidFill>
+                  <a:schemeClr val="bg1"/>
+                </a:solidFill>
+              </a:rPr>
+              <a:t>           val text = URL("https://www.baidu.com").readText()//访问网络例如百度                                uiThread { show.text = text } //更新ui(show是一个TextView)</a:t>
+            </a:r>
+            <a:endParaRPr lang="zh-CN" altLang="en-US">
+              <a:solidFill>
+                <a:schemeClr val="bg1"/>
+              </a:solidFill>
+            </a:endParaRPr>
+          </a:p>
+          <a:p>
+            <a:pPr algn="l"/>
+            <a:r>
+              <a:rPr lang="zh-CN" altLang="en-US">
+                <a:solidFill>
+                  <a:schemeClr val="bg1"/>
+                </a:solidFill>
+              </a:rPr>
+              <a:t>       }</a:t>
+            </a:r>
+            <a:endParaRPr lang="zh-CN" altLang="en-US">
+              <a:solidFill>
+                <a:schemeClr val="bg1"/>
+              </a:solidFill>
+            </a:endParaRPr>
+          </a:p>
+          <a:p>
+            <a:pPr algn="l"/>
+            <a:endParaRPr lang="zh-CN" altLang="en-US">
+              <a:solidFill>
+                <a:schemeClr val="bg1"/>
+              </a:solidFill>
+            </a:endParaRPr>
+          </a:p>
+        </p:txBody>
+      </p:sp>
+      <p:sp>
+        <p:nvSpPr>
+          <p:cNvPr id="4" name="标题 3"/>
+          <p:cNvSpPr/>
+          <p:nvPr>
+            <p:ph type="ctrTitle"/>
+          </p:nvPr>
+        </p:nvSpPr>
+        <p:spPr>
+          <a:xfrm>
+            <a:off x="1419225" y="97155"/>
+            <a:ext cx="9144000" cy="920750"/>
+          </a:xfrm>
+        </p:spPr>
+        <p:txBody>
+          <a:bodyPr>
+            <a:normAutofit fontScale="90000"/>
+          </a:bodyPr>
+          <a:p>
+            <a:r>
+              <a:rPr lang="en-US" altLang="zh-CN">
+                <a:solidFill>
+                  <a:schemeClr val="bg1"/>
+                </a:solidFill>
+              </a:rPr>
+              <a:t>Kotlin</a:t>
+            </a:r>
+            <a:r>
+              <a:rPr lang="zh-CN" altLang="en-US">
+                <a:solidFill>
+                  <a:schemeClr val="bg1"/>
+                </a:solidFill>
+              </a:rPr>
+              <a:t>知识点</a:t>
+            </a:r>
+            <a:r>
+              <a:rPr lang="en-US" altLang="zh-CN">
+                <a:solidFill>
+                  <a:schemeClr val="bg1"/>
+                </a:solidFill>
+              </a:rPr>
+              <a:t>2</a:t>
+            </a:r>
+            <a:endParaRPr lang="en-US" altLang="zh-CN">
+              <a:solidFill>
+                <a:schemeClr val="bg1"/>
+              </a:solidFill>
+            </a:endParaRPr>
+          </a:p>
+        </p:txBody>
+      </p:sp>
+    </p:spTree>
+  </p:cSld>
+  <p:clrMapOvr>
+    <a:masterClrMapping/>
+  </p:clrMapOvr>
+</p:sld>
+</file>
+
+<file path=ppt/slides/slide17.xml><?xml version="1.0" encoding="utf-8"?>
+<p:sld xmlns:a="http://schemas.openxmlformats.org/drawingml/2006/main" xmlns:r="http://schemas.openxmlformats.org/officeDocument/2006/relationships" xmlns:p="http://schemas.openxmlformats.org/presentationml/2006/main">
+  <p:cSld>
+    <p:bg>
+      <p:bgPr>
+        <a:blipFill rotWithShape="1">
+          <a:blip r:embed="rId1"/>
+          <a:stretch>
+            <a:fillRect/>
+          </a:stretch>
+        </a:blipFill>
+        <a:effectLst/>
+      </p:bgPr>
+    </p:bg>
+    <p:spTree>
+      <p:nvGrpSpPr>
+        <p:cNvPr id="1" name=""/>
+        <p:cNvGrpSpPr/>
+        <p:nvPr/>
+      </p:nvGrpSpPr>
+      <p:grpSpPr/>
+      <p:sp>
+        <p:nvSpPr>
+          <p:cNvPr id="3" name="副标题 2"/>
+          <p:cNvSpPr>
+            <a:spLocks noGrp="1"/>
+          </p:cNvSpPr>
+          <p:nvPr>
+            <p:ph type="subTitle" idx="1"/>
+          </p:nvPr>
+        </p:nvSpPr>
+        <p:spPr>
+          <a:xfrm>
+            <a:off x="598170" y="1196340"/>
+            <a:ext cx="11065510" cy="5502910"/>
+          </a:xfrm>
+        </p:spPr>
+        <p:txBody>
+          <a:bodyPr>
+            <a:noAutofit/>
+          </a:bodyPr>
+          <a:p>
+            <a:pPr algn="l"/>
+            <a:endParaRPr lang="en-US" altLang="zh-CN" sz="2000">
+              <a:solidFill>
+                <a:schemeClr val="bg1"/>
+              </a:solidFill>
+            </a:endParaRPr>
+          </a:p>
+          <a:p>
+            <a:pPr algn="l"/>
+            <a:r>
+              <a:rPr lang="en-US" altLang="zh-CN">
+                <a:solidFill>
+                  <a:schemeClr val="bg1"/>
+                </a:solidFill>
+              </a:rPr>
+              <a:t>5 . </a:t>
+            </a:r>
+            <a:r>
+              <a:rPr lang="zh-CN" altLang="en-US">
+                <a:solidFill>
+                  <a:schemeClr val="bg1"/>
+                </a:solidFill>
+              </a:rPr>
+              <a:t>协程</a:t>
+            </a:r>
+            <a:r>
+              <a:rPr lang="zh-CN" altLang="en-US">
+                <a:solidFill>
+                  <a:schemeClr val="bg1"/>
+                </a:solidFill>
+              </a:rPr>
+              <a:t>实现异步：</a:t>
+            </a:r>
+            <a:endParaRPr lang="zh-CN" altLang="en-US">
+              <a:solidFill>
+                <a:schemeClr val="bg1"/>
+              </a:solidFill>
+            </a:endParaRPr>
+          </a:p>
+          <a:p>
+            <a:pPr algn="l"/>
+            <a:r>
+              <a:rPr lang="zh-CN" altLang="en-US">
+                <a:solidFill>
+                  <a:schemeClr val="bg1"/>
+                </a:solidFill>
+              </a:rPr>
+              <a:t>build.gradle文件中添加如下的依赖。</a:t>
+            </a:r>
+            <a:endParaRPr lang="zh-CN" altLang="en-US">
+              <a:solidFill>
+                <a:schemeClr val="bg1"/>
+              </a:solidFill>
+            </a:endParaRPr>
+          </a:p>
+          <a:p>
+            <a:pPr algn="l"/>
+            <a:r>
+              <a:rPr lang="zh-CN" altLang="en-US">
+                <a:solidFill>
+                  <a:schemeClr val="bg1"/>
+                </a:solidFill>
+              </a:rPr>
+              <a:t>implementation 'org.jetbrains.kotlinx:kotlinx-coroutines-core:0.20' implementation 'org.jetbrains.kotlinx:kotlinx-coroutines-android:0.20'</a:t>
+            </a:r>
+            <a:endParaRPr lang="zh-CN" altLang="en-US">
+              <a:solidFill>
+                <a:schemeClr val="bg1"/>
+              </a:solidFill>
+            </a:endParaRPr>
+          </a:p>
+          <a:p>
+            <a:pPr algn="l"/>
+            <a:r>
+              <a:rPr lang="zh-CN" altLang="en-US">
+                <a:solidFill>
+                  <a:schemeClr val="bg1"/>
+                </a:solidFill>
+              </a:rPr>
+              <a:t>val job = launch(Background) {</a:t>
+            </a:r>
+            <a:endParaRPr lang="zh-CN" altLang="en-US">
+              <a:solidFill>
+                <a:schemeClr val="bg1"/>
+              </a:solidFill>
+            </a:endParaRPr>
+          </a:p>
+          <a:p>
+            <a:pPr algn="l"/>
+            <a:r>
+              <a:rPr lang="zh-CN" altLang="en-US">
+                <a:solidFill>
+                  <a:schemeClr val="bg1"/>
+                </a:solidFill>
+              </a:rPr>
+              <a:t>  val bitmap = MediaStore.Images.Media.getBitmap(contentResolver,uri) </a:t>
+            </a:r>
+            <a:endParaRPr lang="zh-CN" altLang="en-US">
+              <a:solidFill>
+                <a:schemeClr val="bg1"/>
+              </a:solidFill>
+            </a:endParaRPr>
+          </a:p>
+          <a:p>
+            <a:pPr algn="l"/>
+            <a:r>
+              <a:rPr lang="zh-CN" altLang="en-US">
+                <a:solidFill>
+                  <a:schemeClr val="bg1"/>
+                </a:solidFill>
+              </a:rPr>
+              <a:t>  launch(UI) {</a:t>
+            </a:r>
+            <a:endParaRPr lang="zh-CN" altLang="en-US">
+              <a:solidFill>
+                <a:schemeClr val="bg1"/>
+              </a:solidFill>
+            </a:endParaRPr>
+          </a:p>
+          <a:p>
+            <a:pPr algn="l"/>
+            <a:r>
+              <a:rPr lang="zh-CN" altLang="en-US">
+                <a:solidFill>
+                  <a:schemeClr val="bg1"/>
+                </a:solidFill>
+              </a:rPr>
+              <a:t>    imageView.setImageBitmap(bitmap)</a:t>
+            </a:r>
+            <a:endParaRPr lang="zh-CN" altLang="en-US">
+              <a:solidFill>
+                <a:schemeClr val="bg1"/>
+              </a:solidFill>
+            </a:endParaRPr>
+          </a:p>
+          <a:p>
+            <a:pPr algn="l"/>
+            <a:r>
+              <a:rPr lang="zh-CN" altLang="en-US">
+                <a:solidFill>
+                  <a:schemeClr val="bg1"/>
+                </a:solidFill>
+              </a:rPr>
+              <a:t>  }</a:t>
+            </a:r>
+            <a:endParaRPr lang="zh-CN" altLang="en-US">
+              <a:solidFill>
+                <a:schemeClr val="bg1"/>
+              </a:solidFill>
+            </a:endParaRPr>
+          </a:p>
+          <a:p>
+            <a:pPr algn="l"/>
+            <a:r>
+              <a:rPr lang="zh-CN" altLang="en-US">
+                <a:solidFill>
+                  <a:schemeClr val="bg1"/>
+                </a:solidFill>
+              </a:rPr>
+              <a:t>}</a:t>
+            </a:r>
+            <a:endParaRPr lang="zh-CN" altLang="en-US">
+              <a:solidFill>
+                <a:schemeClr val="bg1"/>
+              </a:solidFill>
+            </a:endParaRPr>
+          </a:p>
+          <a:p>
+            <a:pPr algn="l"/>
+            <a:r>
+              <a:rPr lang="en-US" altLang="zh-CN">
+                <a:solidFill>
+                  <a:schemeClr val="bg1"/>
+                </a:solidFill>
+              </a:rPr>
+              <a:t>job.cancel()</a:t>
+            </a:r>
+            <a:endParaRPr lang="zh-CN" altLang="en-US">
+              <a:solidFill>
+                <a:schemeClr val="bg1"/>
+              </a:solidFill>
+            </a:endParaRPr>
+          </a:p>
+          <a:p>
+            <a:pPr algn="l"/>
+            <a:endParaRPr lang="zh-CN" altLang="en-US">
+              <a:solidFill>
+                <a:schemeClr val="bg1"/>
+              </a:solidFill>
+            </a:endParaRPr>
+          </a:p>
+        </p:txBody>
+      </p:sp>
+      <p:sp>
+        <p:nvSpPr>
+          <p:cNvPr id="4" name="标题 3"/>
+          <p:cNvSpPr/>
+          <p:nvPr>
+            <p:ph type="ctrTitle"/>
+          </p:nvPr>
+        </p:nvSpPr>
+        <p:spPr>
+          <a:xfrm>
+            <a:off x="1419225" y="97155"/>
+            <a:ext cx="9144000" cy="920750"/>
+          </a:xfrm>
+        </p:spPr>
+        <p:txBody>
+          <a:bodyPr>
+            <a:normAutofit fontScale="90000"/>
+          </a:bodyPr>
+          <a:p>
+            <a:r>
+              <a:rPr lang="en-US" altLang="zh-CN">
+                <a:solidFill>
+                  <a:schemeClr val="bg1"/>
+                </a:solidFill>
+              </a:rPr>
+              <a:t>Kotlin</a:t>
+            </a:r>
+            <a:r>
+              <a:rPr lang="zh-CN" altLang="en-US">
+                <a:solidFill>
+                  <a:schemeClr val="bg1"/>
+                </a:solidFill>
+              </a:rPr>
+              <a:t>知识点</a:t>
+            </a:r>
+            <a:r>
+              <a:rPr lang="en-US" altLang="zh-CN">
+                <a:solidFill>
+                  <a:schemeClr val="bg1"/>
+                </a:solidFill>
+              </a:rPr>
+              <a:t>3</a:t>
+            </a:r>
+            <a:endParaRPr lang="en-US" altLang="zh-CN">
+              <a:solidFill>
+                <a:schemeClr val="bg1"/>
+              </a:solidFill>
+            </a:endParaRPr>
+          </a:p>
+        </p:txBody>
+      </p:sp>
+    </p:spTree>
+  </p:cSld>
+  <p:clrMapOvr>
+    <a:masterClrMapping/>
+  </p:clrMapOvr>
+</p:sld>
+</file>
+
+<file path=ppt/slides/slide18.xml><?xml version="1.0" encoding="utf-8"?>
+<p:sld xmlns:a="http://schemas.openxmlformats.org/drawingml/2006/main" xmlns:r="http://schemas.openxmlformats.org/officeDocument/2006/relationships" xmlns:p="http://schemas.openxmlformats.org/presentationml/2006/main">
+  <p:cSld>
+    <p:bg>
+      <p:bgPr>
+        <a:blipFill rotWithShape="1">
+          <a:blip r:embed="rId1"/>
+          <a:stretch>
+            <a:fillRect/>
+          </a:stretch>
+        </a:blipFill>
+        <a:effectLst/>
+      </p:bgPr>
+    </p:bg>
+    <p:spTree>
+      <p:nvGrpSpPr>
+        <p:cNvPr id="1" name=""/>
+        <p:cNvGrpSpPr/>
+        <p:nvPr/>
+      </p:nvGrpSpPr>
+      <p:grpSpPr/>
+      <p:sp>
+        <p:nvSpPr>
+          <p:cNvPr id="3" name="副标题 2"/>
+          <p:cNvSpPr>
+            <a:spLocks noGrp="1"/>
+          </p:cNvSpPr>
+          <p:nvPr>
+            <p:ph type="subTitle" idx="1"/>
+          </p:nvPr>
+        </p:nvSpPr>
+        <p:spPr>
+          <a:xfrm>
+            <a:off x="598170" y="4688840"/>
+            <a:ext cx="11065510" cy="2010410"/>
+          </a:xfrm>
+        </p:spPr>
+        <p:txBody>
+          <a:bodyPr>
+            <a:noAutofit/>
+          </a:bodyPr>
+          <a:p>
+            <a:pPr algn="l"/>
+            <a:endParaRPr lang="en-US" altLang="zh-CN" sz="2000">
+              <a:solidFill>
+                <a:schemeClr val="bg1"/>
+              </a:solidFill>
+            </a:endParaRPr>
+          </a:p>
+          <a:p>
+            <a:pPr algn="l"/>
+            <a:endParaRPr lang="zh-CN" altLang="en-US">
+              <a:solidFill>
+                <a:schemeClr val="bg1"/>
+              </a:solidFill>
+            </a:endParaRPr>
+          </a:p>
+          <a:p>
+            <a:pPr algn="l"/>
+            <a:endParaRPr lang="zh-CN" altLang="en-US">
+              <a:solidFill>
+                <a:schemeClr val="bg1"/>
+              </a:solidFill>
+            </a:endParaRPr>
+          </a:p>
+        </p:txBody>
+      </p:sp>
+      <p:sp>
+        <p:nvSpPr>
+          <p:cNvPr id="4" name="标题 3"/>
+          <p:cNvSpPr/>
+          <p:nvPr>
+            <p:ph type="ctrTitle"/>
+          </p:nvPr>
+        </p:nvSpPr>
+        <p:spPr>
+          <a:xfrm>
+            <a:off x="1232535" y="2505075"/>
+            <a:ext cx="9144000" cy="972185"/>
+          </a:xfrm>
+        </p:spPr>
+        <p:txBody>
+          <a:bodyPr>
+            <a:normAutofit fontScale="90000"/>
+          </a:bodyPr>
+          <a:p>
+            <a:r>
+              <a:rPr lang="en-US" altLang="zh-CN">
+                <a:solidFill>
+                  <a:schemeClr val="bg1"/>
+                </a:solidFill>
+              </a:rPr>
+              <a:t>Thanks</a:t>
             </a:r>
             <a:endParaRPr lang="en-US" altLang="zh-CN">
               <a:solidFill>
@@ -4924,15 +6432,7 @@
                   <a:schemeClr val="bg1"/>
                 </a:solidFill>
               </a:rPr>
-              <a:t>的不同（一</a:t>
-            </a:r>
-            <a:r>
-              <a:rPr lang="zh-CN" altLang="en-US">
-                <a:solidFill>
-                  <a:schemeClr val="bg1"/>
-                </a:solidFill>
-              </a:rPr>
-              <a:t>）</a:t>
+              <a:t>的不同（一）</a:t>
             </a:r>
             <a:endParaRPr lang="zh-CN" altLang="en-US">
               <a:solidFill>
@@ -5218,15 +6718,7 @@
                   <a:schemeClr val="bg1"/>
                 </a:solidFill>
               </a:rPr>
-              <a:t>的不同（二</a:t>
-            </a:r>
-            <a:r>
-              <a:rPr lang="zh-CN" altLang="en-US">
-                <a:solidFill>
-                  <a:schemeClr val="bg1"/>
-                </a:solidFill>
-              </a:rPr>
-              <a:t>）</a:t>
+              <a:t>的不同（二）</a:t>
             </a:r>
             <a:endParaRPr lang="zh-CN" altLang="en-US">
               <a:solidFill>
@@ -5560,15 +7052,7 @@
                   <a:schemeClr val="bg1"/>
                 </a:solidFill>
               </a:rPr>
-              <a:t>的不同（三</a:t>
-            </a:r>
-            <a:r>
-              <a:rPr lang="zh-CN" altLang="en-US">
-                <a:solidFill>
-                  <a:schemeClr val="bg1"/>
-                </a:solidFill>
-              </a:rPr>
-              <a:t>）</a:t>
+              <a:t>的不同（三）</a:t>
             </a:r>
             <a:endParaRPr lang="zh-CN" altLang="en-US">
               <a:solidFill>
@@ -5878,15 +7362,7 @@
                   <a:schemeClr val="bg1"/>
                 </a:solidFill>
               </a:rPr>
-              <a:t>的不同（四</a:t>
-            </a:r>
-            <a:r>
-              <a:rPr lang="zh-CN" altLang="en-US">
-                <a:solidFill>
-                  <a:schemeClr val="bg1"/>
-                </a:solidFill>
-              </a:rPr>
-              <a:t>）</a:t>
+              <a:t>的不同（四）</a:t>
             </a:r>
             <a:endParaRPr lang="zh-CN" altLang="en-US">
               <a:solidFill>
@@ -6219,15 +7695,7 @@
                   <a:schemeClr val="bg1"/>
                 </a:solidFill>
               </a:rPr>
-              <a:t>的不同（五</a:t>
-            </a:r>
-            <a:r>
-              <a:rPr lang="zh-CN" altLang="en-US">
-                <a:solidFill>
-                  <a:schemeClr val="bg1"/>
-                </a:solidFill>
-              </a:rPr>
-              <a:t>）</a:t>
+              <a:t>的不同（五）</a:t>
             </a:r>
             <a:endParaRPr lang="en-US" altLang="zh-CN">
               <a:solidFill>

--- a/KotlinApp/Kotlin分享.pptx
+++ b/KotlinApp/Kotlin分享.pptx
@@ -4455,15 +4455,7 @@
                   <a:schemeClr val="bg1"/>
                 </a:solidFill>
               </a:rPr>
-              <a:t>  a</a:t>
-            </a:r>
-            <a:r>
-              <a:rPr lang="en-US" altLang="zh-CN">
-                <a:solidFill>
-                  <a:schemeClr val="bg1"/>
-                </a:solidFill>
-              </a:rPr>
-              <a:t>、打开一个.kt文件</a:t>
+              <a:t>  a、打开一个.kt文件</a:t>
             </a:r>
             <a:endParaRPr lang="en-US" altLang="zh-CN">
               <a:solidFill>
@@ -4846,15 +4838,7 @@
                   <a:schemeClr val="bg1"/>
                 </a:solidFill>
               </a:rPr>
-              <a:t>实现</a:t>
-            </a:r>
-            <a:r>
-              <a:rPr lang="zh-CN" altLang="en-US">
-                <a:solidFill>
-                  <a:schemeClr val="bg1"/>
-                </a:solidFill>
-              </a:rPr>
-              <a:t>异步：</a:t>
+              <a:t>实现异步：</a:t>
             </a:r>
             <a:endParaRPr lang="zh-CN" altLang="en-US">
               <a:solidFill>
@@ -5060,15 +5044,7 @@
                   <a:schemeClr val="bg1"/>
                 </a:solidFill>
               </a:rPr>
-              <a:t>协程</a:t>
-            </a:r>
-            <a:r>
-              <a:rPr lang="zh-CN" altLang="en-US">
-                <a:solidFill>
-                  <a:schemeClr val="bg1"/>
-                </a:solidFill>
-              </a:rPr>
-              <a:t>实现异步：</a:t>
+              <a:t>协程实现异步：</a:t>
             </a:r>
             <a:endParaRPr lang="zh-CN" altLang="en-US">
               <a:solidFill>
@@ -5887,7 +5863,7 @@
         </p:spPr>
         <p:txBody>
           <a:bodyPr>
-            <a:normAutofit fontScale="90000"/>
+            <a:normAutofit fontScale="90000" lnSpcReduction="10000"/>
           </a:bodyPr>
           <a:p>
             <a:pPr algn="l"/>
@@ -6083,15 +6059,47 @@
               </a:rPr>
               <a:t>：强制转化</a:t>
             </a:r>
-            <a:endParaRPr lang="en-US" altLang="zh-CN">
-              <a:solidFill>
-                <a:schemeClr val="bg1"/>
-              </a:solidFill>
-            </a:endParaRPr>
-          </a:p>
-          <a:p>
-            <a:pPr algn="l"/>
-            <a:endParaRPr lang="en-US" altLang="zh-CN">
+            <a:endParaRPr lang="zh-CN" altLang="en-US">
+              <a:solidFill>
+                <a:schemeClr val="bg1"/>
+              </a:solidFill>
+            </a:endParaRPr>
+          </a:p>
+          <a:p>
+            <a:pPr algn="l"/>
+            <a:r>
+              <a:rPr lang="en-US" altLang="zh-CN">
+                <a:solidFill>
+                  <a:schemeClr val="bg1"/>
+                </a:solidFill>
+              </a:rPr>
+              <a:t>object</a:t>
+            </a:r>
+            <a:r>
+              <a:rPr lang="zh-CN" altLang="en-US">
+                <a:solidFill>
+                  <a:schemeClr val="bg1"/>
+                </a:solidFill>
+              </a:rPr>
+              <a:t>：1. 对象声明  2. 伴生对象 </a:t>
+            </a:r>
+            <a:r>
+              <a:rPr lang="en-US" altLang="zh-CN">
+                <a:solidFill>
+                  <a:schemeClr val="bg1"/>
+                </a:solidFill>
+              </a:rPr>
+              <a:t>3. </a:t>
+            </a:r>
+            <a:r>
+              <a:rPr lang="zh-CN" altLang="en-US">
+                <a:solidFill>
+                  <a:schemeClr val="bg1"/>
+                </a:solidFill>
+              </a:rPr>
+              <a:t>对象表达式</a:t>
+            </a:r>
+            <a:endParaRPr lang="zh-CN" altLang="en-US">
               <a:solidFill>
                 <a:schemeClr val="bg1"/>
               </a:solidFill>

--- a/KotlinApp/Kotlin分享.pptx
+++ b/KotlinApp/Kotlin分享.pptx
@@ -3234,55 +3234,56 @@
           <a:p>
             <a:pPr algn="l"/>
             <a:r>
-              <a:rPr lang="en-US" altLang="zh-CN" sz="2000">
+              <a:rPr lang="en-US" altLang="zh-CN" sz="2200">
                 <a:solidFill>
                   <a:schemeClr val="bg1"/>
                 </a:solidFill>
               </a:rPr>
               <a:t>18  . 三元表达式</a:t>
             </a:r>
-            <a:endParaRPr lang="en-US" altLang="zh-CN" sz="2000">
-              <a:solidFill>
-                <a:schemeClr val="bg1"/>
-              </a:solidFill>
-            </a:endParaRPr>
-          </a:p>
-          <a:p>
-            <a:pPr algn="l"/>
-            <a:r>
-              <a:rPr lang="zh-CN" altLang="en-US" sz="2000">
-                <a:solidFill>
-                  <a:schemeClr val="bg1"/>
-                </a:solidFill>
-              </a:rPr>
-              <a:t>　java中(condition ? then : else)</a:t>
-            </a:r>
-            <a:endParaRPr lang="zh-CN" altLang="en-US" sz="2000">
-              <a:solidFill>
-                <a:schemeClr val="bg1"/>
-              </a:solidFill>
-            </a:endParaRPr>
-          </a:p>
-          <a:p>
-            <a:pPr algn="l"/>
-            <a:r>
-              <a:rPr lang="zh-CN" altLang="en-US" sz="2000">
-                <a:solidFill>
-                  <a:schemeClr val="bg1"/>
-                </a:solidFill>
-              </a:rPr>
-              <a:t>　　kotlin中 if (a &gt; b) a else b</a:t>
-            </a:r>
-            <a:endParaRPr lang="zh-CN" altLang="en-US" sz="2000">
-              <a:solidFill>
-                <a:schemeClr val="bg1"/>
-              </a:solidFill>
-            </a:endParaRPr>
-          </a:p>
-          <a:p>
-            <a:pPr algn="l"/>
-            <a:r>
-              <a:rPr lang="en-US" altLang="zh-CN" sz="2000">
+            <a:endParaRPr lang="en-US" altLang="zh-CN" sz="2200">
+              <a:solidFill>
+                <a:schemeClr val="bg1"/>
+              </a:solidFill>
+            </a:endParaRPr>
+          </a:p>
+          <a:p>
+            <a:pPr algn="l"/>
+            <a:r>
+              <a:rPr lang="zh-CN" altLang="en-US" sz="2200">
+                <a:solidFill>
+                  <a:schemeClr val="bg1"/>
+                </a:solidFill>
+              </a:rPr>
+              <a:t>　java中(condition ? then : else)  </a:t>
+            </a:r>
+            <a:r>
+              <a:rPr lang="zh-CN" altLang="en-US" sz="2200">
+                <a:solidFill>
+                  <a:schemeClr val="bg1"/>
+                </a:solidFill>
+                <a:sym typeface="+mn-ea"/>
+              </a:rPr>
+              <a:t>kotlin中 if (a &gt; b) a else b</a:t>
+            </a:r>
+            <a:r>
+              <a:rPr lang="zh-CN" altLang="en-US" sz="2200">
+                <a:solidFill>
+                  <a:schemeClr val="bg1"/>
+                </a:solidFill>
+              </a:rPr>
+              <a:t>　　</a:t>
+            </a:r>
+            <a:endParaRPr lang="zh-CN" altLang="en-US" sz="2200">
+              <a:solidFill>
+                <a:schemeClr val="bg1"/>
+              </a:solidFill>
+            </a:endParaRPr>
+          </a:p>
+          <a:p>
+            <a:pPr algn="l"/>
+            <a:r>
+              <a:rPr lang="en-US" altLang="zh-CN" sz="2200">
                 <a:solidFill>
                   <a:schemeClr val="bg1"/>
                 </a:solidFill>
@@ -3290,7 +3291,7 @@
               <a:t>19 . switch case</a:t>
             </a:r>
             <a:r>
-              <a:rPr lang="zh-CN" altLang="en-US" sz="2000">
+              <a:rPr lang="zh-CN" altLang="en-US" sz="2200">
                 <a:solidFill>
                   <a:schemeClr val="bg1"/>
                 </a:solidFill>
@@ -3298,174 +3299,174 @@
               <a:t>，</a:t>
             </a:r>
             <a:r>
-              <a:rPr lang="en-US" altLang="zh-CN" sz="2000">
+              <a:rPr lang="en-US" altLang="zh-CN" sz="2200">
                 <a:solidFill>
                   <a:schemeClr val="bg1"/>
                 </a:solidFill>
               </a:rPr>
               <a:t>java中 switch(){</a:t>
             </a:r>
-            <a:endParaRPr lang="en-US" altLang="zh-CN" sz="2000">
-              <a:solidFill>
-                <a:schemeClr val="bg1"/>
-              </a:solidFill>
-            </a:endParaRPr>
-          </a:p>
-          <a:p>
-            <a:pPr algn="l"/>
-            <a:r>
-              <a:rPr lang="en-US" altLang="zh-CN" sz="2000">
+            <a:endParaRPr lang="en-US" altLang="zh-CN" sz="2200">
+              <a:solidFill>
+                <a:schemeClr val="bg1"/>
+              </a:solidFill>
+            </a:endParaRPr>
+          </a:p>
+          <a:p>
+            <a:pPr algn="l"/>
+            <a:r>
+              <a:rPr lang="en-US" altLang="zh-CN" sz="2200">
                 <a:solidFill>
                   <a:schemeClr val="bg1"/>
                 </a:solidFill>
               </a:rPr>
               <a:t>　　　　case:</a:t>
             </a:r>
-            <a:endParaRPr lang="en-US" altLang="zh-CN" sz="2000">
-              <a:solidFill>
-                <a:schemeClr val="bg1"/>
-              </a:solidFill>
-            </a:endParaRPr>
-          </a:p>
-          <a:p>
-            <a:pPr algn="l"/>
-            <a:r>
-              <a:rPr lang="en-US" altLang="zh-CN" sz="2000">
+            <a:endParaRPr lang="en-US" altLang="zh-CN" sz="2200">
+              <a:solidFill>
+                <a:schemeClr val="bg1"/>
+              </a:solidFill>
+            </a:endParaRPr>
+          </a:p>
+          <a:p>
+            <a:pPr algn="l"/>
+            <a:r>
+              <a:rPr lang="en-US" altLang="zh-CN" sz="2200">
                 <a:solidFill>
                   <a:schemeClr val="bg1"/>
                 </a:solidFill>
               </a:rPr>
               <a:t>　　　　　　breaak;</a:t>
             </a:r>
-            <a:endParaRPr lang="en-US" altLang="zh-CN" sz="2000">
-              <a:solidFill>
-                <a:schemeClr val="bg1"/>
-              </a:solidFill>
-            </a:endParaRPr>
-          </a:p>
-          <a:p>
-            <a:pPr algn="l"/>
-            <a:r>
-              <a:rPr lang="en-US" altLang="zh-CN" sz="2000">
+            <a:endParaRPr lang="en-US" altLang="zh-CN" sz="2200">
+              <a:solidFill>
+                <a:schemeClr val="bg1"/>
+              </a:solidFill>
+            </a:endParaRPr>
+          </a:p>
+          <a:p>
+            <a:pPr algn="l"/>
+            <a:r>
+              <a:rPr lang="en-US" altLang="zh-CN" sz="2200">
                 <a:solidFill>
                   <a:schemeClr val="bg1"/>
                 </a:solidFill>
               </a:rPr>
               <a:t>　　　　}</a:t>
             </a:r>
-            <a:endParaRPr lang="en-US" altLang="zh-CN" sz="2000">
-              <a:solidFill>
-                <a:schemeClr val="bg1"/>
-              </a:solidFill>
-            </a:endParaRPr>
-          </a:p>
-          <a:p>
-            <a:pPr algn="l"/>
-            <a:r>
-              <a:rPr lang="en-US" altLang="zh-CN" sz="2000">
+            <a:endParaRPr lang="en-US" altLang="zh-CN" sz="2200">
+              <a:solidFill>
+                <a:schemeClr val="bg1"/>
+              </a:solidFill>
+            </a:endParaRPr>
+          </a:p>
+          <a:p>
+            <a:pPr algn="l"/>
+            <a:r>
+              <a:rPr lang="en-US" altLang="zh-CN" sz="2200">
                 <a:solidFill>
                   <a:schemeClr val="bg1"/>
                 </a:solidFill>
               </a:rPr>
               <a:t>　　kotlin 中 when() -&gt;</a:t>
             </a:r>
-            <a:endParaRPr lang="en-US" altLang="zh-CN" sz="2000">
-              <a:solidFill>
-                <a:schemeClr val="bg1"/>
-              </a:solidFill>
-            </a:endParaRPr>
-          </a:p>
-          <a:p>
-            <a:pPr algn="l"/>
-            <a:r>
-              <a:rPr lang="en-US" altLang="zh-CN" sz="2000">
+            <a:endParaRPr lang="en-US" altLang="zh-CN" sz="2200">
+              <a:solidFill>
+                <a:schemeClr val="bg1"/>
+              </a:solidFill>
+            </a:endParaRPr>
+          </a:p>
+          <a:p>
+            <a:pPr algn="l"/>
+            <a:r>
+              <a:rPr lang="en-US" altLang="zh-CN" sz="2200">
                 <a:solidFill>
                   <a:schemeClr val="bg1"/>
                 </a:solidFill>
               </a:rPr>
               <a:t>    val language = if (args.size == 0) "EN" else args[0]</a:t>
             </a:r>
-            <a:endParaRPr lang="en-US" altLang="zh-CN" sz="2000">
-              <a:solidFill>
-                <a:schemeClr val="bg1"/>
-              </a:solidFill>
-            </a:endParaRPr>
-          </a:p>
-          <a:p>
-            <a:pPr algn="l"/>
-            <a:r>
-              <a:rPr lang="en-US" altLang="zh-CN" sz="2000">
+            <a:endParaRPr lang="en-US" altLang="zh-CN" sz="2200">
+              <a:solidFill>
+                <a:schemeClr val="bg1"/>
+              </a:solidFill>
+            </a:endParaRPr>
+          </a:p>
+          <a:p>
+            <a:pPr algn="l"/>
+            <a:r>
+              <a:rPr lang="en-US" altLang="zh-CN" sz="2200">
                 <a:solidFill>
                   <a:schemeClr val="bg1"/>
                 </a:solidFill>
               </a:rPr>
               <a:t>    when (language) {</a:t>
             </a:r>
-            <a:endParaRPr lang="en-US" altLang="zh-CN" sz="2000">
-              <a:solidFill>
-                <a:schemeClr val="bg1"/>
-              </a:solidFill>
-            </a:endParaRPr>
-          </a:p>
-          <a:p>
-            <a:pPr algn="l"/>
-            <a:r>
-              <a:rPr lang="en-US" altLang="zh-CN" sz="2000">
+            <a:endParaRPr lang="en-US" altLang="zh-CN" sz="2200">
+              <a:solidFill>
+                <a:schemeClr val="bg1"/>
+              </a:solidFill>
+            </a:endParaRPr>
+          </a:p>
+          <a:p>
+            <a:pPr algn="l"/>
+            <a:r>
+              <a:rPr lang="en-US" altLang="zh-CN" sz="2200">
                 <a:solidFill>
                   <a:schemeClr val="bg1"/>
                 </a:solidFill>
               </a:rPr>
               <a:t>        "EN" -&gt; "Hello!"</a:t>
             </a:r>
-            <a:endParaRPr lang="en-US" altLang="zh-CN" sz="2000">
-              <a:solidFill>
-                <a:schemeClr val="bg1"/>
-              </a:solidFill>
-            </a:endParaRPr>
-          </a:p>
-          <a:p>
-            <a:pPr algn="l"/>
-            <a:r>
-              <a:rPr lang="en-US" altLang="zh-CN" sz="2000">
+            <a:endParaRPr lang="en-US" altLang="zh-CN" sz="2200">
+              <a:solidFill>
+                <a:schemeClr val="bg1"/>
+              </a:solidFill>
+            </a:endParaRPr>
+          </a:p>
+          <a:p>
+            <a:pPr algn="l"/>
+            <a:r>
+              <a:rPr lang="en-US" altLang="zh-CN" sz="2200">
                 <a:solidFill>
                   <a:schemeClr val="bg1"/>
                 </a:solidFill>
               </a:rPr>
               <a:t>        "FR" -&gt; "Salut!"</a:t>
             </a:r>
-            <a:endParaRPr lang="en-US" altLang="zh-CN" sz="2000">
-              <a:solidFill>
-                <a:schemeClr val="bg1"/>
-              </a:solidFill>
-            </a:endParaRPr>
-          </a:p>
-          <a:p>
-            <a:pPr algn="l"/>
-            <a:r>
-              <a:rPr lang="en-US" altLang="zh-CN" sz="2000">
+            <a:endParaRPr lang="en-US" altLang="zh-CN" sz="2200">
+              <a:solidFill>
+                <a:schemeClr val="bg1"/>
+              </a:solidFill>
+            </a:endParaRPr>
+          </a:p>
+          <a:p>
+            <a:pPr algn="l"/>
+            <a:r>
+              <a:rPr lang="en-US" altLang="zh-CN" sz="2200">
                 <a:solidFill>
                   <a:schemeClr val="bg1"/>
                 </a:solidFill>
               </a:rPr>
               <a:t>        else -&gt; "Sorry, I can't greet you in $language yet"</a:t>
             </a:r>
-            <a:endParaRPr lang="en-US" altLang="zh-CN" sz="2000">
-              <a:solidFill>
-                <a:schemeClr val="bg1"/>
-              </a:solidFill>
-            </a:endParaRPr>
-          </a:p>
-          <a:p>
-            <a:pPr algn="l"/>
-            <a:r>
-              <a:rPr lang="en-US" altLang="zh-CN" sz="2000">
+            <a:endParaRPr lang="en-US" altLang="zh-CN" sz="2200">
+              <a:solidFill>
+                <a:schemeClr val="bg1"/>
+              </a:solidFill>
+            </a:endParaRPr>
+          </a:p>
+          <a:p>
+            <a:pPr algn="l"/>
+            <a:r>
+              <a:rPr lang="en-US" altLang="zh-CN" sz="2200">
                 <a:solidFill>
                   <a:schemeClr val="bg1"/>
                 </a:solidFill>
               </a:rPr>
               <a:t>    }</a:t>
             </a:r>
-            <a:endParaRPr lang="en-US" altLang="zh-CN" sz="2000">
+            <a:endParaRPr lang="en-US" altLang="zh-CN" sz="2200">
               <a:solidFill>
                 <a:schemeClr val="bg1"/>
               </a:solidFill>
@@ -3584,111 +3585,155 @@
           <a:p>
             <a:pPr algn="l"/>
             <a:r>
-              <a:rPr lang="en-US" altLang="zh-CN" sz="2000">
-                <a:solidFill>
-                  <a:schemeClr val="bg1"/>
-                </a:solidFill>
-              </a:rPr>
-              <a:t>20 ./*在Kotlin中，=== 表示比较对象地址，== 表示比较两个值大小*/</a:t>
-            </a:r>
-            <a:endParaRPr lang="en-US" altLang="zh-CN" sz="2000">
-              <a:solidFill>
-                <a:schemeClr val="bg1"/>
-              </a:solidFill>
-            </a:endParaRPr>
-          </a:p>
-          <a:p>
-            <a:pPr algn="l"/>
-            <a:r>
-              <a:rPr lang="en-US" altLang="zh-CN" sz="2000">
-                <a:solidFill>
-                  <a:schemeClr val="bg1"/>
-                </a:solidFill>
-              </a:rPr>
-              <a:t>        val a1 : Int? = a</a:t>
-            </a:r>
-            <a:endParaRPr lang="en-US" altLang="zh-CN" sz="2000">
-              <a:solidFill>
-                <a:schemeClr val="bg1"/>
-              </a:solidFill>
-            </a:endParaRPr>
-          </a:p>
-          <a:p>
-            <a:pPr algn="l"/>
-            <a:r>
-              <a:rPr lang="en-US" altLang="zh-CN" sz="2000">
-                <a:solidFill>
-                  <a:schemeClr val="bg1"/>
-                </a:solidFill>
-              </a:rPr>
-              <a:t>        val a2 : Int? = a</a:t>
-            </a:r>
-            <a:endParaRPr lang="en-US" altLang="zh-CN" sz="2000">
-              <a:solidFill>
-                <a:schemeClr val="bg1"/>
-              </a:solidFill>
-            </a:endParaRPr>
-          </a:p>
-          <a:p>
-            <a:pPr algn="l"/>
-            <a:endParaRPr lang="en-US" altLang="zh-CN" sz="2000">
-              <a:solidFill>
-                <a:schemeClr val="bg1"/>
-              </a:solidFill>
-            </a:endParaRPr>
-          </a:p>
-          <a:p>
-            <a:pPr algn="l"/>
-            <a:r>
-              <a:rPr lang="en-US" altLang="zh-CN" sz="2000">
-                <a:solidFill>
-                  <a:schemeClr val="bg1"/>
-                </a:solidFill>
-              </a:rPr>
-              <a:t>    }</a:t>
-            </a:r>
-            <a:endParaRPr lang="en-US" altLang="zh-CN" sz="2000">
-              <a:solidFill>
-                <a:schemeClr val="bg1"/>
-              </a:solidFill>
-            </a:endParaRPr>
-          </a:p>
-          <a:p>
-            <a:pPr algn="l"/>
-            <a:r>
-              <a:rPr lang="en-US" altLang="zh-CN" sz="2000">
+              <a:rPr lang="en-US" altLang="zh-CN">
+                <a:solidFill>
+                  <a:schemeClr val="bg1"/>
+                </a:solidFill>
+              </a:rPr>
+              <a:t>20 .在Kotlin中，=== 表示比较对象地址，</a:t>
+            </a:r>
+            <a:r>
+              <a:rPr lang="zh-CN" altLang="en-US">
+                <a:solidFill>
+                  <a:schemeClr val="bg1"/>
+                </a:solidFill>
+              </a:rPr>
+              <a:t>相当于</a:t>
+            </a:r>
+            <a:r>
+              <a:rPr lang="en-US" altLang="zh-CN">
+                <a:solidFill>
+                  <a:schemeClr val="bg1"/>
+                </a:solidFill>
+              </a:rPr>
+              <a:t>java</a:t>
+            </a:r>
+            <a:r>
+              <a:rPr lang="zh-CN" altLang="en-US">
+                <a:solidFill>
+                  <a:schemeClr val="bg1"/>
+                </a:solidFill>
+              </a:rPr>
+              <a:t>的</a:t>
+            </a:r>
+            <a:r>
+              <a:rPr lang="en-US" altLang="zh-CN">
+                <a:solidFill>
+                  <a:schemeClr val="bg1"/>
+                </a:solidFill>
+              </a:rPr>
+              <a:t>==</a:t>
+            </a:r>
+            <a:endParaRPr lang="en-US" altLang="zh-CN">
+              <a:solidFill>
+                <a:schemeClr val="bg1"/>
+              </a:solidFill>
+            </a:endParaRPr>
+          </a:p>
+          <a:p>
+            <a:pPr algn="l"/>
+            <a:r>
+              <a:rPr lang="en-US" altLang="zh-CN">
+                <a:solidFill>
+                  <a:schemeClr val="bg1"/>
+                </a:solidFill>
+              </a:rPr>
+              <a:t>     == 表示比较两个值大小</a:t>
+            </a:r>
+            <a:r>
+              <a:rPr lang="zh-CN" altLang="en-US">
+                <a:solidFill>
+                  <a:schemeClr val="bg1"/>
+                </a:solidFill>
+              </a:rPr>
+              <a:t>，</a:t>
+            </a:r>
+            <a:r>
+              <a:rPr lang="zh-CN" altLang="en-US">
+                <a:solidFill>
+                  <a:schemeClr val="bg1"/>
+                </a:solidFill>
+                <a:sym typeface="+mn-ea"/>
+              </a:rPr>
+              <a:t>相当于</a:t>
+            </a:r>
+            <a:r>
+              <a:rPr lang="en-US" altLang="zh-CN">
+                <a:solidFill>
+                  <a:schemeClr val="bg1"/>
+                </a:solidFill>
+                <a:sym typeface="+mn-ea"/>
+              </a:rPr>
+              <a:t>java</a:t>
+            </a:r>
+            <a:r>
+              <a:rPr lang="zh-CN" altLang="en-US">
+                <a:solidFill>
+                  <a:schemeClr val="bg1"/>
+                </a:solidFill>
+                <a:sym typeface="+mn-ea"/>
+              </a:rPr>
+              <a:t>的</a:t>
+            </a:r>
+            <a:r>
+              <a:rPr lang="en-US" altLang="zh-CN">
+                <a:solidFill>
+                  <a:schemeClr val="bg1"/>
+                </a:solidFill>
+                <a:sym typeface="+mn-ea"/>
+              </a:rPr>
+              <a:t>equals</a:t>
+            </a:r>
+            <a:endParaRPr lang="en-US" altLang="zh-CN">
+              <a:solidFill>
+                <a:schemeClr val="bg1"/>
+              </a:solidFill>
+            </a:endParaRPr>
+          </a:p>
+          <a:p>
+            <a:pPr algn="l"/>
+            <a:r>
+              <a:rPr lang="en-US" altLang="zh-CN">
                 <a:solidFill>
                   <a:schemeClr val="bg1"/>
                 </a:solidFill>
               </a:rPr>
               <a:t>21 . 在Kotlin中写上下文不再是类名点this了而是</a:t>
             </a:r>
-            <a:endParaRPr lang="zh-CN" altLang="en-US" sz="2000">
-              <a:solidFill>
-                <a:schemeClr val="bg1"/>
-              </a:solidFill>
-            </a:endParaRPr>
-          </a:p>
-          <a:p>
-            <a:pPr algn="l"/>
-            <a:r>
-              <a:rPr lang="zh-CN" altLang="en-US" sz="2000">
+            <a:endParaRPr lang="zh-CN" altLang="en-US">
+              <a:solidFill>
+                <a:schemeClr val="bg1"/>
+              </a:solidFill>
+            </a:endParaRPr>
+          </a:p>
+          <a:p>
+            <a:pPr algn="l"/>
+            <a:r>
+              <a:rPr lang="zh-CN" altLang="en-US">
                 <a:solidFill>
                   <a:schemeClr val="bg1"/>
                 </a:solidFill>
               </a:rPr>
               <a:t>　　hsMain!!.OnSelectList { text -&gt; Toast.makeText(this@MainActivity, text, Toast.LENGTH_SHORT).show()</a:t>
             </a:r>
-            <a:endParaRPr lang="zh-CN" altLang="en-US" sz="2000">
-              <a:solidFill>
-                <a:schemeClr val="bg1"/>
-              </a:solidFill>
-            </a:endParaRPr>
-          </a:p>
-          <a:p>
-            <a:pPr algn="l"/>
-            <a:r>
-              <a:rPr lang="en-US" altLang="zh-CN" sz="2000">
+            <a:endParaRPr lang="zh-CN" altLang="en-US">
+              <a:solidFill>
+                <a:schemeClr val="bg1"/>
+              </a:solidFill>
+            </a:endParaRPr>
+          </a:p>
+          <a:p>
+            <a:pPr algn="l"/>
+            <a:endParaRPr lang="zh-CN" altLang="en-US">
+              <a:solidFill>
+                <a:schemeClr val="bg1"/>
+              </a:solidFill>
+            </a:endParaRPr>
+          </a:p>
+          <a:p>
+            <a:pPr algn="l"/>
+            <a:r>
+              <a:rPr lang="en-US" altLang="zh-CN">
                 <a:solidFill>
                   <a:schemeClr val="bg1"/>
                 </a:solidFill>
@@ -3696,7 +3741,7 @@
               <a:t>22 . java</a:t>
             </a:r>
             <a:r>
-              <a:rPr lang="zh-CN" altLang="en-US" sz="2000">
+              <a:rPr lang="zh-CN" altLang="en-US">
                 <a:solidFill>
                   <a:schemeClr val="bg1"/>
                 </a:solidFill>
@@ -3704,23 +3749,23 @@
               <a:t>中</a:t>
             </a:r>
             <a:r>
-              <a:rPr lang="en-US" altLang="zh-CN" sz="2000">
+              <a:rPr lang="en-US" altLang="zh-CN">
                 <a:solidFill>
                   <a:schemeClr val="bg1"/>
                 </a:solidFill>
               </a:rPr>
               <a:t>findViewById </a:t>
             </a:r>
-            <a:endParaRPr lang="en-US" altLang="zh-CN" sz="2000">
-              <a:solidFill>
-                <a:schemeClr val="bg1"/>
-              </a:solidFill>
-            </a:endParaRPr>
-          </a:p>
-          <a:p>
-            <a:pPr algn="l"/>
-            <a:r>
-              <a:rPr lang="en-US" altLang="zh-CN" sz="2000">
+            <a:endParaRPr lang="en-US" altLang="zh-CN">
+              <a:solidFill>
+                <a:schemeClr val="bg1"/>
+              </a:solidFill>
+            </a:endParaRPr>
+          </a:p>
+          <a:p>
+            <a:pPr algn="l"/>
+            <a:r>
+              <a:rPr lang="en-US" altLang="zh-CN">
                 <a:solidFill>
                   <a:schemeClr val="bg1"/>
                 </a:solidFill>
@@ -3728,7 +3773,7 @@
               <a:t>kotlin</a:t>
             </a:r>
             <a:r>
-              <a:rPr lang="zh-CN" altLang="en-US" sz="2000">
+              <a:rPr lang="zh-CN" altLang="en-US">
                 <a:solidFill>
                   <a:schemeClr val="bg1"/>
                 </a:solidFill>
@@ -3736,30 +3781,30 @@
               <a:t>中直接用</a:t>
             </a:r>
             <a:r>
-              <a:rPr lang="en-US" altLang="zh-CN" sz="2000">
+              <a:rPr lang="en-US" altLang="zh-CN">
                 <a:solidFill>
                   <a:schemeClr val="bg1"/>
                 </a:solidFill>
               </a:rPr>
               <a:t>id</a:t>
             </a:r>
-            <a:endParaRPr lang="en-US" altLang="zh-CN" sz="2000">
-              <a:solidFill>
-                <a:schemeClr val="bg1"/>
-              </a:solidFill>
-            </a:endParaRPr>
-          </a:p>
-          <a:p>
-            <a:pPr algn="l"/>
-            <a:endParaRPr lang="en-US" altLang="zh-CN" sz="2000">
-              <a:solidFill>
-                <a:schemeClr val="bg1"/>
-              </a:solidFill>
-            </a:endParaRPr>
-          </a:p>
-          <a:p>
-            <a:pPr algn="l"/>
-            <a:endParaRPr lang="en-US" altLang="zh-CN" sz="2000">
+            <a:endParaRPr lang="en-US" altLang="zh-CN">
+              <a:solidFill>
+                <a:schemeClr val="bg1"/>
+              </a:solidFill>
+            </a:endParaRPr>
+          </a:p>
+          <a:p>
+            <a:pPr algn="l"/>
+            <a:endParaRPr lang="en-US" altLang="zh-CN">
+              <a:solidFill>
+                <a:schemeClr val="bg1"/>
+              </a:solidFill>
+            </a:endParaRPr>
+          </a:p>
+          <a:p>
+            <a:pPr algn="l"/>
+            <a:endParaRPr lang="en-US" altLang="zh-CN">
               <a:solidFill>
                 <a:schemeClr val="bg1"/>
               </a:solidFill>
@@ -7111,13 +7156,13 @@
         </p:nvSpPr>
         <p:spPr>
           <a:xfrm>
-            <a:off x="598170" y="1315085"/>
-            <a:ext cx="11065510" cy="5130165"/>
+            <a:off x="563245" y="1208405"/>
+            <a:ext cx="11065510" cy="5380355"/>
           </a:xfrm>
         </p:spPr>
         <p:txBody>
           <a:bodyPr>
-            <a:normAutofit lnSpcReduction="10000"/>
+            <a:normAutofit lnSpcReduction="20000"/>
           </a:bodyPr>
           <a:p>
             <a:pPr algn="l"/>
@@ -7145,7 +7190,15 @@
               </a:rPr>
               <a:t>?. 安全调用运算符</a:t>
             </a:r>
-            <a:endParaRPr lang="en-US" altLang="zh-CN">
+            <a:r>
+              <a:rPr lang="zh-CN" altLang="en-US">
+                <a:solidFill>
+                  <a:schemeClr val="bg1"/>
+                </a:solidFill>
+              </a:rPr>
+              <a:t>，系统在任何情况不会报它的空指针异常。</a:t>
+            </a:r>
+            <a:endParaRPr lang="zh-CN" altLang="en-US">
               <a:solidFill>
                 <a:schemeClr val="bg1"/>
               </a:solidFill>
@@ -7183,23 +7236,7 @@
                   <a:schemeClr val="bg1"/>
                 </a:solidFill>
               </a:rPr>
-              <a:t>?: Elvis运算符（</a:t>
-            </a:r>
-            <a:endParaRPr lang="en-US" altLang="zh-CN">
-              <a:solidFill>
-                <a:schemeClr val="bg1"/>
-              </a:solidFill>
-            </a:endParaRPr>
-          </a:p>
-          <a:p>
-            <a:pPr algn="l"/>
-            <a:r>
-              <a:rPr lang="en-US" altLang="zh-CN">
-                <a:solidFill>
-                  <a:schemeClr val="bg1"/>
-                </a:solidFill>
-              </a:rPr>
-              <a:t>使用?:运算符可以设置当检查结果为空的时候的返回值</a:t>
+              <a:t>?: 可以设置当检查结果为空的时候的返回值</a:t>
             </a:r>
             <a:endParaRPr lang="en-US" altLang="zh-CN">
               <a:solidFill>
@@ -7312,6 +7349,40 @@
                 </a:solidFill>
               </a:rPr>
               <a:t>             -&gt; foo !is Type  return null</a:t>
+            </a:r>
+            <a:endParaRPr lang="en-US" altLang="zh-CN">
+              <a:solidFill>
+                <a:schemeClr val="bg1"/>
+              </a:solidFill>
+            </a:endParaRPr>
+          </a:p>
+          <a:p>
+            <a:pPr algn="l"/>
+            <a:r>
+              <a:rPr lang="en-US" altLang="zh-CN">
+                <a:solidFill>
+                  <a:schemeClr val="bg1"/>
+                </a:solidFill>
+                <a:sym typeface="+mn-ea"/>
+              </a:rPr>
+              <a:t>!!  非空断言 （如果对象为null，那么系统一定会报异常！Kotlin不推荐使用非空断言，通常我们会用?:来防止程序运行时报空指针异常而崩溃）</a:t>
+            </a:r>
+            <a:endParaRPr lang="en-US" altLang="zh-CN">
+              <a:solidFill>
+                <a:schemeClr val="bg1"/>
+              </a:solidFill>
+            </a:endParaRPr>
+          </a:p>
+          <a:p>
+            <a:pPr algn="l"/>
+            <a:r>
+              <a:rPr lang="en-US" altLang="zh-CN">
+                <a:solidFill>
+                  <a:schemeClr val="bg1"/>
+                </a:solidFill>
+                <a:sym typeface="+mn-ea"/>
+              </a:rPr>
+              <a:t>fun StrLen(s:String):Int =s!!.length</a:t>
             </a:r>
             <a:endParaRPr lang="en-US" altLang="zh-CN">
               <a:solidFill>
@@ -7421,8 +7492,8 @@
         </p:nvSpPr>
         <p:spPr>
           <a:xfrm>
-            <a:off x="598170" y="1315085"/>
-            <a:ext cx="11065510" cy="5384165"/>
+            <a:off x="598170" y="1018540"/>
+            <a:ext cx="11065510" cy="5680710"/>
           </a:xfrm>
         </p:spPr>
         <p:txBody>
@@ -7431,32 +7502,43 @@
           </a:bodyPr>
           <a:p>
             <a:pPr algn="l"/>
-            <a:r>
-              <a:rPr lang="en-US" altLang="zh-CN" sz="2000">
-                <a:solidFill>
-                  <a:schemeClr val="bg1"/>
-                </a:solidFill>
-              </a:rPr>
-              <a:t>!! 非空断言 （Kotlin不推荐使用非空断言，通常我们会用?:来防止程序运行时报空指针异常而崩溃）</a:t>
-            </a:r>
-            <a:endParaRPr lang="en-US" altLang="zh-CN" sz="2000">
-              <a:solidFill>
-                <a:schemeClr val="bg1"/>
-              </a:solidFill>
-            </a:endParaRPr>
-          </a:p>
-          <a:p>
-            <a:pPr algn="l"/>
-            <a:r>
-              <a:rPr lang="en-US" altLang="zh-CN" sz="2000">
+            <a:endParaRPr lang="en-US" altLang="zh-CN" sz="2200">
+              <a:solidFill>
+                <a:schemeClr val="bg1"/>
+              </a:solidFill>
+              <a:sym typeface="+mn-ea"/>
+            </a:endParaRPr>
+          </a:p>
+          <a:p>
+            <a:pPr algn="l"/>
+            <a:r>
+              <a:rPr lang="en-US" altLang="zh-CN" sz="2200">
                 <a:solidFill>
                   <a:schemeClr val="bg1"/>
                 </a:solidFill>
                 <a:sym typeface="+mn-ea"/>
               </a:rPr>
-              <a:t>fun StrLen(s:String):Int =s!!.length</a:t>
-            </a:r>
-            <a:endParaRPr lang="en-US" altLang="zh-CN" sz="2000">
+              <a:t>14 .-&gt;的用法</a:t>
+            </a:r>
+            <a:r>
+              <a:rPr lang="zh-CN" altLang="en-US" sz="2200">
+                <a:solidFill>
+                  <a:schemeClr val="bg1"/>
+                </a:solidFill>
+                <a:sym typeface="+mn-ea"/>
+              </a:rPr>
+              <a:t>。</a:t>
+            </a:r>
+            <a:r>
+              <a:rPr lang="en-US" altLang="zh-CN" sz="2200">
+                <a:solidFill>
+                  <a:schemeClr val="bg1"/>
+                </a:solidFill>
+                <a:sym typeface="+mn-ea"/>
+              </a:rPr>
+              <a:t>java中是这样写的</a:t>
+            </a:r>
+            <a:endParaRPr lang="en-US" altLang="zh-CN" sz="2200">
               <a:solidFill>
                 <a:schemeClr val="bg1"/>
               </a:solidFill>
@@ -7466,33 +7548,51 @@
           <a:p>
             <a:pPr algn="l"/>
             <a:r>
-              <a:rPr lang="en-US" altLang="zh-CN" sz="2000">
+              <a:rPr lang="en-US" altLang="zh-CN" sz="2200">
                 <a:solidFill>
                   <a:schemeClr val="bg1"/>
                 </a:solidFill>
                 <a:sym typeface="+mn-ea"/>
               </a:rPr>
-              <a:t>14 .-&gt;的用法</a:t>
-            </a:r>
-            <a:r>
-              <a:rPr lang="zh-CN" altLang="en-US" sz="2000">
+              <a:t>        recyclerViewAdapter.setOnItemClickedListener(new HeaderRecyclerViewAdapter.onItemClickedListener() {</a:t>
+            </a:r>
+            <a:endParaRPr lang="en-US" altLang="zh-CN" sz="2200">
+              <a:solidFill>
+                <a:schemeClr val="bg1"/>
+              </a:solidFill>
+              <a:sym typeface="+mn-ea"/>
+            </a:endParaRPr>
+          </a:p>
+          <a:p>
+            <a:pPr algn="l"/>
+            <a:r>
+              <a:rPr lang="en-US" altLang="zh-CN" sz="2200">
                 <a:solidFill>
                   <a:schemeClr val="bg1"/>
                 </a:solidFill>
                 <a:sym typeface="+mn-ea"/>
               </a:rPr>
-              <a:t>。</a:t>
-            </a:r>
-            <a:r>
-              <a:rPr lang="en-US" altLang="zh-CN" sz="2000">
+              <a:t>            public void onItemClick(View view, int position) {</a:t>
+            </a:r>
+            <a:endParaRPr lang="en-US" altLang="zh-CN" sz="2200">
+              <a:solidFill>
+                <a:schemeClr val="bg1"/>
+              </a:solidFill>
+              <a:sym typeface="+mn-ea"/>
+            </a:endParaRPr>
+          </a:p>
+          <a:p>
+            <a:pPr algn="l"/>
+            <a:r>
+              <a:rPr lang="en-US" altLang="zh-CN" sz="2200">
                 <a:solidFill>
                   <a:schemeClr val="bg1"/>
                 </a:solidFill>
                 <a:sym typeface="+mn-ea"/>
               </a:rPr>
-              <a:t>java中是这样写的</a:t>
-            </a:r>
-            <a:endParaRPr lang="en-US" altLang="zh-CN" sz="2000">
+              <a:t>                Toast.makeText(MainActivity.this, "position " + position, Toast.LENGTH_SHORT).show();</a:t>
+            </a:r>
+            <a:endParaRPr lang="en-US" altLang="zh-CN" sz="2200">
               <a:solidFill>
                 <a:schemeClr val="bg1"/>
               </a:solidFill>
@@ -7502,15 +7602,15 @@
           <a:p>
             <a:pPr algn="l"/>
             <a:r>
-              <a:rPr lang="en-US" altLang="zh-CN" sz="2000">
+              <a:rPr lang="en-US" altLang="zh-CN" sz="2200">
                 <a:solidFill>
                   <a:schemeClr val="bg1"/>
                 </a:solidFill>
                 <a:sym typeface="+mn-ea"/>
               </a:rPr>
-              <a:t>        recyclerViewAdapter.setOnItemClickedListener(new HeaderRecyclerViewAdapter.onItemClickedListener() {</a:t>
-            </a:r>
-            <a:endParaRPr lang="en-US" altLang="zh-CN" sz="2000">
+              <a:t>            }</a:t>
+            </a:r>
+            <a:endParaRPr lang="en-US" altLang="zh-CN" sz="2200">
               <a:solidFill>
                 <a:schemeClr val="bg1"/>
               </a:solidFill>
@@ -7520,15 +7620,15 @@
           <a:p>
             <a:pPr algn="l"/>
             <a:r>
-              <a:rPr lang="en-US" altLang="zh-CN" sz="2000">
+              <a:rPr lang="en-US" altLang="zh-CN" sz="2200">
                 <a:solidFill>
                   <a:schemeClr val="bg1"/>
                 </a:solidFill>
                 <a:sym typeface="+mn-ea"/>
               </a:rPr>
-              <a:t>            @Override</a:t>
-            </a:r>
-            <a:endParaRPr lang="en-US" altLang="zh-CN" sz="2000">
+              <a:t>        });</a:t>
+            </a:r>
+            <a:endParaRPr lang="en-US" altLang="zh-CN" sz="2200">
               <a:solidFill>
                 <a:schemeClr val="bg1"/>
               </a:solidFill>
@@ -7538,15 +7638,15 @@
           <a:p>
             <a:pPr algn="l"/>
             <a:r>
-              <a:rPr lang="en-US" altLang="zh-CN" sz="2000">
+              <a:rPr lang="en-US" altLang="zh-CN" sz="2200">
                 <a:solidFill>
                   <a:schemeClr val="bg1"/>
                 </a:solidFill>
                 <a:sym typeface="+mn-ea"/>
               </a:rPr>
-              <a:t>            public void onItemClick(View view, int position) {</a:t>
-            </a:r>
-            <a:endParaRPr lang="en-US" altLang="zh-CN" sz="2000">
+              <a:t>　　kotlin这样写的</a:t>
+            </a:r>
+            <a:endParaRPr lang="en-US" altLang="zh-CN" sz="2200">
               <a:solidFill>
                 <a:schemeClr val="bg1"/>
               </a:solidFill>
@@ -7556,79 +7656,7 @@
           <a:p>
             <a:pPr algn="l"/>
             <a:r>
-              <a:rPr lang="en-US" altLang="zh-CN" sz="2000">
-                <a:solidFill>
-                  <a:schemeClr val="bg1"/>
-                </a:solidFill>
-                <a:sym typeface="+mn-ea"/>
-              </a:rPr>
-              <a:t>                Toast.makeText(MainActivity.this, "position " + position, Toast.LENGTH_SHORT).show();</a:t>
-            </a:r>
-            <a:endParaRPr lang="en-US" altLang="zh-CN" sz="2000">
-              <a:solidFill>
-                <a:schemeClr val="bg1"/>
-              </a:solidFill>
-              <a:sym typeface="+mn-ea"/>
-            </a:endParaRPr>
-          </a:p>
-          <a:p>
-            <a:pPr algn="l"/>
-            <a:r>
-              <a:rPr lang="en-US" altLang="zh-CN" sz="2000">
-                <a:solidFill>
-                  <a:schemeClr val="bg1"/>
-                </a:solidFill>
-                <a:sym typeface="+mn-ea"/>
-              </a:rPr>
-              <a:t>            }</a:t>
-            </a:r>
-            <a:endParaRPr lang="en-US" altLang="zh-CN" sz="2000">
-              <a:solidFill>
-                <a:schemeClr val="bg1"/>
-              </a:solidFill>
-              <a:sym typeface="+mn-ea"/>
-            </a:endParaRPr>
-          </a:p>
-          <a:p>
-            <a:pPr algn="l"/>
-            <a:r>
-              <a:rPr lang="en-US" altLang="zh-CN" sz="2000">
-                <a:solidFill>
-                  <a:schemeClr val="bg1"/>
-                </a:solidFill>
-                <a:sym typeface="+mn-ea"/>
-              </a:rPr>
-              <a:t>        });</a:t>
-            </a:r>
-            <a:endParaRPr lang="en-US" altLang="zh-CN" sz="2000">
-              <a:solidFill>
-                <a:schemeClr val="bg1"/>
-              </a:solidFill>
-              <a:sym typeface="+mn-ea"/>
-            </a:endParaRPr>
-          </a:p>
-          <a:p>
-            <a:pPr algn="l"/>
-            <a:r>
-              <a:rPr lang="en-US" altLang="zh-CN" sz="2000">
-                <a:solidFill>
-                  <a:schemeClr val="bg1"/>
-                </a:solidFill>
-                <a:sym typeface="+mn-ea"/>
-              </a:rPr>
-              <a:t>　　kotlin这样写的</a:t>
-            </a:r>
-            <a:endParaRPr lang="en-US" altLang="zh-CN" sz="2000">
-              <a:solidFill>
-                <a:schemeClr val="bg1"/>
-              </a:solidFill>
-              <a:sym typeface="+mn-ea"/>
-            </a:endParaRPr>
-          </a:p>
-          <a:p>
-            <a:pPr algn="l"/>
-            <a:r>
-              <a:rPr lang="en-US" altLang="zh-CN" sz="2000">
+              <a:rPr lang="en-US" altLang="zh-CN" sz="2200">
                 <a:solidFill>
                   <a:schemeClr val="bg1"/>
                 </a:solidFill>

--- a/KotlinApp/Kotlin分享.pptx
+++ b/KotlinApp/Kotlin分享.pptx
@@ -3796,15 +3796,119 @@
           </a:p>
           <a:p>
             <a:pPr algn="l"/>
-            <a:endParaRPr lang="en-US" altLang="zh-CN">
-              <a:solidFill>
-                <a:schemeClr val="bg1"/>
-              </a:solidFill>
-            </a:endParaRPr>
-          </a:p>
-          <a:p>
-            <a:pPr algn="l"/>
-            <a:endParaRPr lang="en-US" altLang="zh-CN">
+            <a:r>
+              <a:rPr lang="en-US" altLang="zh-CN">
+                <a:solidFill>
+                  <a:schemeClr val="bg1"/>
+                </a:solidFill>
+              </a:rPr>
+              <a:t>23 . Java中&lt;? extends T &gt;</a:t>
+            </a:r>
+            <a:r>
+              <a:rPr lang="zh-CN" altLang="en-US">
+                <a:solidFill>
+                  <a:schemeClr val="bg1"/>
+                </a:solidFill>
+              </a:rPr>
+              <a:t>，相当于</a:t>
+            </a:r>
+            <a:r>
+              <a:rPr lang="en-US" altLang="zh-CN">
+                <a:solidFill>
+                  <a:schemeClr val="bg1"/>
+                </a:solidFill>
+              </a:rPr>
+              <a:t>Kotlin</a:t>
+            </a:r>
+            <a:r>
+              <a:rPr lang="zh-CN" altLang="en-US">
+                <a:solidFill>
+                  <a:schemeClr val="bg1"/>
+                </a:solidFill>
+              </a:rPr>
+              <a:t>重的</a:t>
+            </a:r>
+            <a:r>
+              <a:rPr lang="en-US" altLang="zh-CN">
+                <a:solidFill>
+                  <a:schemeClr val="bg1"/>
+                </a:solidFill>
+              </a:rPr>
+              <a:t>out</a:t>
+            </a:r>
+            <a:r>
+              <a:rPr lang="zh-CN" altLang="en-US">
+                <a:solidFill>
+                  <a:schemeClr val="bg1"/>
+                </a:solidFill>
+              </a:rPr>
+              <a:t>（协变</a:t>
+            </a:r>
+            <a:r>
+              <a:rPr lang="zh-CN" altLang="en-US">
+                <a:solidFill>
+                  <a:schemeClr val="bg1"/>
+                </a:solidFill>
+              </a:rPr>
+              <a:t>）</a:t>
+            </a:r>
+            <a:endParaRPr lang="en-US" altLang="zh-CN">
+              <a:solidFill>
+                <a:schemeClr val="bg1"/>
+              </a:solidFill>
+            </a:endParaRPr>
+          </a:p>
+          <a:p>
+            <a:pPr algn="l"/>
+            <a:r>
+              <a:rPr lang="en-US" altLang="zh-CN">
+                <a:solidFill>
+                  <a:schemeClr val="bg1"/>
+                </a:solidFill>
+              </a:rPr>
+              <a:t>Java中 &lt;? super T&gt;</a:t>
+            </a:r>
+            <a:r>
+              <a:rPr lang="zh-CN" altLang="en-US">
+                <a:solidFill>
+                  <a:schemeClr val="bg1"/>
+                </a:solidFill>
+              </a:rPr>
+              <a:t>相当于</a:t>
+            </a:r>
+            <a:r>
+              <a:rPr lang="en-US" altLang="zh-CN">
+                <a:solidFill>
+                  <a:schemeClr val="bg1"/>
+                </a:solidFill>
+              </a:rPr>
+              <a:t>Kotlin</a:t>
+            </a:r>
+            <a:r>
+              <a:rPr lang="zh-CN" altLang="en-US">
+                <a:solidFill>
+                  <a:schemeClr val="bg1"/>
+                </a:solidFill>
+              </a:rPr>
+              <a:t>重的</a:t>
+            </a:r>
+            <a:r>
+              <a:rPr lang="en-US" altLang="zh-CN">
+                <a:solidFill>
+                  <a:schemeClr val="bg1"/>
+                </a:solidFill>
+              </a:rPr>
+              <a:t>in</a:t>
+            </a:r>
+            <a:r>
+              <a:rPr lang="zh-CN" altLang="en-US">
+                <a:solidFill>
+                  <a:schemeClr val="bg1"/>
+                </a:solidFill>
+              </a:rPr>
+              <a:t>（逆变）</a:t>
+            </a:r>
+            <a:endParaRPr lang="zh-CN" altLang="en-US">
               <a:solidFill>
                 <a:schemeClr val="bg1"/>
               </a:solidFill>

--- a/KotlinApp/Kotlin分享.pptx
+++ b/KotlinApp/Kotlin分享.pptx
@@ -16,8 +16,8 @@
     <p:sldId id="265" r:id="rId11"/>
     <p:sldId id="266" r:id="rId12"/>
     <p:sldId id="267" r:id="rId13"/>
-    <p:sldId id="268" r:id="rId14"/>
-    <p:sldId id="271" r:id="rId15"/>
+    <p:sldId id="271" r:id="rId14"/>
+    <p:sldId id="268" r:id="rId15"/>
     <p:sldId id="272" r:id="rId16"/>
     <p:sldId id="270" r:id="rId17"/>
     <p:sldId id="273" r:id="rId18"/>
@@ -3584,331 +3584,167 @@
           </a:bodyPr>
           <a:p>
             <a:pPr algn="l"/>
-            <a:r>
-              <a:rPr lang="en-US" altLang="zh-CN">
-                <a:solidFill>
-                  <a:schemeClr val="bg1"/>
-                </a:solidFill>
-              </a:rPr>
-              <a:t>20 .在Kotlin中，=== 表示比较对象地址，</a:t>
-            </a:r>
-            <a:r>
-              <a:rPr lang="zh-CN" altLang="en-US">
-                <a:solidFill>
-                  <a:schemeClr val="bg1"/>
-                </a:solidFill>
-              </a:rPr>
-              <a:t>相当于</a:t>
-            </a:r>
-            <a:r>
-              <a:rPr lang="en-US" altLang="zh-CN">
-                <a:solidFill>
-                  <a:schemeClr val="bg1"/>
-                </a:solidFill>
-              </a:rPr>
-              <a:t>java</a:t>
-            </a:r>
-            <a:r>
-              <a:rPr lang="zh-CN" altLang="en-US">
-                <a:solidFill>
-                  <a:schemeClr val="bg1"/>
-                </a:solidFill>
-              </a:rPr>
-              <a:t>的</a:t>
-            </a:r>
-            <a:r>
-              <a:rPr lang="en-US" altLang="zh-CN">
-                <a:solidFill>
-                  <a:schemeClr val="bg1"/>
-                </a:solidFill>
-              </a:rPr>
-              <a:t>==</a:t>
-            </a:r>
-            <a:endParaRPr lang="en-US" altLang="zh-CN">
-              <a:solidFill>
-                <a:schemeClr val="bg1"/>
-              </a:solidFill>
-            </a:endParaRPr>
-          </a:p>
-          <a:p>
-            <a:pPr algn="l"/>
-            <a:r>
-              <a:rPr lang="en-US" altLang="zh-CN">
-                <a:solidFill>
-                  <a:schemeClr val="bg1"/>
-                </a:solidFill>
-              </a:rPr>
-              <a:t>     == 表示比较两个值大小</a:t>
-            </a:r>
-            <a:r>
-              <a:rPr lang="zh-CN" altLang="en-US">
-                <a:solidFill>
-                  <a:schemeClr val="bg1"/>
-                </a:solidFill>
-              </a:rPr>
-              <a:t>，</a:t>
-            </a:r>
-            <a:r>
-              <a:rPr lang="zh-CN" altLang="en-US">
-                <a:solidFill>
-                  <a:schemeClr val="bg1"/>
-                </a:solidFill>
-                <a:sym typeface="+mn-ea"/>
-              </a:rPr>
-              <a:t>相当于</a:t>
-            </a:r>
-            <a:r>
-              <a:rPr lang="en-US" altLang="zh-CN">
-                <a:solidFill>
-                  <a:schemeClr val="bg1"/>
-                </a:solidFill>
-                <a:sym typeface="+mn-ea"/>
-              </a:rPr>
-              <a:t>java</a:t>
-            </a:r>
-            <a:r>
-              <a:rPr lang="zh-CN" altLang="en-US">
-                <a:solidFill>
-                  <a:schemeClr val="bg1"/>
-                </a:solidFill>
-                <a:sym typeface="+mn-ea"/>
-              </a:rPr>
-              <a:t>的</a:t>
-            </a:r>
-            <a:r>
-              <a:rPr lang="en-US" altLang="zh-CN">
-                <a:solidFill>
-                  <a:schemeClr val="bg1"/>
-                </a:solidFill>
-                <a:sym typeface="+mn-ea"/>
-              </a:rPr>
-              <a:t>equals</a:t>
-            </a:r>
-            <a:endParaRPr lang="en-US" altLang="zh-CN">
-              <a:solidFill>
-                <a:schemeClr val="bg1"/>
-              </a:solidFill>
-            </a:endParaRPr>
-          </a:p>
-          <a:p>
-            <a:pPr algn="l"/>
-            <a:r>
-              <a:rPr lang="en-US" altLang="zh-CN">
-                <a:solidFill>
-                  <a:schemeClr val="bg1"/>
-                </a:solidFill>
-              </a:rPr>
-              <a:t>21 . 在Kotlin中写上下文不再是类名点this了而是</a:t>
-            </a:r>
-            <a:endParaRPr lang="zh-CN" altLang="en-US">
-              <a:solidFill>
-                <a:schemeClr val="bg1"/>
-              </a:solidFill>
-            </a:endParaRPr>
-          </a:p>
-          <a:p>
-            <a:pPr algn="l"/>
-            <a:r>
-              <a:rPr lang="zh-CN" altLang="en-US">
-                <a:solidFill>
-                  <a:schemeClr val="bg1"/>
-                </a:solidFill>
-              </a:rPr>
-              <a:t>　　hsMain!!.OnSelectList { text -&gt; Toast.makeText(this@MainActivity, text, Toast.LENGTH_SHORT).show()</a:t>
-            </a:r>
-            <a:endParaRPr lang="zh-CN" altLang="en-US">
-              <a:solidFill>
-                <a:schemeClr val="bg1"/>
-              </a:solidFill>
-            </a:endParaRPr>
-          </a:p>
-          <a:p>
-            <a:pPr algn="l"/>
-            <a:endParaRPr lang="zh-CN" altLang="en-US">
-              <a:solidFill>
-                <a:schemeClr val="bg1"/>
-              </a:solidFill>
-            </a:endParaRPr>
-          </a:p>
-          <a:p>
-            <a:pPr algn="l"/>
-            <a:r>
-              <a:rPr lang="en-US" altLang="zh-CN">
-                <a:solidFill>
-                  <a:schemeClr val="bg1"/>
-                </a:solidFill>
-              </a:rPr>
-              <a:t>22 . java</a:t>
-            </a:r>
-            <a:r>
-              <a:rPr lang="zh-CN" altLang="en-US">
-                <a:solidFill>
-                  <a:schemeClr val="bg1"/>
-                </a:solidFill>
-              </a:rPr>
-              <a:t>中</a:t>
-            </a:r>
-            <a:r>
-              <a:rPr lang="en-US" altLang="zh-CN">
-                <a:solidFill>
-                  <a:schemeClr val="bg1"/>
-                </a:solidFill>
-              </a:rPr>
-              <a:t>findViewById </a:t>
-            </a:r>
-            <a:endParaRPr lang="en-US" altLang="zh-CN">
-              <a:solidFill>
-                <a:schemeClr val="bg1"/>
-              </a:solidFill>
-            </a:endParaRPr>
-          </a:p>
-          <a:p>
-            <a:pPr algn="l"/>
-            <a:r>
-              <a:rPr lang="en-US" altLang="zh-CN">
-                <a:solidFill>
-                  <a:schemeClr val="bg1"/>
-                </a:solidFill>
-              </a:rPr>
-              <a:t>kotlin</a:t>
-            </a:r>
-            <a:r>
-              <a:rPr lang="zh-CN" altLang="en-US">
-                <a:solidFill>
-                  <a:schemeClr val="bg1"/>
-                </a:solidFill>
-              </a:rPr>
-              <a:t>中直接用</a:t>
-            </a:r>
-            <a:r>
-              <a:rPr lang="en-US" altLang="zh-CN">
-                <a:solidFill>
-                  <a:schemeClr val="bg1"/>
-                </a:solidFill>
-              </a:rPr>
-              <a:t>id</a:t>
-            </a:r>
-            <a:endParaRPr lang="en-US" altLang="zh-CN">
-              <a:solidFill>
-                <a:schemeClr val="bg1"/>
-              </a:solidFill>
-            </a:endParaRPr>
-          </a:p>
-          <a:p>
-            <a:pPr algn="l"/>
-            <a:r>
-              <a:rPr lang="en-US" altLang="zh-CN">
-                <a:solidFill>
-                  <a:schemeClr val="bg1"/>
-                </a:solidFill>
-              </a:rPr>
-              <a:t>23 . Java中&lt;? extends T &gt;</a:t>
-            </a:r>
-            <a:r>
-              <a:rPr lang="zh-CN" altLang="en-US">
-                <a:solidFill>
-                  <a:schemeClr val="bg1"/>
-                </a:solidFill>
-              </a:rPr>
-              <a:t>，相当于</a:t>
-            </a:r>
-            <a:r>
-              <a:rPr lang="en-US" altLang="zh-CN">
-                <a:solidFill>
-                  <a:schemeClr val="bg1"/>
-                </a:solidFill>
-              </a:rPr>
-              <a:t>Kotlin</a:t>
-            </a:r>
-            <a:r>
-              <a:rPr lang="zh-CN" altLang="en-US">
-                <a:solidFill>
-                  <a:schemeClr val="bg1"/>
-                </a:solidFill>
-              </a:rPr>
-              <a:t>重的</a:t>
-            </a:r>
-            <a:r>
-              <a:rPr lang="en-US" altLang="zh-CN">
-                <a:solidFill>
-                  <a:schemeClr val="bg1"/>
-                </a:solidFill>
-              </a:rPr>
-              <a:t>out</a:t>
-            </a:r>
-            <a:r>
-              <a:rPr lang="zh-CN" altLang="en-US">
-                <a:solidFill>
-                  <a:schemeClr val="bg1"/>
-                </a:solidFill>
-              </a:rPr>
-              <a:t>（协变</a:t>
-            </a:r>
-            <a:r>
-              <a:rPr lang="zh-CN" altLang="en-US">
-                <a:solidFill>
-                  <a:schemeClr val="bg1"/>
-                </a:solidFill>
-              </a:rPr>
-              <a:t>）</a:t>
-            </a:r>
-            <a:endParaRPr lang="en-US" altLang="zh-CN">
-              <a:solidFill>
-                <a:schemeClr val="bg1"/>
-              </a:solidFill>
-            </a:endParaRPr>
-          </a:p>
-          <a:p>
-            <a:pPr algn="l"/>
-            <a:r>
-              <a:rPr lang="en-US" altLang="zh-CN">
-                <a:solidFill>
-                  <a:schemeClr val="bg1"/>
-                </a:solidFill>
-              </a:rPr>
-              <a:t>Java中 &lt;? super T&gt;</a:t>
-            </a:r>
-            <a:r>
-              <a:rPr lang="zh-CN" altLang="en-US">
-                <a:solidFill>
-                  <a:schemeClr val="bg1"/>
-                </a:solidFill>
-              </a:rPr>
-              <a:t>相当于</a:t>
-            </a:r>
-            <a:r>
-              <a:rPr lang="en-US" altLang="zh-CN">
-                <a:solidFill>
-                  <a:schemeClr val="bg1"/>
-                </a:solidFill>
-              </a:rPr>
-              <a:t>Kotlin</a:t>
-            </a:r>
-            <a:r>
-              <a:rPr lang="zh-CN" altLang="en-US">
-                <a:solidFill>
-                  <a:schemeClr val="bg1"/>
-                </a:solidFill>
-              </a:rPr>
-              <a:t>重的</a:t>
-            </a:r>
-            <a:r>
-              <a:rPr lang="en-US" altLang="zh-CN">
-                <a:solidFill>
-                  <a:schemeClr val="bg1"/>
-                </a:solidFill>
-              </a:rPr>
-              <a:t>in</a:t>
-            </a:r>
-            <a:r>
-              <a:rPr lang="zh-CN" altLang="en-US">
-                <a:solidFill>
-                  <a:schemeClr val="bg1"/>
-                </a:solidFill>
-              </a:rPr>
-              <a:t>（逆变）</a:t>
-            </a:r>
-            <a:endParaRPr lang="zh-CN" altLang="en-US">
+            <a:endParaRPr lang="en-US" altLang="zh-CN" sz="2000">
+              <a:solidFill>
+                <a:schemeClr val="bg1"/>
+              </a:solidFill>
+            </a:endParaRPr>
+          </a:p>
+          <a:p>
+            <a:pPr algn="l"/>
+            <a:r>
+              <a:rPr lang="en-US" altLang="zh-CN">
+                <a:solidFill>
+                  <a:schemeClr val="bg1"/>
+                </a:solidFill>
+              </a:rPr>
+              <a:t>1. 高阶函数</a:t>
+            </a:r>
+            <a:endParaRPr lang="en-US" altLang="zh-CN">
+              <a:solidFill>
+                <a:schemeClr val="bg1"/>
+              </a:solidFill>
+            </a:endParaRPr>
+          </a:p>
+          <a:p>
+            <a:pPr algn="l"/>
+            <a:r>
+              <a:rPr lang="en-US" altLang="zh-CN">
+                <a:solidFill>
+                  <a:schemeClr val="bg1"/>
+                </a:solidFill>
+              </a:rPr>
+              <a:t>高阶函数是将函数用作参数或者返回值的函数。</a:t>
+            </a:r>
+            <a:endParaRPr lang="en-US" altLang="zh-CN">
+              <a:solidFill>
+                <a:schemeClr val="bg1"/>
+              </a:solidFill>
+            </a:endParaRPr>
+          </a:p>
+          <a:p>
+            <a:pPr algn="l"/>
+            <a:r>
+              <a:rPr lang="en-US" altLang="zh-CN">
+                <a:solidFill>
+                  <a:schemeClr val="bg1"/>
+                </a:solidFill>
+              </a:rPr>
+              <a:t>fun isLargeThanFive(x: Int): Boolean = x &gt; 5</a:t>
+            </a:r>
+            <a:endParaRPr lang="en-US" altLang="zh-CN">
+              <a:solidFill>
+                <a:schemeClr val="bg1"/>
+              </a:solidFill>
+            </a:endParaRPr>
+          </a:p>
+          <a:p>
+            <a:pPr algn="l"/>
+            <a:r>
+              <a:rPr lang="en-US" altLang="zh-CN">
+                <a:solidFill>
+                  <a:schemeClr val="bg1"/>
+                </a:solidFill>
+              </a:rPr>
+              <a:t>fun main(args: Array&lt;String&gt;) {</a:t>
+            </a:r>
+            <a:endParaRPr lang="en-US" altLang="zh-CN">
+              <a:solidFill>
+                <a:schemeClr val="bg1"/>
+              </a:solidFill>
+            </a:endParaRPr>
+          </a:p>
+          <a:p>
+            <a:pPr algn="l"/>
+            <a:r>
+              <a:rPr lang="en-US" altLang="zh-CN">
+                <a:solidFill>
+                  <a:schemeClr val="bg1"/>
+                </a:solidFill>
+              </a:rPr>
+              <a:t>     val numbers = listOf(1, 2, 3, 4, 5, 6, 7, 8)</a:t>
+            </a:r>
+            <a:endParaRPr lang="en-US" altLang="zh-CN">
+              <a:solidFill>
+                <a:schemeClr val="bg1"/>
+              </a:solidFill>
+            </a:endParaRPr>
+          </a:p>
+          <a:p>
+            <a:pPr algn="l"/>
+            <a:r>
+              <a:rPr lang="en-US" altLang="zh-CN">
+                <a:solidFill>
+                  <a:schemeClr val="bg1"/>
+                </a:solidFill>
+              </a:rPr>
+              <a:t>     println(numbers.filter(::isLargeThanFive))  //打印[6, 7, 8]</a:t>
+            </a:r>
+            <a:endParaRPr lang="en-US" altLang="zh-CN">
+              <a:solidFill>
+                <a:schemeClr val="bg1"/>
+              </a:solidFill>
+            </a:endParaRPr>
+          </a:p>
+          <a:p>
+            <a:pPr algn="l"/>
+            <a:r>
+              <a:rPr lang="en-US" altLang="zh-CN">
+                <a:solidFill>
+                  <a:schemeClr val="bg1"/>
+                </a:solidFill>
+              </a:rPr>
+              <a:t>}</a:t>
+            </a:r>
+            <a:endParaRPr lang="en-US" altLang="zh-CN">
+              <a:solidFill>
+                <a:schemeClr val="bg1"/>
+              </a:solidFill>
+            </a:endParaRPr>
+          </a:p>
+          <a:p>
+            <a:pPr algn="l"/>
+            <a:r>
+              <a:rPr lang="en-US" altLang="zh-CN">
+                <a:solidFill>
+                  <a:schemeClr val="bg1"/>
+                </a:solidFill>
+              </a:rPr>
+              <a:t>注意：我们使用::来引用一个函数。</a:t>
+            </a:r>
+            <a:endParaRPr lang="en-US" altLang="zh-CN">
+              <a:solidFill>
+                <a:schemeClr val="bg1"/>
+              </a:solidFill>
+            </a:endParaRPr>
+          </a:p>
+          <a:p>
+            <a:pPr algn="l"/>
+            <a:r>
+              <a:rPr lang="en-US" altLang="zh-CN">
+                <a:solidFill>
+                  <a:schemeClr val="bg1"/>
+                </a:solidFill>
+              </a:rPr>
+              <a:t>2. 匿名函数</a:t>
+            </a:r>
+            <a:endParaRPr lang="en-US" altLang="zh-CN">
+              <a:solidFill>
+                <a:schemeClr val="bg1"/>
+              </a:solidFill>
+            </a:endParaRPr>
+          </a:p>
+          <a:p>
+            <a:pPr algn="l"/>
+            <a:r>
+              <a:rPr lang="en-US" altLang="zh-CN">
+                <a:solidFill>
+                  <a:schemeClr val="bg1"/>
+                </a:solidFill>
+              </a:rPr>
+              <a:t>匿名函数，其实就是没有函数名的函数</a:t>
+            </a:r>
+            <a:endParaRPr lang="en-US" altLang="zh-CN">
               <a:solidFill>
                 <a:schemeClr val="bg1"/>
               </a:solidFill>
@@ -3949,25 +3785,9 @@
                   <a:schemeClr val="bg1"/>
                 </a:solidFill>
               </a:rPr>
-              <a:t>和</a:t>
-            </a:r>
-            <a:r>
-              <a:rPr lang="en-US" altLang="zh-CN">
-                <a:solidFill>
-                  <a:schemeClr val="bg1"/>
-                </a:solidFill>
-              </a:rPr>
-              <a:t>Java</a:t>
-            </a:r>
-            <a:r>
-              <a:rPr lang="zh-CN" altLang="en-US">
-                <a:solidFill>
-                  <a:schemeClr val="bg1"/>
-                </a:solidFill>
-              </a:rPr>
-              <a:t>的不同（八）</a:t>
-            </a:r>
-            <a:endParaRPr lang="en-US" altLang="zh-CN">
+              <a:t>函数式编程</a:t>
+            </a:r>
+            <a:endParaRPr lang="zh-CN" altLang="en-US">
               <a:solidFill>
                 <a:schemeClr val="bg1"/>
               </a:solidFill>
@@ -4026,167 +3846,358 @@
           </a:bodyPr>
           <a:p>
             <a:pPr algn="l"/>
-            <a:endParaRPr lang="en-US" altLang="zh-CN" sz="2000">
-              <a:solidFill>
-                <a:schemeClr val="bg1"/>
-              </a:solidFill>
-            </a:endParaRPr>
-          </a:p>
-          <a:p>
-            <a:pPr algn="l"/>
-            <a:r>
-              <a:rPr lang="en-US" altLang="zh-CN">
-                <a:solidFill>
-                  <a:schemeClr val="bg1"/>
-                </a:solidFill>
-              </a:rPr>
-              <a:t>1. 高阶函数</a:t>
-            </a:r>
-            <a:endParaRPr lang="en-US" altLang="zh-CN">
-              <a:solidFill>
-                <a:schemeClr val="bg1"/>
-              </a:solidFill>
-            </a:endParaRPr>
-          </a:p>
-          <a:p>
-            <a:pPr algn="l"/>
-            <a:r>
-              <a:rPr lang="en-US" altLang="zh-CN">
-                <a:solidFill>
-                  <a:schemeClr val="bg1"/>
-                </a:solidFill>
-              </a:rPr>
-              <a:t>高阶函数是将函数用作参数或者返回值的函数。</a:t>
-            </a:r>
-            <a:endParaRPr lang="en-US" altLang="zh-CN">
-              <a:solidFill>
-                <a:schemeClr val="bg1"/>
-              </a:solidFill>
-            </a:endParaRPr>
-          </a:p>
-          <a:p>
-            <a:pPr algn="l"/>
-            <a:r>
-              <a:rPr lang="en-US" altLang="zh-CN">
-                <a:solidFill>
-                  <a:schemeClr val="bg1"/>
-                </a:solidFill>
-              </a:rPr>
-              <a:t>fun isLargeThanFive(x: Int): Boolean = x &gt; 5</a:t>
-            </a:r>
-            <a:endParaRPr lang="en-US" altLang="zh-CN">
-              <a:solidFill>
-                <a:schemeClr val="bg1"/>
-              </a:solidFill>
-            </a:endParaRPr>
-          </a:p>
-          <a:p>
-            <a:pPr algn="l"/>
-            <a:r>
-              <a:rPr lang="en-US" altLang="zh-CN">
-                <a:solidFill>
-                  <a:schemeClr val="bg1"/>
-                </a:solidFill>
-              </a:rPr>
-              <a:t>fun main(args: Array&lt;String&gt;) {</a:t>
-            </a:r>
-            <a:endParaRPr lang="en-US" altLang="zh-CN">
-              <a:solidFill>
-                <a:schemeClr val="bg1"/>
-              </a:solidFill>
-            </a:endParaRPr>
-          </a:p>
-          <a:p>
-            <a:pPr algn="l"/>
-            <a:r>
-              <a:rPr lang="en-US" altLang="zh-CN">
-                <a:solidFill>
-                  <a:schemeClr val="bg1"/>
-                </a:solidFill>
-              </a:rPr>
-              <a:t>     val numbers = listOf(1, 2, 3, 4, 5, 6, 7, 8)</a:t>
-            </a:r>
-            <a:endParaRPr lang="en-US" altLang="zh-CN">
-              <a:solidFill>
-                <a:schemeClr val="bg1"/>
-              </a:solidFill>
-            </a:endParaRPr>
-          </a:p>
-          <a:p>
-            <a:pPr algn="l"/>
-            <a:r>
-              <a:rPr lang="en-US" altLang="zh-CN">
-                <a:solidFill>
-                  <a:schemeClr val="bg1"/>
-                </a:solidFill>
-              </a:rPr>
-              <a:t>     println(numbers.filter(::isLargeThanFive))  //打印[6, 7, 8]</a:t>
-            </a:r>
-            <a:endParaRPr lang="en-US" altLang="zh-CN">
-              <a:solidFill>
-                <a:schemeClr val="bg1"/>
-              </a:solidFill>
-            </a:endParaRPr>
-          </a:p>
-          <a:p>
-            <a:pPr algn="l"/>
-            <a:r>
-              <a:rPr lang="en-US" altLang="zh-CN">
-                <a:solidFill>
-                  <a:schemeClr val="bg1"/>
-                </a:solidFill>
-              </a:rPr>
-              <a:t>}</a:t>
-            </a:r>
-            <a:endParaRPr lang="en-US" altLang="zh-CN">
-              <a:solidFill>
-                <a:schemeClr val="bg1"/>
-              </a:solidFill>
-            </a:endParaRPr>
-          </a:p>
-          <a:p>
-            <a:pPr algn="l"/>
-            <a:r>
-              <a:rPr lang="en-US" altLang="zh-CN">
-                <a:solidFill>
-                  <a:schemeClr val="bg1"/>
-                </a:solidFill>
-              </a:rPr>
-              <a:t>注意：我们使用::来引用一个函数。</a:t>
-            </a:r>
-            <a:endParaRPr lang="en-US" altLang="zh-CN">
-              <a:solidFill>
-                <a:schemeClr val="bg1"/>
-              </a:solidFill>
-            </a:endParaRPr>
-          </a:p>
-          <a:p>
-            <a:pPr algn="l"/>
-            <a:r>
-              <a:rPr lang="en-US" altLang="zh-CN">
-                <a:solidFill>
-                  <a:schemeClr val="bg1"/>
-                </a:solidFill>
-              </a:rPr>
-              <a:t>2. 匿名函数</a:t>
-            </a:r>
-            <a:endParaRPr lang="en-US" altLang="zh-CN">
-              <a:solidFill>
-                <a:schemeClr val="bg1"/>
-              </a:solidFill>
-            </a:endParaRPr>
-          </a:p>
-          <a:p>
-            <a:pPr algn="l"/>
-            <a:r>
-              <a:rPr lang="en-US" altLang="zh-CN">
-                <a:solidFill>
-                  <a:schemeClr val="bg1"/>
-                </a:solidFill>
-              </a:rPr>
-              <a:t>匿名函数，其实就是没有函数名的函数</a:t>
-            </a:r>
-            <a:endParaRPr lang="en-US" altLang="zh-CN">
+            <a:r>
+              <a:rPr lang="en-US" altLang="zh-CN">
+                <a:solidFill>
+                  <a:schemeClr val="bg1"/>
+                </a:solidFill>
+              </a:rPr>
+              <a:t>20 .在Kotlin中，=== 表示比较对象地址，</a:t>
+            </a:r>
+            <a:r>
+              <a:rPr lang="zh-CN" altLang="en-US">
+                <a:solidFill>
+                  <a:schemeClr val="bg1"/>
+                </a:solidFill>
+              </a:rPr>
+              <a:t>相当于</a:t>
+            </a:r>
+            <a:r>
+              <a:rPr lang="en-US" altLang="zh-CN">
+                <a:solidFill>
+                  <a:schemeClr val="bg1"/>
+                </a:solidFill>
+              </a:rPr>
+              <a:t>java</a:t>
+            </a:r>
+            <a:r>
+              <a:rPr lang="zh-CN" altLang="en-US">
+                <a:solidFill>
+                  <a:schemeClr val="bg1"/>
+                </a:solidFill>
+              </a:rPr>
+              <a:t>的</a:t>
+            </a:r>
+            <a:r>
+              <a:rPr lang="en-US" altLang="zh-CN">
+                <a:solidFill>
+                  <a:schemeClr val="bg1"/>
+                </a:solidFill>
+              </a:rPr>
+              <a:t>==</a:t>
+            </a:r>
+            <a:endParaRPr lang="en-US" altLang="zh-CN">
+              <a:solidFill>
+                <a:schemeClr val="bg1"/>
+              </a:solidFill>
+            </a:endParaRPr>
+          </a:p>
+          <a:p>
+            <a:pPr algn="l"/>
+            <a:r>
+              <a:rPr lang="en-US" altLang="zh-CN">
+                <a:solidFill>
+                  <a:schemeClr val="bg1"/>
+                </a:solidFill>
+              </a:rPr>
+              <a:t>     == 表示比较两个值大小</a:t>
+            </a:r>
+            <a:r>
+              <a:rPr lang="zh-CN" altLang="en-US">
+                <a:solidFill>
+                  <a:schemeClr val="bg1"/>
+                </a:solidFill>
+              </a:rPr>
+              <a:t>，</a:t>
+            </a:r>
+            <a:r>
+              <a:rPr lang="zh-CN" altLang="en-US">
+                <a:solidFill>
+                  <a:schemeClr val="bg1"/>
+                </a:solidFill>
+                <a:sym typeface="+mn-ea"/>
+              </a:rPr>
+              <a:t>相当于</a:t>
+            </a:r>
+            <a:r>
+              <a:rPr lang="en-US" altLang="zh-CN">
+                <a:solidFill>
+                  <a:schemeClr val="bg1"/>
+                </a:solidFill>
+                <a:sym typeface="+mn-ea"/>
+              </a:rPr>
+              <a:t>java</a:t>
+            </a:r>
+            <a:r>
+              <a:rPr lang="zh-CN" altLang="en-US">
+                <a:solidFill>
+                  <a:schemeClr val="bg1"/>
+                </a:solidFill>
+                <a:sym typeface="+mn-ea"/>
+              </a:rPr>
+              <a:t>的</a:t>
+            </a:r>
+            <a:r>
+              <a:rPr lang="en-US" altLang="zh-CN">
+                <a:solidFill>
+                  <a:schemeClr val="bg1"/>
+                </a:solidFill>
+                <a:sym typeface="+mn-ea"/>
+              </a:rPr>
+              <a:t>equals</a:t>
+            </a:r>
+            <a:endParaRPr lang="en-US" altLang="zh-CN">
+              <a:solidFill>
+                <a:schemeClr val="bg1"/>
+              </a:solidFill>
+            </a:endParaRPr>
+          </a:p>
+          <a:p>
+            <a:pPr algn="l"/>
+            <a:r>
+              <a:rPr lang="en-US" altLang="zh-CN">
+                <a:solidFill>
+                  <a:schemeClr val="bg1"/>
+                </a:solidFill>
+              </a:rPr>
+              <a:t>21 . 在Kotlin中写上下文不再是类名点this了而是</a:t>
+            </a:r>
+            <a:endParaRPr lang="zh-CN" altLang="en-US">
+              <a:solidFill>
+                <a:schemeClr val="bg1"/>
+              </a:solidFill>
+            </a:endParaRPr>
+          </a:p>
+          <a:p>
+            <a:pPr algn="l"/>
+            <a:r>
+              <a:rPr lang="zh-CN" altLang="en-US">
+                <a:solidFill>
+                  <a:schemeClr val="bg1"/>
+                </a:solidFill>
+              </a:rPr>
+              <a:t>　　hsMain!!.OnSelectList { text -&gt; Toast.makeText(this@MainActivity, text, Toast.LENGTH_SHORT).show()</a:t>
+            </a:r>
+            <a:endParaRPr lang="zh-CN" altLang="en-US">
+              <a:solidFill>
+                <a:schemeClr val="bg1"/>
+              </a:solidFill>
+            </a:endParaRPr>
+          </a:p>
+          <a:p>
+            <a:pPr algn="l"/>
+            <a:endParaRPr lang="zh-CN" altLang="en-US">
+              <a:solidFill>
+                <a:schemeClr val="bg1"/>
+              </a:solidFill>
+            </a:endParaRPr>
+          </a:p>
+          <a:p>
+            <a:pPr algn="l"/>
+            <a:r>
+              <a:rPr lang="en-US" altLang="zh-CN">
+                <a:solidFill>
+                  <a:schemeClr val="bg1"/>
+                </a:solidFill>
+              </a:rPr>
+              <a:t>22 . java</a:t>
+            </a:r>
+            <a:r>
+              <a:rPr lang="zh-CN" altLang="en-US">
+                <a:solidFill>
+                  <a:schemeClr val="bg1"/>
+                </a:solidFill>
+              </a:rPr>
+              <a:t>中</a:t>
+            </a:r>
+            <a:r>
+              <a:rPr lang="en-US" altLang="zh-CN">
+                <a:solidFill>
+                  <a:schemeClr val="bg1"/>
+                </a:solidFill>
+              </a:rPr>
+              <a:t>findViewById </a:t>
+            </a:r>
+            <a:endParaRPr lang="en-US" altLang="zh-CN">
+              <a:solidFill>
+                <a:schemeClr val="bg1"/>
+              </a:solidFill>
+            </a:endParaRPr>
+          </a:p>
+          <a:p>
+            <a:pPr algn="l"/>
+            <a:r>
+              <a:rPr lang="en-US" altLang="zh-CN">
+                <a:solidFill>
+                  <a:schemeClr val="bg1"/>
+                </a:solidFill>
+              </a:rPr>
+              <a:t>kotlin</a:t>
+            </a:r>
+            <a:r>
+              <a:rPr lang="zh-CN" altLang="en-US">
+                <a:solidFill>
+                  <a:schemeClr val="bg1"/>
+                </a:solidFill>
+              </a:rPr>
+              <a:t>中直接用</a:t>
+            </a:r>
+            <a:r>
+              <a:rPr lang="en-US" altLang="zh-CN">
+                <a:solidFill>
+                  <a:schemeClr val="bg1"/>
+                </a:solidFill>
+              </a:rPr>
+              <a:t>id</a:t>
+            </a:r>
+            <a:endParaRPr lang="en-US" altLang="zh-CN">
+              <a:solidFill>
+                <a:schemeClr val="bg1"/>
+              </a:solidFill>
+            </a:endParaRPr>
+          </a:p>
+          <a:p>
+            <a:pPr algn="l"/>
+            <a:r>
+              <a:rPr lang="en-US" altLang="zh-CN">
+                <a:solidFill>
+                  <a:schemeClr val="bg1"/>
+                </a:solidFill>
+              </a:rPr>
+              <a:t>23 . Java中&lt;? extends Student&gt;</a:t>
+            </a:r>
+            <a:r>
+              <a:rPr lang="zh-CN" altLang="en-US">
+                <a:solidFill>
+                  <a:schemeClr val="bg1"/>
+                </a:solidFill>
+              </a:rPr>
+              <a:t>，相当于</a:t>
+            </a:r>
+            <a:r>
+              <a:rPr lang="en-US" altLang="zh-CN">
+                <a:solidFill>
+                  <a:schemeClr val="bg1"/>
+                </a:solidFill>
+              </a:rPr>
+              <a:t>Kotlin</a:t>
+            </a:r>
+            <a:r>
+              <a:rPr lang="zh-CN" altLang="en-US">
+                <a:solidFill>
+                  <a:schemeClr val="bg1"/>
+                </a:solidFill>
+              </a:rPr>
+              <a:t>重的</a:t>
+            </a:r>
+            <a:r>
+              <a:rPr lang="en-US" altLang="zh-CN">
+                <a:solidFill>
+                  <a:schemeClr val="bg1"/>
+                </a:solidFill>
+              </a:rPr>
+              <a:t>out</a:t>
+            </a:r>
+            <a:r>
+              <a:rPr lang="zh-CN" altLang="en-US">
+                <a:solidFill>
+                  <a:schemeClr val="bg1"/>
+                </a:solidFill>
+              </a:rPr>
+              <a:t>（协变）</a:t>
+            </a:r>
+            <a:r>
+              <a:rPr lang="en-US" altLang="zh-CN">
+                <a:solidFill>
+                  <a:schemeClr val="bg1"/>
+                </a:solidFill>
+                <a:sym typeface="+mn-ea"/>
+              </a:rPr>
+              <a:t>&lt;out Student&gt;</a:t>
+            </a:r>
+            <a:endParaRPr lang="en-US" altLang="zh-CN">
+              <a:solidFill>
+                <a:schemeClr val="bg1"/>
+              </a:solidFill>
+            </a:endParaRPr>
+          </a:p>
+          <a:p>
+            <a:pPr algn="l"/>
+            <a:r>
+              <a:rPr lang="en-US" altLang="zh-CN">
+                <a:solidFill>
+                  <a:schemeClr val="bg1"/>
+                </a:solidFill>
+              </a:rPr>
+              <a:t>Java中 &lt;? super </a:t>
+            </a:r>
+            <a:r>
+              <a:rPr lang="en-US" altLang="zh-CN">
+                <a:solidFill>
+                  <a:schemeClr val="bg1"/>
+                </a:solidFill>
+                <a:sym typeface="+mn-ea"/>
+              </a:rPr>
+              <a:t>Student</a:t>
+            </a:r>
+            <a:r>
+              <a:rPr lang="en-US" altLang="zh-CN">
+                <a:solidFill>
+                  <a:schemeClr val="bg1"/>
+                </a:solidFill>
+              </a:rPr>
+              <a:t>&gt;</a:t>
+            </a:r>
+            <a:r>
+              <a:rPr lang="zh-CN" altLang="en-US">
+                <a:solidFill>
+                  <a:schemeClr val="bg1"/>
+                </a:solidFill>
+              </a:rPr>
+              <a:t>相当于</a:t>
+            </a:r>
+            <a:r>
+              <a:rPr lang="en-US" altLang="zh-CN">
+                <a:solidFill>
+                  <a:schemeClr val="bg1"/>
+                </a:solidFill>
+              </a:rPr>
+              <a:t>Kotlin</a:t>
+            </a:r>
+            <a:r>
+              <a:rPr lang="zh-CN" altLang="en-US">
+                <a:solidFill>
+                  <a:schemeClr val="bg1"/>
+                </a:solidFill>
+              </a:rPr>
+              <a:t>重的</a:t>
+            </a:r>
+            <a:r>
+              <a:rPr lang="en-US" altLang="zh-CN">
+                <a:solidFill>
+                  <a:schemeClr val="bg1"/>
+                </a:solidFill>
+              </a:rPr>
+              <a:t>in</a:t>
+            </a:r>
+            <a:r>
+              <a:rPr lang="zh-CN" altLang="en-US">
+                <a:solidFill>
+                  <a:schemeClr val="bg1"/>
+                </a:solidFill>
+              </a:rPr>
+              <a:t>（逆变） </a:t>
+            </a:r>
+            <a:r>
+              <a:rPr lang="en-US" altLang="zh-CN">
+                <a:solidFill>
+                  <a:schemeClr val="bg1"/>
+                </a:solidFill>
+                <a:sym typeface="+mn-ea"/>
+              </a:rPr>
+              <a:t>&lt;in Student&gt;</a:t>
+            </a:r>
+            <a:endParaRPr lang="zh-CN" altLang="en-US">
               <a:solidFill>
                 <a:schemeClr val="bg1"/>
               </a:solidFill>
@@ -4227,9 +4238,25 @@
                   <a:schemeClr val="bg1"/>
                 </a:solidFill>
               </a:rPr>
-              <a:t>函数式编程</a:t>
-            </a:r>
-            <a:endParaRPr lang="zh-CN" altLang="en-US">
+              <a:t>和</a:t>
+            </a:r>
+            <a:r>
+              <a:rPr lang="en-US" altLang="zh-CN">
+                <a:solidFill>
+                  <a:schemeClr val="bg1"/>
+                </a:solidFill>
+              </a:rPr>
+              <a:t>Java</a:t>
+            </a:r>
+            <a:r>
+              <a:rPr lang="zh-CN" altLang="en-US">
+                <a:solidFill>
+                  <a:schemeClr val="bg1"/>
+                </a:solidFill>
+              </a:rPr>
+              <a:t>的不同（八）</a:t>
+            </a:r>
+            <a:endParaRPr lang="en-US" altLang="zh-CN">
               <a:solidFill>
                 <a:schemeClr val="bg1"/>
               </a:solidFill>
@@ -6012,7 +6039,7 @@
         </p:spPr>
         <p:txBody>
           <a:bodyPr>
-            <a:normAutofit fontScale="90000" lnSpcReduction="10000"/>
+            <a:normAutofit fontScale="90000" lnSpcReduction="20000"/>
           </a:bodyPr>
           <a:p>
             <a:pPr algn="l"/>
@@ -6039,6 +6066,22 @@
                 </a:solidFill>
               </a:rPr>
               <a:t>val：定义常量，默认是private的</a:t>
+            </a:r>
+            <a:endParaRPr lang="en-US" altLang="zh-CN">
+              <a:solidFill>
+                <a:schemeClr val="bg1"/>
+              </a:solidFill>
+            </a:endParaRPr>
+          </a:p>
+          <a:p>
+            <a:pPr algn="l"/>
+            <a:r>
+              <a:rPr lang="en-US" altLang="zh-CN">
+                <a:solidFill>
+                  <a:schemeClr val="bg1"/>
+                </a:solidFill>
+              </a:rPr>
+              <a:t>const val </a:t>
             </a:r>
             <a:endParaRPr lang="en-US" altLang="zh-CN">
               <a:solidFill>
@@ -7266,7 +7309,7 @@
         </p:spPr>
         <p:txBody>
           <a:bodyPr>
-            <a:normAutofit lnSpcReduction="20000"/>
+            <a:normAutofit fontScale="90000" lnSpcReduction="20000"/>
           </a:bodyPr>
           <a:p>
             <a:pPr algn="l"/>

--- a/KotlinApp/Kotlin分享.pptx
+++ b/KotlinApp/Kotlin分享.pptx
@@ -9,20 +9,21 @@
     <p:sldId id="258" r:id="rId4"/>
     <p:sldId id="259" r:id="rId5"/>
     <p:sldId id="260" r:id="rId6"/>
-    <p:sldId id="261" r:id="rId7"/>
-    <p:sldId id="262" r:id="rId8"/>
-    <p:sldId id="263" r:id="rId9"/>
-    <p:sldId id="264" r:id="rId10"/>
-    <p:sldId id="265" r:id="rId11"/>
-    <p:sldId id="266" r:id="rId12"/>
-    <p:sldId id="267" r:id="rId13"/>
-    <p:sldId id="271" r:id="rId14"/>
+    <p:sldId id="280" r:id="rId7"/>
+    <p:sldId id="261" r:id="rId8"/>
+    <p:sldId id="262" r:id="rId9"/>
+    <p:sldId id="263" r:id="rId10"/>
+    <p:sldId id="264" r:id="rId11"/>
+    <p:sldId id="265" r:id="rId12"/>
+    <p:sldId id="266" r:id="rId13"/>
+    <p:sldId id="267" r:id="rId14"/>
     <p:sldId id="268" r:id="rId15"/>
-    <p:sldId id="272" r:id="rId16"/>
-    <p:sldId id="270" r:id="rId17"/>
-    <p:sldId id="273" r:id="rId18"/>
-    <p:sldId id="274" r:id="rId19"/>
-    <p:sldId id="275" r:id="rId20"/>
+    <p:sldId id="271" r:id="rId16"/>
+    <p:sldId id="272" r:id="rId17"/>
+    <p:sldId id="270" r:id="rId18"/>
+    <p:sldId id="273" r:id="rId19"/>
+    <p:sldId id="274" r:id="rId20"/>
+    <p:sldId id="275" r:id="rId21"/>
   </p:sldIdLst>
   <p:sldSz cx="12192000" cy="6858000"/>
   <p:notesSz cx="7103745" cy="10234295"/>
@@ -2857,268 +2858,192 @@
         </p:nvSpPr>
         <p:spPr>
           <a:xfrm>
-            <a:off x="598170" y="1315085"/>
-            <a:ext cx="11065510" cy="5130165"/>
+            <a:off x="598170" y="1018540"/>
+            <a:ext cx="11065510" cy="5680710"/>
           </a:xfrm>
         </p:spPr>
         <p:txBody>
           <a:bodyPr>
-            <a:normAutofit lnSpcReduction="10000"/>
+            <a:noAutofit/>
           </a:bodyPr>
           <a:p>
             <a:pPr algn="l"/>
-            <a:r>
-              <a:rPr lang="en-US" altLang="zh-CN">
-                <a:solidFill>
-                  <a:schemeClr val="bg1"/>
-                </a:solidFill>
-              </a:rPr>
-              <a:t>15 . 强制转换</a:t>
-            </a:r>
-            <a:endParaRPr lang="en-US" altLang="zh-CN">
-              <a:solidFill>
-                <a:schemeClr val="bg1"/>
-              </a:solidFill>
-            </a:endParaRPr>
-          </a:p>
-          <a:p>
-            <a:pPr algn="l"/>
-            <a:r>
-              <a:rPr lang="en-US" altLang="zh-CN">
-                <a:solidFill>
-                  <a:schemeClr val="bg1"/>
-                </a:solidFill>
-              </a:rPr>
-              <a:t>　　java中  mHeader(View)</a:t>
-            </a:r>
-            <a:endParaRPr lang="en-US" altLang="zh-CN">
-              <a:solidFill>
-                <a:schemeClr val="bg1"/>
-              </a:solidFill>
-            </a:endParaRPr>
-          </a:p>
-          <a:p>
-            <a:pPr algn="l"/>
-            <a:r>
-              <a:rPr lang="en-US" altLang="zh-CN">
-                <a:solidFill>
-                  <a:schemeClr val="bg1"/>
-                </a:solidFill>
-              </a:rPr>
-              <a:t>　　kotlin 中是mHeader as View</a:t>
-            </a:r>
-            <a:endParaRPr lang="en-US" altLang="zh-CN">
-              <a:solidFill>
-                <a:schemeClr val="bg1"/>
-              </a:solidFill>
-            </a:endParaRPr>
-          </a:p>
-          <a:p>
-            <a:pPr algn="l"/>
-            <a:r>
-              <a:rPr lang="en-US" altLang="zh-CN">
-                <a:solidFill>
-                  <a:schemeClr val="bg1"/>
-                </a:solidFill>
-              </a:rPr>
-              <a:t>16 . java中asycTask </a:t>
-            </a:r>
-            <a:endParaRPr lang="en-US" altLang="zh-CN">
-              <a:solidFill>
-                <a:schemeClr val="bg1"/>
-              </a:solidFill>
-            </a:endParaRPr>
-          </a:p>
-          <a:p>
-            <a:pPr algn="l"/>
-            <a:r>
-              <a:rPr lang="zh-CN" altLang="en-US">
-                <a:solidFill>
-                  <a:schemeClr val="bg1"/>
-                </a:solidFill>
-              </a:rPr>
-              <a:t>　　kotlin 中 async{</a:t>
-            </a:r>
-            <a:endParaRPr lang="zh-CN" altLang="en-US">
-              <a:solidFill>
-                <a:schemeClr val="bg1"/>
-              </a:solidFill>
-            </a:endParaRPr>
-          </a:p>
-          <a:p>
-            <a:pPr algn="l"/>
-            <a:r>
-              <a:rPr lang="zh-CN" altLang="en-US">
-                <a:solidFill>
-                  <a:schemeClr val="bg1"/>
-                </a:solidFill>
-              </a:rPr>
-              <a:t>　　　　run(){</a:t>
-            </a:r>
-            <a:endParaRPr lang="zh-CN" altLang="en-US">
-              <a:solidFill>
-                <a:schemeClr val="bg1"/>
-              </a:solidFill>
-            </a:endParaRPr>
-          </a:p>
-          <a:p>
-            <a:pPr algn="l"/>
-            <a:r>
-              <a:rPr lang="zh-CN" altLang="en-US">
-                <a:solidFill>
-                  <a:schemeClr val="bg1"/>
-                </a:solidFill>
-              </a:rPr>
-              <a:t>　　　　　　uiThread{...}</a:t>
-            </a:r>
-            <a:endParaRPr lang="zh-CN" altLang="en-US">
-              <a:solidFill>
-                <a:schemeClr val="bg1"/>
-              </a:solidFill>
-            </a:endParaRPr>
-          </a:p>
-          <a:p>
-            <a:pPr algn="l"/>
-            <a:r>
-              <a:rPr lang="zh-CN" altLang="en-US">
-                <a:solidFill>
-                  <a:schemeClr val="bg1"/>
-                </a:solidFill>
-              </a:rPr>
-              <a:t>　　　　　　}}</a:t>
-            </a:r>
-            <a:endParaRPr lang="zh-CN" altLang="en-US">
-              <a:solidFill>
-                <a:schemeClr val="bg1"/>
-              </a:solidFill>
-            </a:endParaRPr>
-          </a:p>
-          <a:p>
-            <a:pPr algn="l"/>
-            <a:r>
-              <a:rPr lang="en-US" altLang="zh-CN">
-                <a:solidFill>
-                  <a:schemeClr val="bg1"/>
-                </a:solidFill>
-              </a:rPr>
-              <a:t>17 . 增强For循环</a:t>
-            </a:r>
-            <a:endParaRPr lang="en-US" altLang="zh-CN">
-              <a:solidFill>
-                <a:schemeClr val="bg1"/>
-              </a:solidFill>
-            </a:endParaRPr>
-          </a:p>
-          <a:p>
-            <a:pPr algn="l"/>
-            <a:r>
-              <a:rPr lang="zh-CN" altLang="en-US">
-                <a:solidFill>
-                  <a:schemeClr val="bg1"/>
-                </a:solidFill>
-              </a:rPr>
-              <a:t>java中： for(</a:t>
-            </a:r>
-            <a:r>
-              <a:rPr lang="en-US" altLang="zh-CN">
-                <a:solidFill>
-                  <a:schemeClr val="bg1"/>
-                </a:solidFill>
-              </a:rPr>
-              <a:t>String</a:t>
-            </a:r>
-            <a:r>
-              <a:rPr lang="zh-CN" altLang="en-US">
-                <a:solidFill>
-                  <a:schemeClr val="bg1"/>
-                </a:solidFill>
-              </a:rPr>
-              <a:t> </a:t>
-            </a:r>
-            <a:r>
-              <a:rPr lang="en-US" altLang="zh-CN">
-                <a:solidFill>
-                  <a:schemeClr val="bg1"/>
-                </a:solidFill>
-              </a:rPr>
-              <a:t>str</a:t>
-            </a:r>
-            <a:r>
-              <a:rPr lang="zh-CN" altLang="en-US">
-                <a:solidFill>
-                  <a:schemeClr val="bg1"/>
-                </a:solidFill>
-              </a:rPr>
-              <a:t>：</a:t>
-            </a:r>
-            <a:r>
-              <a:rPr lang="en-US" altLang="zh-CN">
-                <a:solidFill>
-                  <a:schemeClr val="bg1"/>
-                </a:solidFill>
-              </a:rPr>
-              <a:t>list</a:t>
-            </a:r>
-            <a:r>
-              <a:rPr lang="zh-CN" altLang="en-US">
-                <a:solidFill>
-                  <a:schemeClr val="bg1"/>
-                </a:solidFill>
-              </a:rPr>
-              <a:t>)</a:t>
-            </a:r>
-            <a:endParaRPr lang="zh-CN" altLang="en-US">
-              <a:solidFill>
-                <a:schemeClr val="bg1"/>
-              </a:solidFill>
-            </a:endParaRPr>
-          </a:p>
-          <a:p>
-            <a:pPr algn="l"/>
-            <a:r>
-              <a:rPr lang="zh-CN" altLang="en-US">
-                <a:solidFill>
-                  <a:schemeClr val="bg1"/>
-                </a:solidFill>
-              </a:rPr>
-              <a:t>kotlin中：for（</a:t>
-            </a:r>
-            <a:r>
-              <a:rPr lang="en-US" altLang="zh-CN">
-                <a:solidFill>
-                  <a:schemeClr val="bg1"/>
-                </a:solidFill>
-              </a:rPr>
-              <a:t>str</a:t>
-            </a:r>
-            <a:r>
-              <a:rPr lang="zh-CN" altLang="en-US">
-                <a:solidFill>
-                  <a:schemeClr val="bg1"/>
-                </a:solidFill>
-              </a:rPr>
-              <a:t> in </a:t>
-            </a:r>
-            <a:r>
-              <a:rPr lang="en-US" altLang="zh-CN">
-                <a:solidFill>
-                  <a:schemeClr val="bg1"/>
-                </a:solidFill>
-              </a:rPr>
-              <a:t>list</a:t>
-            </a:r>
-            <a:r>
-              <a:rPr lang="zh-CN" altLang="en-US">
-                <a:solidFill>
-                  <a:schemeClr val="bg1"/>
-                </a:solidFill>
-              </a:rPr>
-              <a:t>）</a:t>
-            </a:r>
-            <a:endParaRPr lang="zh-CN" altLang="en-US">
-              <a:solidFill>
-                <a:schemeClr val="bg1"/>
-              </a:solidFill>
+            <a:endParaRPr lang="en-US" altLang="zh-CN" sz="2200">
+              <a:solidFill>
+                <a:schemeClr val="bg1"/>
+              </a:solidFill>
+              <a:sym typeface="+mn-ea"/>
+            </a:endParaRPr>
+          </a:p>
+          <a:p>
+            <a:pPr algn="l"/>
+            <a:r>
+              <a:rPr lang="en-US" altLang="zh-CN" sz="2200">
+                <a:solidFill>
+                  <a:schemeClr val="bg1"/>
+                </a:solidFill>
+                <a:sym typeface="+mn-ea"/>
+              </a:rPr>
+              <a:t>14 .-&gt;的用法</a:t>
+            </a:r>
+            <a:r>
+              <a:rPr lang="zh-CN" altLang="en-US" sz="2200">
+                <a:solidFill>
+                  <a:schemeClr val="bg1"/>
+                </a:solidFill>
+                <a:sym typeface="+mn-ea"/>
+              </a:rPr>
+              <a:t>。</a:t>
+            </a:r>
+            <a:r>
+              <a:rPr lang="en-US" altLang="zh-CN" sz="2200">
+                <a:solidFill>
+                  <a:schemeClr val="bg1"/>
+                </a:solidFill>
+                <a:sym typeface="+mn-ea"/>
+              </a:rPr>
+              <a:t>java中是这样写的</a:t>
+            </a:r>
+            <a:endParaRPr lang="en-US" altLang="zh-CN" sz="2200">
+              <a:solidFill>
+                <a:schemeClr val="bg1"/>
+              </a:solidFill>
+              <a:sym typeface="+mn-ea"/>
+            </a:endParaRPr>
+          </a:p>
+          <a:p>
+            <a:pPr algn="l"/>
+            <a:r>
+              <a:rPr lang="en-US" altLang="zh-CN" sz="2200">
+                <a:solidFill>
+                  <a:schemeClr val="bg1"/>
+                </a:solidFill>
+                <a:sym typeface="+mn-ea"/>
+              </a:rPr>
+              <a:t>        recyclerViewAdapter.setOnItemClickedListener(new HeaderRecyclerViewAdapter.onItemClickedListener() {</a:t>
+            </a:r>
+            <a:endParaRPr lang="en-US" altLang="zh-CN" sz="2200">
+              <a:solidFill>
+                <a:schemeClr val="bg1"/>
+              </a:solidFill>
+              <a:sym typeface="+mn-ea"/>
+            </a:endParaRPr>
+          </a:p>
+          <a:p>
+            <a:pPr algn="l"/>
+            <a:r>
+              <a:rPr lang="en-US" altLang="zh-CN" sz="2200">
+                <a:solidFill>
+                  <a:schemeClr val="bg1"/>
+                </a:solidFill>
+                <a:sym typeface="+mn-ea"/>
+              </a:rPr>
+              <a:t>            public void onItemClick(View view, int position) {</a:t>
+            </a:r>
+            <a:endParaRPr lang="en-US" altLang="zh-CN" sz="2200">
+              <a:solidFill>
+                <a:schemeClr val="bg1"/>
+              </a:solidFill>
+              <a:sym typeface="+mn-ea"/>
+            </a:endParaRPr>
+          </a:p>
+          <a:p>
+            <a:pPr algn="l"/>
+            <a:r>
+              <a:rPr lang="en-US" altLang="zh-CN" sz="2200">
+                <a:solidFill>
+                  <a:schemeClr val="bg1"/>
+                </a:solidFill>
+                <a:sym typeface="+mn-ea"/>
+              </a:rPr>
+              <a:t>                Toast.makeText(MainActivity.this, "position " + position, Toast.LENGTH_SHORT).show();</a:t>
+            </a:r>
+            <a:endParaRPr lang="en-US" altLang="zh-CN" sz="2200">
+              <a:solidFill>
+                <a:schemeClr val="bg1"/>
+              </a:solidFill>
+              <a:sym typeface="+mn-ea"/>
+            </a:endParaRPr>
+          </a:p>
+          <a:p>
+            <a:pPr algn="l"/>
+            <a:r>
+              <a:rPr lang="en-US" altLang="zh-CN" sz="2200">
+                <a:solidFill>
+                  <a:schemeClr val="bg1"/>
+                </a:solidFill>
+                <a:sym typeface="+mn-ea"/>
+              </a:rPr>
+              <a:t>            }</a:t>
+            </a:r>
+            <a:endParaRPr lang="en-US" altLang="zh-CN" sz="2200">
+              <a:solidFill>
+                <a:schemeClr val="bg1"/>
+              </a:solidFill>
+              <a:sym typeface="+mn-ea"/>
+            </a:endParaRPr>
+          </a:p>
+          <a:p>
+            <a:pPr algn="l"/>
+            <a:r>
+              <a:rPr lang="en-US" altLang="zh-CN" sz="2200">
+                <a:solidFill>
+                  <a:schemeClr val="bg1"/>
+                </a:solidFill>
+                <a:sym typeface="+mn-ea"/>
+              </a:rPr>
+              <a:t>        });</a:t>
+            </a:r>
+            <a:endParaRPr lang="en-US" altLang="zh-CN" sz="2200">
+              <a:solidFill>
+                <a:schemeClr val="bg1"/>
+              </a:solidFill>
+              <a:sym typeface="+mn-ea"/>
+            </a:endParaRPr>
+          </a:p>
+          <a:p>
+            <a:pPr algn="l"/>
+            <a:r>
+              <a:rPr lang="en-US" altLang="zh-CN" sz="2200">
+                <a:solidFill>
+                  <a:schemeClr val="bg1"/>
+                </a:solidFill>
+                <a:sym typeface="+mn-ea"/>
+              </a:rPr>
+              <a:t>　　kotlin这样写的</a:t>
+            </a:r>
+            <a:endParaRPr lang="en-US" altLang="zh-CN" sz="2200">
+              <a:solidFill>
+                <a:schemeClr val="bg1"/>
+              </a:solidFill>
+              <a:sym typeface="+mn-ea"/>
+            </a:endParaRPr>
+          </a:p>
+          <a:p>
+            <a:pPr algn="l"/>
+            <a:r>
+              <a:rPr lang="en-US" altLang="zh-CN" sz="2200">
+                <a:solidFill>
+                  <a:schemeClr val="bg1"/>
+                </a:solidFill>
+                <a:sym typeface="+mn-ea"/>
+              </a:rPr>
+              <a:t>　　recyclerViewAdapter.setOnItemClickedListener { view, position -&gt; Toast.makeText(this@MainActivity, "position " + position, Toast.LENGTH_SHORT).show() }</a:t>
+            </a:r>
+            <a:endParaRPr lang="en-US" altLang="zh-CN" sz="2000">
+              <a:solidFill>
+                <a:schemeClr val="bg1"/>
+              </a:solidFill>
+              <a:sym typeface="+mn-ea"/>
+            </a:endParaRPr>
+          </a:p>
+          <a:p>
+            <a:pPr algn="l"/>
+            <a:endParaRPr lang="en-US" altLang="zh-CN" sz="2000">
+              <a:solidFill>
+                <a:schemeClr val="bg1"/>
+              </a:solidFill>
+              <a:sym typeface="+mn-ea"/>
             </a:endParaRPr>
           </a:p>
         </p:txBody>
@@ -3172,9 +3097,9 @@
                   <a:schemeClr val="bg1"/>
                 </a:solidFill>
               </a:rPr>
-              <a:t>的不同（六）</a:t>
-            </a:r>
-            <a:endParaRPr lang="zh-CN" altLang="en-US">
+              <a:t>的不同（五）</a:t>
+            </a:r>
+            <a:endParaRPr lang="en-US" altLang="zh-CN">
               <a:solidFill>
                 <a:schemeClr val="bg1"/>
               </a:solidFill>
@@ -3223,250 +3148,265 @@
         </p:nvSpPr>
         <p:spPr>
           <a:xfrm>
-            <a:off x="598170" y="1196340"/>
-            <a:ext cx="11065510" cy="5502910"/>
+            <a:off x="598170" y="1315085"/>
+            <a:ext cx="11065510" cy="5130165"/>
           </a:xfrm>
         </p:spPr>
         <p:txBody>
           <a:bodyPr>
-            <a:noAutofit/>
+            <a:normAutofit lnSpcReduction="10000"/>
           </a:bodyPr>
           <a:p>
             <a:pPr algn="l"/>
             <a:r>
-              <a:rPr lang="en-US" altLang="zh-CN" sz="2200">
-                <a:solidFill>
-                  <a:schemeClr val="bg1"/>
-                </a:solidFill>
-              </a:rPr>
-              <a:t>18  . 三元表达式</a:t>
-            </a:r>
-            <a:endParaRPr lang="en-US" altLang="zh-CN" sz="2200">
-              <a:solidFill>
-                <a:schemeClr val="bg1"/>
-              </a:solidFill>
-            </a:endParaRPr>
-          </a:p>
-          <a:p>
-            <a:pPr algn="l"/>
-            <a:r>
-              <a:rPr lang="zh-CN" altLang="en-US" sz="2200">
-                <a:solidFill>
-                  <a:schemeClr val="bg1"/>
-                </a:solidFill>
-              </a:rPr>
-              <a:t>　java中(condition ? then : else)  </a:t>
-            </a:r>
-            <a:r>
-              <a:rPr lang="zh-CN" altLang="en-US" sz="2200">
-                <a:solidFill>
-                  <a:schemeClr val="bg1"/>
-                </a:solidFill>
-                <a:sym typeface="+mn-ea"/>
-              </a:rPr>
-              <a:t>kotlin中 if (a &gt; b) a else b</a:t>
-            </a:r>
-            <a:r>
-              <a:rPr lang="zh-CN" altLang="en-US" sz="2200">
-                <a:solidFill>
-                  <a:schemeClr val="bg1"/>
-                </a:solidFill>
-              </a:rPr>
-              <a:t>　　</a:t>
-            </a:r>
-            <a:endParaRPr lang="zh-CN" altLang="en-US" sz="2200">
-              <a:solidFill>
-                <a:schemeClr val="bg1"/>
-              </a:solidFill>
-            </a:endParaRPr>
-          </a:p>
-          <a:p>
-            <a:pPr algn="l"/>
-            <a:r>
-              <a:rPr lang="en-US" altLang="zh-CN" sz="2200">
-                <a:solidFill>
-                  <a:schemeClr val="bg1"/>
-                </a:solidFill>
-              </a:rPr>
-              <a:t>19 . switch case</a:t>
-            </a:r>
-            <a:r>
-              <a:rPr lang="zh-CN" altLang="en-US" sz="2200">
-                <a:solidFill>
-                  <a:schemeClr val="bg1"/>
-                </a:solidFill>
-              </a:rPr>
-              <a:t>，</a:t>
-            </a:r>
-            <a:r>
-              <a:rPr lang="en-US" altLang="zh-CN" sz="2200">
-                <a:solidFill>
-                  <a:schemeClr val="bg1"/>
-                </a:solidFill>
-              </a:rPr>
-              <a:t>java中 switch(){</a:t>
-            </a:r>
-            <a:endParaRPr lang="en-US" altLang="zh-CN" sz="2200">
-              <a:solidFill>
-                <a:schemeClr val="bg1"/>
-              </a:solidFill>
-            </a:endParaRPr>
-          </a:p>
-          <a:p>
-            <a:pPr algn="l"/>
-            <a:r>
-              <a:rPr lang="en-US" altLang="zh-CN" sz="2200">
-                <a:solidFill>
-                  <a:schemeClr val="bg1"/>
-                </a:solidFill>
-              </a:rPr>
-              <a:t>　　　　case:</a:t>
-            </a:r>
-            <a:endParaRPr lang="en-US" altLang="zh-CN" sz="2200">
-              <a:solidFill>
-                <a:schemeClr val="bg1"/>
-              </a:solidFill>
-            </a:endParaRPr>
-          </a:p>
-          <a:p>
-            <a:pPr algn="l"/>
-            <a:r>
-              <a:rPr lang="en-US" altLang="zh-CN" sz="2200">
-                <a:solidFill>
-                  <a:schemeClr val="bg1"/>
-                </a:solidFill>
-              </a:rPr>
-              <a:t>　　　　　　breaak;</a:t>
-            </a:r>
-            <a:endParaRPr lang="en-US" altLang="zh-CN" sz="2200">
-              <a:solidFill>
-                <a:schemeClr val="bg1"/>
-              </a:solidFill>
-            </a:endParaRPr>
-          </a:p>
-          <a:p>
-            <a:pPr algn="l"/>
-            <a:r>
-              <a:rPr lang="en-US" altLang="zh-CN" sz="2200">
-                <a:solidFill>
-                  <a:schemeClr val="bg1"/>
-                </a:solidFill>
-              </a:rPr>
-              <a:t>　　　　}</a:t>
-            </a:r>
-            <a:endParaRPr lang="en-US" altLang="zh-CN" sz="2200">
-              <a:solidFill>
-                <a:schemeClr val="bg1"/>
-              </a:solidFill>
-            </a:endParaRPr>
-          </a:p>
-          <a:p>
-            <a:pPr algn="l"/>
-            <a:r>
-              <a:rPr lang="en-US" altLang="zh-CN" sz="2200">
-                <a:solidFill>
-                  <a:schemeClr val="bg1"/>
-                </a:solidFill>
-              </a:rPr>
-              <a:t>　　kotlin 中 when() -&gt;</a:t>
-            </a:r>
-            <a:endParaRPr lang="en-US" altLang="zh-CN" sz="2200">
-              <a:solidFill>
-                <a:schemeClr val="bg1"/>
-              </a:solidFill>
-            </a:endParaRPr>
-          </a:p>
-          <a:p>
-            <a:pPr algn="l"/>
-            <a:r>
-              <a:rPr lang="en-US" altLang="zh-CN" sz="2200">
-                <a:solidFill>
-                  <a:schemeClr val="bg1"/>
-                </a:solidFill>
-              </a:rPr>
-              <a:t>    val language = if (args.size == 0) "EN" else args[0]</a:t>
-            </a:r>
-            <a:endParaRPr lang="en-US" altLang="zh-CN" sz="2200">
-              <a:solidFill>
-                <a:schemeClr val="bg1"/>
-              </a:solidFill>
-            </a:endParaRPr>
-          </a:p>
-          <a:p>
-            <a:pPr algn="l"/>
-            <a:r>
-              <a:rPr lang="en-US" altLang="zh-CN" sz="2200">
-                <a:solidFill>
-                  <a:schemeClr val="bg1"/>
-                </a:solidFill>
-              </a:rPr>
-              <a:t>    when (language) {</a:t>
-            </a:r>
-            <a:endParaRPr lang="en-US" altLang="zh-CN" sz="2200">
-              <a:solidFill>
-                <a:schemeClr val="bg1"/>
-              </a:solidFill>
-            </a:endParaRPr>
-          </a:p>
-          <a:p>
-            <a:pPr algn="l"/>
-            <a:r>
-              <a:rPr lang="en-US" altLang="zh-CN" sz="2200">
-                <a:solidFill>
-                  <a:schemeClr val="bg1"/>
-                </a:solidFill>
-              </a:rPr>
-              <a:t>        "EN" -&gt; "Hello!"</a:t>
-            </a:r>
-            <a:endParaRPr lang="en-US" altLang="zh-CN" sz="2200">
-              <a:solidFill>
-                <a:schemeClr val="bg1"/>
-              </a:solidFill>
-            </a:endParaRPr>
-          </a:p>
-          <a:p>
-            <a:pPr algn="l"/>
-            <a:r>
-              <a:rPr lang="en-US" altLang="zh-CN" sz="2200">
-                <a:solidFill>
-                  <a:schemeClr val="bg1"/>
-                </a:solidFill>
-              </a:rPr>
-              <a:t>        "FR" -&gt; "Salut!"</a:t>
-            </a:r>
-            <a:endParaRPr lang="en-US" altLang="zh-CN" sz="2200">
-              <a:solidFill>
-                <a:schemeClr val="bg1"/>
-              </a:solidFill>
-            </a:endParaRPr>
-          </a:p>
-          <a:p>
-            <a:pPr algn="l"/>
-            <a:r>
-              <a:rPr lang="en-US" altLang="zh-CN" sz="2200">
-                <a:solidFill>
-                  <a:schemeClr val="bg1"/>
-                </a:solidFill>
-              </a:rPr>
-              <a:t>        else -&gt; "Sorry, I can't greet you in $language yet"</a:t>
-            </a:r>
-            <a:endParaRPr lang="en-US" altLang="zh-CN" sz="2200">
-              <a:solidFill>
-                <a:schemeClr val="bg1"/>
-              </a:solidFill>
-            </a:endParaRPr>
-          </a:p>
-          <a:p>
-            <a:pPr algn="l"/>
-            <a:r>
-              <a:rPr lang="en-US" altLang="zh-CN" sz="2200">
-                <a:solidFill>
-                  <a:schemeClr val="bg1"/>
-                </a:solidFill>
-              </a:rPr>
-              <a:t>    }</a:t>
-            </a:r>
-            <a:endParaRPr lang="en-US" altLang="zh-CN" sz="2200">
+              <a:rPr lang="en-US" altLang="zh-CN">
+                <a:solidFill>
+                  <a:schemeClr val="bg1"/>
+                </a:solidFill>
+              </a:rPr>
+              <a:t>15 . 强制转换</a:t>
+            </a:r>
+            <a:endParaRPr lang="en-US" altLang="zh-CN">
+              <a:solidFill>
+                <a:schemeClr val="bg1"/>
+              </a:solidFill>
+            </a:endParaRPr>
+          </a:p>
+          <a:p>
+            <a:pPr algn="l"/>
+            <a:r>
+              <a:rPr lang="en-US" altLang="zh-CN">
+                <a:solidFill>
+                  <a:schemeClr val="bg1"/>
+                </a:solidFill>
+              </a:rPr>
+              <a:t>　　java中  mHeader(View)</a:t>
+            </a:r>
+            <a:endParaRPr lang="en-US" altLang="zh-CN">
+              <a:solidFill>
+                <a:schemeClr val="bg1"/>
+              </a:solidFill>
+            </a:endParaRPr>
+          </a:p>
+          <a:p>
+            <a:pPr algn="l"/>
+            <a:r>
+              <a:rPr lang="en-US" altLang="zh-CN">
+                <a:solidFill>
+                  <a:schemeClr val="bg1"/>
+                </a:solidFill>
+              </a:rPr>
+              <a:t>　　kotlin 中是mHeader as View</a:t>
+            </a:r>
+            <a:endParaRPr lang="en-US" altLang="zh-CN">
+              <a:solidFill>
+                <a:schemeClr val="bg1"/>
+              </a:solidFill>
+            </a:endParaRPr>
+          </a:p>
+          <a:p>
+            <a:pPr algn="l"/>
+            <a:r>
+              <a:rPr lang="en-US" altLang="zh-CN">
+                <a:solidFill>
+                  <a:schemeClr val="bg1"/>
+                </a:solidFill>
+              </a:rPr>
+              <a:t>16 . java中asycTask </a:t>
+            </a:r>
+            <a:endParaRPr lang="en-US" altLang="zh-CN">
+              <a:solidFill>
+                <a:schemeClr val="bg1"/>
+              </a:solidFill>
+            </a:endParaRPr>
+          </a:p>
+          <a:p>
+            <a:pPr algn="l"/>
+            <a:r>
+              <a:rPr lang="zh-CN" altLang="en-US">
+                <a:solidFill>
+                  <a:schemeClr val="bg1"/>
+                </a:solidFill>
+              </a:rPr>
+              <a:t>　　kotlin 中 async{</a:t>
+            </a:r>
+            <a:endParaRPr lang="zh-CN" altLang="en-US">
+              <a:solidFill>
+                <a:schemeClr val="bg1"/>
+              </a:solidFill>
+            </a:endParaRPr>
+          </a:p>
+          <a:p>
+            <a:pPr algn="l"/>
+            <a:r>
+              <a:rPr lang="zh-CN" altLang="en-US">
+                <a:solidFill>
+                  <a:schemeClr val="bg1"/>
+                </a:solidFill>
+              </a:rPr>
+              <a:t>　　　　run(){</a:t>
+            </a:r>
+            <a:endParaRPr lang="zh-CN" altLang="en-US">
+              <a:solidFill>
+                <a:schemeClr val="bg1"/>
+              </a:solidFill>
+            </a:endParaRPr>
+          </a:p>
+          <a:p>
+            <a:pPr algn="l"/>
+            <a:r>
+              <a:rPr lang="zh-CN" altLang="en-US">
+                <a:solidFill>
+                  <a:schemeClr val="bg1"/>
+                </a:solidFill>
+              </a:rPr>
+              <a:t>　　　　　　uiThread{...}</a:t>
+            </a:r>
+            <a:endParaRPr lang="zh-CN" altLang="en-US">
+              <a:solidFill>
+                <a:schemeClr val="bg1"/>
+              </a:solidFill>
+            </a:endParaRPr>
+          </a:p>
+          <a:p>
+            <a:pPr algn="l"/>
+            <a:r>
+              <a:rPr lang="zh-CN" altLang="en-US">
+                <a:solidFill>
+                  <a:schemeClr val="bg1"/>
+                </a:solidFill>
+              </a:rPr>
+              <a:t>　　　　　　}}</a:t>
+            </a:r>
+            <a:endParaRPr lang="zh-CN" altLang="en-US">
+              <a:solidFill>
+                <a:schemeClr val="bg1"/>
+              </a:solidFill>
+            </a:endParaRPr>
+          </a:p>
+          <a:p>
+            <a:pPr algn="l"/>
+            <a:r>
+              <a:rPr lang="en-US" altLang="zh-CN">
+                <a:solidFill>
+                  <a:schemeClr val="bg1"/>
+                </a:solidFill>
+              </a:rPr>
+              <a:t>17 . 增强For循环</a:t>
+            </a:r>
+            <a:endParaRPr lang="en-US" altLang="zh-CN">
+              <a:solidFill>
+                <a:schemeClr val="bg1"/>
+              </a:solidFill>
+            </a:endParaRPr>
+          </a:p>
+          <a:p>
+            <a:pPr algn="l"/>
+            <a:r>
+              <a:rPr lang="zh-CN" altLang="en-US">
+                <a:solidFill>
+                  <a:schemeClr val="bg1"/>
+                </a:solidFill>
+              </a:rPr>
+              <a:t>java中： for(</a:t>
+            </a:r>
+            <a:r>
+              <a:rPr lang="en-US" altLang="zh-CN">
+                <a:solidFill>
+                  <a:schemeClr val="bg1"/>
+                </a:solidFill>
+              </a:rPr>
+              <a:t>String</a:t>
+            </a:r>
+            <a:r>
+              <a:rPr lang="zh-CN" altLang="en-US">
+                <a:solidFill>
+                  <a:schemeClr val="bg1"/>
+                </a:solidFill>
+              </a:rPr>
+              <a:t> </a:t>
+            </a:r>
+            <a:r>
+              <a:rPr lang="en-US" altLang="zh-CN">
+                <a:solidFill>
+                  <a:schemeClr val="bg1"/>
+                </a:solidFill>
+              </a:rPr>
+              <a:t>str</a:t>
+            </a:r>
+            <a:r>
+              <a:rPr lang="zh-CN" altLang="en-US">
+                <a:solidFill>
+                  <a:schemeClr val="bg1"/>
+                </a:solidFill>
+              </a:rPr>
+              <a:t>：</a:t>
+            </a:r>
+            <a:r>
+              <a:rPr lang="en-US" altLang="zh-CN">
+                <a:solidFill>
+                  <a:schemeClr val="bg1"/>
+                </a:solidFill>
+              </a:rPr>
+              <a:t>list</a:t>
+            </a:r>
+            <a:r>
+              <a:rPr lang="zh-CN" altLang="en-US">
+                <a:solidFill>
+                  <a:schemeClr val="bg1"/>
+                </a:solidFill>
+              </a:rPr>
+              <a:t>)</a:t>
+            </a:r>
+            <a:endParaRPr lang="zh-CN" altLang="en-US">
+              <a:solidFill>
+                <a:schemeClr val="bg1"/>
+              </a:solidFill>
+            </a:endParaRPr>
+          </a:p>
+          <a:p>
+            <a:pPr algn="l"/>
+            <a:r>
+              <a:rPr lang="zh-CN" altLang="en-US">
+                <a:solidFill>
+                  <a:schemeClr val="bg1"/>
+                </a:solidFill>
+              </a:rPr>
+              <a:t>kotlin中：for（</a:t>
+            </a:r>
+            <a:r>
+              <a:rPr lang="en-US" altLang="zh-CN">
+                <a:solidFill>
+                  <a:schemeClr val="bg1"/>
+                </a:solidFill>
+              </a:rPr>
+              <a:t>str</a:t>
+            </a:r>
+            <a:r>
+              <a:rPr lang="zh-CN" altLang="en-US">
+                <a:solidFill>
+                  <a:schemeClr val="bg1"/>
+                </a:solidFill>
+              </a:rPr>
+              <a:t> in </a:t>
+            </a:r>
+            <a:r>
+              <a:rPr lang="en-US" altLang="zh-CN">
+                <a:solidFill>
+                  <a:schemeClr val="bg1"/>
+                </a:solidFill>
+              </a:rPr>
+              <a:t>list</a:t>
+            </a:r>
+            <a:r>
+              <a:rPr lang="zh-CN" altLang="en-US">
+                <a:solidFill>
+                  <a:schemeClr val="bg1"/>
+                </a:solidFill>
+              </a:rPr>
+              <a:t>）</a:t>
+            </a:r>
+            <a:endParaRPr lang="zh-CN" altLang="en-US">
               <a:solidFill>
                 <a:schemeClr val="bg1"/>
               </a:solidFill>
@@ -3523,9 +3463,9 @@
                   <a:schemeClr val="bg1"/>
                 </a:solidFill>
               </a:rPr>
-              <a:t>的不同（七）</a:t>
-            </a:r>
-            <a:endParaRPr lang="en-US" altLang="zh-CN">
+              <a:t>的不同（六）</a:t>
+            </a:r>
+            <a:endParaRPr lang="zh-CN" altLang="en-US">
               <a:solidFill>
                 <a:schemeClr val="bg1"/>
               </a:solidFill>
@@ -3584,167 +3524,240 @@
           </a:bodyPr>
           <a:p>
             <a:pPr algn="l"/>
-            <a:endParaRPr lang="en-US" altLang="zh-CN" sz="2000">
-              <a:solidFill>
-                <a:schemeClr val="bg1"/>
-              </a:solidFill>
-            </a:endParaRPr>
-          </a:p>
-          <a:p>
-            <a:pPr algn="l"/>
-            <a:r>
-              <a:rPr lang="en-US" altLang="zh-CN">
-                <a:solidFill>
-                  <a:schemeClr val="bg1"/>
-                </a:solidFill>
-              </a:rPr>
-              <a:t>1. 高阶函数</a:t>
-            </a:r>
-            <a:endParaRPr lang="en-US" altLang="zh-CN">
-              <a:solidFill>
-                <a:schemeClr val="bg1"/>
-              </a:solidFill>
-            </a:endParaRPr>
-          </a:p>
-          <a:p>
-            <a:pPr algn="l"/>
-            <a:r>
-              <a:rPr lang="en-US" altLang="zh-CN">
-                <a:solidFill>
-                  <a:schemeClr val="bg1"/>
-                </a:solidFill>
-              </a:rPr>
-              <a:t>高阶函数是将函数用作参数或者返回值的函数。</a:t>
-            </a:r>
-            <a:endParaRPr lang="en-US" altLang="zh-CN">
-              <a:solidFill>
-                <a:schemeClr val="bg1"/>
-              </a:solidFill>
-            </a:endParaRPr>
-          </a:p>
-          <a:p>
-            <a:pPr algn="l"/>
-            <a:r>
-              <a:rPr lang="en-US" altLang="zh-CN">
-                <a:solidFill>
-                  <a:schemeClr val="bg1"/>
-                </a:solidFill>
-              </a:rPr>
-              <a:t>fun isLargeThanFive(x: Int): Boolean = x &gt; 5</a:t>
-            </a:r>
-            <a:endParaRPr lang="en-US" altLang="zh-CN">
-              <a:solidFill>
-                <a:schemeClr val="bg1"/>
-              </a:solidFill>
-            </a:endParaRPr>
-          </a:p>
-          <a:p>
-            <a:pPr algn="l"/>
-            <a:r>
-              <a:rPr lang="en-US" altLang="zh-CN">
-                <a:solidFill>
-                  <a:schemeClr val="bg1"/>
-                </a:solidFill>
-              </a:rPr>
-              <a:t>fun main(args: Array&lt;String&gt;) {</a:t>
-            </a:r>
-            <a:endParaRPr lang="en-US" altLang="zh-CN">
-              <a:solidFill>
-                <a:schemeClr val="bg1"/>
-              </a:solidFill>
-            </a:endParaRPr>
-          </a:p>
-          <a:p>
-            <a:pPr algn="l"/>
-            <a:r>
-              <a:rPr lang="en-US" altLang="zh-CN">
-                <a:solidFill>
-                  <a:schemeClr val="bg1"/>
-                </a:solidFill>
-              </a:rPr>
-              <a:t>     val numbers = listOf(1, 2, 3, 4, 5, 6, 7, 8)</a:t>
-            </a:r>
-            <a:endParaRPr lang="en-US" altLang="zh-CN">
-              <a:solidFill>
-                <a:schemeClr val="bg1"/>
-              </a:solidFill>
-            </a:endParaRPr>
-          </a:p>
-          <a:p>
-            <a:pPr algn="l"/>
-            <a:r>
-              <a:rPr lang="en-US" altLang="zh-CN">
-                <a:solidFill>
-                  <a:schemeClr val="bg1"/>
-                </a:solidFill>
-              </a:rPr>
-              <a:t>     println(numbers.filter(::isLargeThanFive))  //打印[6, 7, 8]</a:t>
-            </a:r>
-            <a:endParaRPr lang="en-US" altLang="zh-CN">
-              <a:solidFill>
-                <a:schemeClr val="bg1"/>
-              </a:solidFill>
-            </a:endParaRPr>
-          </a:p>
-          <a:p>
-            <a:pPr algn="l"/>
-            <a:r>
-              <a:rPr lang="en-US" altLang="zh-CN">
-                <a:solidFill>
-                  <a:schemeClr val="bg1"/>
-                </a:solidFill>
-              </a:rPr>
-              <a:t>}</a:t>
-            </a:r>
-            <a:endParaRPr lang="en-US" altLang="zh-CN">
-              <a:solidFill>
-                <a:schemeClr val="bg1"/>
-              </a:solidFill>
-            </a:endParaRPr>
-          </a:p>
-          <a:p>
-            <a:pPr algn="l"/>
-            <a:r>
-              <a:rPr lang="en-US" altLang="zh-CN">
-                <a:solidFill>
-                  <a:schemeClr val="bg1"/>
-                </a:solidFill>
-              </a:rPr>
-              <a:t>注意：我们使用::来引用一个函数。</a:t>
-            </a:r>
-            <a:endParaRPr lang="en-US" altLang="zh-CN">
-              <a:solidFill>
-                <a:schemeClr val="bg1"/>
-              </a:solidFill>
-            </a:endParaRPr>
-          </a:p>
-          <a:p>
-            <a:pPr algn="l"/>
-            <a:r>
-              <a:rPr lang="en-US" altLang="zh-CN">
-                <a:solidFill>
-                  <a:schemeClr val="bg1"/>
-                </a:solidFill>
-              </a:rPr>
-              <a:t>2. 匿名函数</a:t>
-            </a:r>
-            <a:endParaRPr lang="en-US" altLang="zh-CN">
-              <a:solidFill>
-                <a:schemeClr val="bg1"/>
-              </a:solidFill>
-            </a:endParaRPr>
-          </a:p>
-          <a:p>
-            <a:pPr algn="l"/>
-            <a:r>
-              <a:rPr lang="en-US" altLang="zh-CN">
-                <a:solidFill>
-                  <a:schemeClr val="bg1"/>
-                </a:solidFill>
-              </a:rPr>
-              <a:t>匿名函数，其实就是没有函数名的函数</a:t>
-            </a:r>
-            <a:endParaRPr lang="en-US" altLang="zh-CN">
+            <a:r>
+              <a:rPr lang="en-US" altLang="zh-CN" sz="2200">
+                <a:solidFill>
+                  <a:schemeClr val="bg1"/>
+                </a:solidFill>
+              </a:rPr>
+              <a:t>18  . 三元表达式</a:t>
+            </a:r>
+            <a:endParaRPr lang="en-US" altLang="zh-CN" sz="2200">
+              <a:solidFill>
+                <a:schemeClr val="bg1"/>
+              </a:solidFill>
+            </a:endParaRPr>
+          </a:p>
+          <a:p>
+            <a:pPr algn="l"/>
+            <a:r>
+              <a:rPr lang="zh-CN" altLang="en-US" sz="2200">
+                <a:solidFill>
+                  <a:schemeClr val="bg1"/>
+                </a:solidFill>
+              </a:rPr>
+              <a:t>　java中(condition ? then : else)  </a:t>
+            </a:r>
+            <a:r>
+              <a:rPr lang="zh-CN" altLang="en-US" sz="2200">
+                <a:solidFill>
+                  <a:schemeClr val="bg1"/>
+                </a:solidFill>
+                <a:sym typeface="+mn-ea"/>
+              </a:rPr>
+              <a:t>kotlin中 if (a &gt; b) a else b</a:t>
+            </a:r>
+            <a:r>
+              <a:rPr lang="zh-CN" altLang="en-US" sz="2200">
+                <a:solidFill>
+                  <a:schemeClr val="bg1"/>
+                </a:solidFill>
+              </a:rPr>
+              <a:t>　　</a:t>
+            </a:r>
+            <a:endParaRPr lang="zh-CN" altLang="en-US" sz="2200">
+              <a:solidFill>
+                <a:schemeClr val="bg1"/>
+              </a:solidFill>
+            </a:endParaRPr>
+          </a:p>
+          <a:p>
+            <a:pPr algn="l"/>
+            <a:r>
+              <a:rPr lang="en-US" altLang="zh-CN" sz="2200">
+                <a:solidFill>
+                  <a:schemeClr val="bg1"/>
+                </a:solidFill>
+              </a:rPr>
+              <a:t>19 . switch case</a:t>
+            </a:r>
+            <a:r>
+              <a:rPr lang="zh-CN" altLang="en-US" sz="2200">
+                <a:solidFill>
+                  <a:schemeClr val="bg1"/>
+                </a:solidFill>
+              </a:rPr>
+              <a:t>，</a:t>
+            </a:r>
+            <a:r>
+              <a:rPr lang="en-US" altLang="zh-CN" sz="2200">
+                <a:solidFill>
+                  <a:schemeClr val="bg1"/>
+                </a:solidFill>
+              </a:rPr>
+              <a:t>java中 switch(){</a:t>
+            </a:r>
+            <a:endParaRPr lang="en-US" altLang="zh-CN" sz="2200">
+              <a:solidFill>
+                <a:schemeClr val="bg1"/>
+              </a:solidFill>
+            </a:endParaRPr>
+          </a:p>
+          <a:p>
+            <a:pPr algn="l"/>
+            <a:r>
+              <a:rPr lang="en-US" altLang="zh-CN" sz="2200">
+                <a:solidFill>
+                  <a:schemeClr val="bg1"/>
+                </a:solidFill>
+              </a:rPr>
+              <a:t>　　　　case:</a:t>
+            </a:r>
+            <a:endParaRPr lang="en-US" altLang="zh-CN" sz="2200">
+              <a:solidFill>
+                <a:schemeClr val="bg1"/>
+              </a:solidFill>
+            </a:endParaRPr>
+          </a:p>
+          <a:p>
+            <a:pPr algn="l"/>
+            <a:r>
+              <a:rPr lang="en-US" altLang="zh-CN" sz="2200">
+                <a:solidFill>
+                  <a:schemeClr val="bg1"/>
+                </a:solidFill>
+              </a:rPr>
+              <a:t>　　　　　　breaak;</a:t>
+            </a:r>
+            <a:endParaRPr lang="en-US" altLang="zh-CN" sz="2200">
+              <a:solidFill>
+                <a:schemeClr val="bg1"/>
+              </a:solidFill>
+            </a:endParaRPr>
+          </a:p>
+          <a:p>
+            <a:pPr algn="l"/>
+            <a:r>
+              <a:rPr lang="en-US" altLang="zh-CN" sz="2200">
+                <a:solidFill>
+                  <a:schemeClr val="bg1"/>
+                </a:solidFill>
+              </a:rPr>
+              <a:t>　　　　}</a:t>
+            </a:r>
+            <a:endParaRPr lang="en-US" altLang="zh-CN" sz="2200">
+              <a:solidFill>
+                <a:schemeClr val="bg1"/>
+              </a:solidFill>
+            </a:endParaRPr>
+          </a:p>
+          <a:p>
+            <a:pPr algn="l"/>
+            <a:r>
+              <a:rPr lang="en-US" altLang="zh-CN" sz="2200">
+                <a:solidFill>
+                  <a:schemeClr val="bg1"/>
+                </a:solidFill>
+              </a:rPr>
+              <a:t>　　kotlin 中 when() -&gt;</a:t>
+            </a:r>
+            <a:endParaRPr lang="en-US" altLang="zh-CN" sz="2200">
+              <a:solidFill>
+                <a:schemeClr val="bg1"/>
+              </a:solidFill>
+            </a:endParaRPr>
+          </a:p>
+          <a:p>
+            <a:pPr algn="l"/>
+            <a:r>
+              <a:rPr lang="en-US" altLang="zh-CN" sz="2200">
+                <a:solidFill>
+                  <a:schemeClr val="bg1"/>
+                </a:solidFill>
+              </a:rPr>
+              <a:t>    val language = if (args.size == 0) "EN" else args[0]</a:t>
+            </a:r>
+            <a:endParaRPr lang="en-US" altLang="zh-CN" sz="2200">
+              <a:solidFill>
+                <a:schemeClr val="bg1"/>
+              </a:solidFill>
+            </a:endParaRPr>
+          </a:p>
+          <a:p>
+            <a:pPr algn="l"/>
+            <a:r>
+              <a:rPr lang="en-US" altLang="zh-CN" sz="2200">
+                <a:solidFill>
+                  <a:schemeClr val="bg1"/>
+                </a:solidFill>
+              </a:rPr>
+              <a:t>    when (language) {</a:t>
+            </a:r>
+            <a:endParaRPr lang="en-US" altLang="zh-CN" sz="2200">
+              <a:solidFill>
+                <a:schemeClr val="bg1"/>
+              </a:solidFill>
+            </a:endParaRPr>
+          </a:p>
+          <a:p>
+            <a:pPr algn="l"/>
+            <a:r>
+              <a:rPr lang="en-US" altLang="zh-CN" sz="2200">
+                <a:solidFill>
+                  <a:schemeClr val="bg1"/>
+                </a:solidFill>
+              </a:rPr>
+              <a:t>        "EN" -&gt; "Hello!"</a:t>
+            </a:r>
+            <a:endParaRPr lang="en-US" altLang="zh-CN" sz="2200">
+              <a:solidFill>
+                <a:schemeClr val="bg1"/>
+              </a:solidFill>
+            </a:endParaRPr>
+          </a:p>
+          <a:p>
+            <a:pPr algn="l"/>
+            <a:r>
+              <a:rPr lang="en-US" altLang="zh-CN" sz="2200">
+                <a:solidFill>
+                  <a:schemeClr val="bg1"/>
+                </a:solidFill>
+              </a:rPr>
+              <a:t>        "FR" -&gt; "Salut!"</a:t>
+            </a:r>
+            <a:endParaRPr lang="en-US" altLang="zh-CN" sz="2200">
+              <a:solidFill>
+                <a:schemeClr val="bg1"/>
+              </a:solidFill>
+            </a:endParaRPr>
+          </a:p>
+          <a:p>
+            <a:pPr algn="l"/>
+            <a:r>
+              <a:rPr lang="en-US" altLang="zh-CN" sz="2200">
+                <a:solidFill>
+                  <a:schemeClr val="bg1"/>
+                </a:solidFill>
+              </a:rPr>
+              <a:t>        else -&gt; "Sorry, I can't greet you in $language yet"</a:t>
+            </a:r>
+            <a:endParaRPr lang="en-US" altLang="zh-CN" sz="2200">
+              <a:solidFill>
+                <a:schemeClr val="bg1"/>
+              </a:solidFill>
+            </a:endParaRPr>
+          </a:p>
+          <a:p>
+            <a:pPr algn="l"/>
+            <a:r>
+              <a:rPr lang="en-US" altLang="zh-CN" sz="2200">
+                <a:solidFill>
+                  <a:schemeClr val="bg1"/>
+                </a:solidFill>
+              </a:rPr>
+              <a:t>    }</a:t>
+            </a:r>
+            <a:endParaRPr lang="en-US" altLang="zh-CN" sz="2200">
               <a:solidFill>
                 <a:schemeClr val="bg1"/>
               </a:solidFill>
@@ -3785,9 +3798,25 @@
                   <a:schemeClr val="bg1"/>
                 </a:solidFill>
               </a:rPr>
-              <a:t>函数式编程</a:t>
-            </a:r>
-            <a:endParaRPr lang="zh-CN" altLang="en-US">
+              <a:t>和</a:t>
+            </a:r>
+            <a:r>
+              <a:rPr lang="en-US" altLang="zh-CN">
+                <a:solidFill>
+                  <a:schemeClr val="bg1"/>
+                </a:solidFill>
+              </a:rPr>
+              <a:t>Java</a:t>
+            </a:r>
+            <a:r>
+              <a:rPr lang="zh-CN" altLang="en-US">
+                <a:solidFill>
+                  <a:schemeClr val="bg1"/>
+                </a:solidFill>
+              </a:rPr>
+              <a:t>的不同（七）</a:t>
+            </a:r>
+            <a:endParaRPr lang="en-US" altLang="zh-CN">
               <a:solidFill>
                 <a:schemeClr val="bg1"/>
               </a:solidFill>
@@ -4329,167 +4358,151 @@
                   <a:schemeClr val="bg1"/>
                 </a:solidFill>
               </a:rPr>
-              <a:t>val numbers = listOf(1, 2, 3, 4, 5, 6, 7, 8)</a:t>
-            </a:r>
-            <a:endParaRPr lang="en-US" altLang="zh-CN">
-              <a:solidFill>
-                <a:schemeClr val="bg1"/>
-              </a:solidFill>
-            </a:endParaRPr>
-          </a:p>
-          <a:p>
-            <a:pPr algn="l"/>
-            <a:r>
-              <a:rPr lang="en-US" altLang="zh-CN">
-                <a:solidFill>
-                  <a:schemeClr val="bg1"/>
-                </a:solidFill>
-              </a:rPr>
-              <a:t>     println(numbers.filter(</a:t>
-            </a:r>
-            <a:endParaRPr lang="en-US" altLang="zh-CN">
-              <a:solidFill>
-                <a:schemeClr val="bg1"/>
-              </a:solidFill>
-            </a:endParaRPr>
-          </a:p>
-          <a:p>
-            <a:pPr algn="l"/>
-            <a:r>
-              <a:rPr lang="en-US" altLang="zh-CN">
-                <a:solidFill>
-                  <a:schemeClr val="bg1"/>
-                </a:solidFill>
-              </a:rPr>
-              <a:t>               fun (x: Int):Boolean {</a:t>
-            </a:r>
-            <a:endParaRPr lang="en-US" altLang="zh-CN">
-              <a:solidFill>
-                <a:schemeClr val="bg1"/>
-              </a:solidFill>
-            </a:endParaRPr>
-          </a:p>
-          <a:p>
-            <a:pPr algn="l"/>
-            <a:r>
-              <a:rPr lang="en-US" altLang="zh-CN">
-                <a:solidFill>
-                  <a:schemeClr val="bg1"/>
-                </a:solidFill>
-              </a:rPr>
-              <a:t>                    return x &gt; 5</a:t>
-            </a:r>
-            <a:endParaRPr lang="en-US" altLang="zh-CN">
-              <a:solidFill>
-                <a:schemeClr val="bg1"/>
-              </a:solidFill>
-            </a:endParaRPr>
-          </a:p>
-          <a:p>
-            <a:pPr algn="l"/>
-            <a:r>
-              <a:rPr lang="en-US" altLang="zh-CN">
-                <a:solidFill>
-                  <a:schemeClr val="bg1"/>
-                </a:solidFill>
-              </a:rPr>
-              <a:t>               }</a:t>
-            </a:r>
-            <a:endParaRPr lang="en-US" altLang="zh-CN">
-              <a:solidFill>
-                <a:schemeClr val="bg1"/>
-              </a:solidFill>
-            </a:endParaRPr>
-          </a:p>
-          <a:p>
-            <a:pPr algn="l"/>
-            <a:r>
-              <a:rPr lang="en-US" altLang="zh-CN">
-                <a:solidFill>
-                  <a:schemeClr val="bg1"/>
-                </a:solidFill>
-              </a:rPr>
-              <a:t>          )</a:t>
-            </a:r>
-            <a:endParaRPr lang="en-US" altLang="zh-CN">
-              <a:solidFill>
-                <a:schemeClr val="bg1"/>
-              </a:solidFill>
-            </a:endParaRPr>
-          </a:p>
-          <a:p>
-            <a:pPr algn="l"/>
-            <a:r>
-              <a:rPr lang="en-US" altLang="zh-CN">
-                <a:solidFill>
-                  <a:schemeClr val="bg1"/>
-                </a:solidFill>
-              </a:rPr>
-              <a:t>3 . Lambda表达式</a:t>
-            </a:r>
-            <a:endParaRPr lang="en-US" altLang="zh-CN">
-              <a:solidFill>
-                <a:schemeClr val="bg1"/>
-              </a:solidFill>
-            </a:endParaRPr>
-          </a:p>
-          <a:p>
-            <a:pPr algn="l"/>
-            <a:r>
-              <a:rPr lang="en-US" altLang="zh-CN">
-                <a:solidFill>
-                  <a:schemeClr val="bg1"/>
-                </a:solidFill>
-              </a:rPr>
-              <a:t> val numbers = listOf(1, 2, 3, 4, 5, 6, 7, 8)</a:t>
-            </a:r>
-            <a:endParaRPr lang="en-US" altLang="zh-CN">
-              <a:solidFill>
-                <a:schemeClr val="bg1"/>
-              </a:solidFill>
-            </a:endParaRPr>
-          </a:p>
-          <a:p>
-            <a:pPr algn="l"/>
-            <a:r>
-              <a:rPr lang="en-US" altLang="zh-CN">
-                <a:solidFill>
-                  <a:schemeClr val="bg1"/>
-                </a:solidFill>
-              </a:rPr>
-              <a:t>    numbers.filter({ it &gt; 5 })</a:t>
-            </a:r>
-            <a:endParaRPr lang="en-US" altLang="zh-CN">
-              <a:solidFill>
-                <a:schemeClr val="bg1"/>
-              </a:solidFill>
-            </a:endParaRPr>
-          </a:p>
-          <a:p>
-            <a:pPr algn="l"/>
-            <a:r>
-              <a:rPr lang="en-US" altLang="zh-CN">
-                <a:solidFill>
-                  <a:schemeClr val="bg1"/>
-                </a:solidFill>
-              </a:rPr>
-              <a:t>    //or 这样</a:t>
-            </a:r>
-            <a:endParaRPr lang="en-US" altLang="zh-CN">
-              <a:solidFill>
-                <a:schemeClr val="bg1"/>
-              </a:solidFill>
-            </a:endParaRPr>
-          </a:p>
-          <a:p>
-            <a:pPr algn="l"/>
-            <a:r>
-              <a:rPr lang="en-US" altLang="zh-CN">
-                <a:solidFill>
-                  <a:schemeClr val="bg1"/>
-                </a:solidFill>
-              </a:rPr>
-              <a:t>    numbers.filter { it &gt; 5 }</a:t>
+              <a:t>1. 高阶函数</a:t>
+            </a:r>
+            <a:endParaRPr lang="en-US" altLang="zh-CN">
+              <a:solidFill>
+                <a:schemeClr val="bg1"/>
+              </a:solidFill>
+            </a:endParaRPr>
+          </a:p>
+          <a:p>
+            <a:pPr algn="l"/>
+            <a:r>
+              <a:rPr lang="en-US" altLang="zh-CN">
+                <a:solidFill>
+                  <a:schemeClr val="bg1"/>
+                </a:solidFill>
+              </a:rPr>
+              <a:t>高阶函数是将函数用作参数或者返回值的函数。</a:t>
+            </a:r>
+            <a:endParaRPr lang="en-US" altLang="zh-CN">
+              <a:solidFill>
+                <a:schemeClr val="bg1"/>
+              </a:solidFill>
+            </a:endParaRPr>
+          </a:p>
+          <a:p>
+            <a:pPr algn="l"/>
+            <a:r>
+              <a:rPr lang="en-US" altLang="zh-CN">
+                <a:solidFill>
+                  <a:schemeClr val="bg1"/>
+                </a:solidFill>
+              </a:rPr>
+              <a:t>fun isLargeThanFive(x: Int): Boolean = x &gt; 5</a:t>
+            </a:r>
+            <a:endParaRPr lang="en-US" altLang="zh-CN">
+              <a:solidFill>
+                <a:schemeClr val="bg1"/>
+              </a:solidFill>
+            </a:endParaRPr>
+          </a:p>
+          <a:p>
+            <a:pPr algn="l"/>
+            <a:r>
+              <a:rPr lang="en-US" altLang="zh-CN">
+                <a:solidFill>
+                  <a:schemeClr val="bg1"/>
+                </a:solidFill>
+              </a:rPr>
+              <a:t>fun main(args: Array&lt;String&gt;) {</a:t>
+            </a:r>
+            <a:endParaRPr lang="en-US" altLang="zh-CN">
+              <a:solidFill>
+                <a:schemeClr val="bg1"/>
+              </a:solidFill>
+            </a:endParaRPr>
+          </a:p>
+          <a:p>
+            <a:pPr algn="l"/>
+            <a:r>
+              <a:rPr lang="en-US" altLang="zh-CN">
+                <a:solidFill>
+                  <a:schemeClr val="bg1"/>
+                </a:solidFill>
+              </a:rPr>
+              <a:t>     val numbers = listOf(1, 2, 3, 4, 5, 6, 7, 8)</a:t>
+            </a:r>
+            <a:endParaRPr lang="en-US" altLang="zh-CN">
+              <a:solidFill>
+                <a:schemeClr val="bg1"/>
+              </a:solidFill>
+            </a:endParaRPr>
+          </a:p>
+          <a:p>
+            <a:pPr algn="l"/>
+            <a:r>
+              <a:rPr lang="en-US" altLang="zh-CN">
+                <a:solidFill>
+                  <a:schemeClr val="bg1"/>
+                </a:solidFill>
+              </a:rPr>
+              <a:t>     println(numbers.filter(::isLargeThanFive))  //打印[6, 7, 8]</a:t>
+            </a:r>
+            <a:endParaRPr lang="en-US" altLang="zh-CN">
+              <a:solidFill>
+                <a:schemeClr val="bg1"/>
+              </a:solidFill>
+            </a:endParaRPr>
+          </a:p>
+          <a:p>
+            <a:pPr algn="l"/>
+            <a:r>
+              <a:rPr lang="en-US" altLang="zh-CN">
+                <a:solidFill>
+                  <a:schemeClr val="bg1"/>
+                </a:solidFill>
+              </a:rPr>
+              <a:t>}</a:t>
+            </a:r>
+            <a:endParaRPr lang="en-US" altLang="zh-CN">
+              <a:solidFill>
+                <a:schemeClr val="bg1"/>
+              </a:solidFill>
+            </a:endParaRPr>
+          </a:p>
+          <a:p>
+            <a:pPr algn="l"/>
+            <a:r>
+              <a:rPr lang="en-US" altLang="zh-CN">
+                <a:solidFill>
+                  <a:schemeClr val="bg1"/>
+                </a:solidFill>
+              </a:rPr>
+              <a:t>注意：我们使用::来引用一个函数。</a:t>
+            </a:r>
+            <a:endParaRPr lang="en-US" altLang="zh-CN">
+              <a:solidFill>
+                <a:schemeClr val="bg1"/>
+              </a:solidFill>
+            </a:endParaRPr>
+          </a:p>
+          <a:p>
+            <a:pPr algn="l"/>
+            <a:r>
+              <a:rPr lang="en-US" altLang="zh-CN">
+                <a:solidFill>
+                  <a:schemeClr val="bg1"/>
+                </a:solidFill>
+              </a:rPr>
+              <a:t>2. 匿名函数</a:t>
+            </a:r>
+            <a:endParaRPr lang="en-US" altLang="zh-CN">
+              <a:solidFill>
+                <a:schemeClr val="bg1"/>
+              </a:solidFill>
+            </a:endParaRPr>
+          </a:p>
+          <a:p>
+            <a:pPr algn="l"/>
+            <a:r>
+              <a:rPr lang="en-US" altLang="zh-CN">
+                <a:solidFill>
+                  <a:schemeClr val="bg1"/>
+                </a:solidFill>
+              </a:rPr>
+              <a:t>匿名函数，其实就是没有函数名的函数</a:t>
             </a:r>
             <a:endParaRPr lang="en-US" altLang="zh-CN">
               <a:solidFill>
@@ -4534,15 +4547,7 @@
               </a:rPr>
               <a:t>函数式编程</a:t>
             </a:r>
-            <a:r>
-              <a:rPr lang="en-US" altLang="zh-CN">
-                <a:solidFill>
-                  <a:schemeClr val="bg1"/>
-                </a:solidFill>
-              </a:rPr>
-              <a:t>2</a:t>
-            </a:r>
-            <a:endParaRPr lang="en-US" altLang="zh-CN">
+            <a:endParaRPr lang="zh-CN" altLang="en-US">
               <a:solidFill>
                 <a:schemeClr val="bg1"/>
               </a:solidFill>
@@ -4615,216 +4620,167 @@
                   <a:schemeClr val="bg1"/>
                 </a:solidFill>
               </a:rPr>
-              <a:t>1. kotlin查看编译后的Java代码</a:t>
-            </a:r>
-            <a:endParaRPr lang="en-US" altLang="zh-CN">
-              <a:solidFill>
-                <a:schemeClr val="bg1"/>
-              </a:solidFill>
-            </a:endParaRPr>
-          </a:p>
-          <a:p>
-            <a:pPr algn="l"/>
-            <a:r>
-              <a:rPr lang="en-US" altLang="zh-CN">
-                <a:solidFill>
-                  <a:schemeClr val="bg1"/>
-                </a:solidFill>
-              </a:rPr>
-              <a:t>  a、打开一个.kt文件</a:t>
-            </a:r>
-            <a:endParaRPr lang="en-US" altLang="zh-CN">
-              <a:solidFill>
-                <a:schemeClr val="bg1"/>
-              </a:solidFill>
-            </a:endParaRPr>
-          </a:p>
-          <a:p>
-            <a:pPr algn="l"/>
-            <a:r>
-              <a:rPr lang="en-US" altLang="zh-CN">
-                <a:solidFill>
-                  <a:schemeClr val="bg1"/>
-                </a:solidFill>
-              </a:rPr>
-              <a:t>  b、在Android Studio上方，操作如下:</a:t>
-            </a:r>
-            <a:r>
-              <a:rPr lang="en-US" altLang="zh-CN">
-                <a:solidFill>
-                  <a:schemeClr val="bg1"/>
-                </a:solidFill>
-                <a:sym typeface="+mn-ea"/>
-              </a:rPr>
-              <a:t>Tools --&gt; Kotlin --&gt; Show Kotlin ByteCodes</a:t>
-            </a:r>
-            <a:endParaRPr lang="en-US" altLang="zh-CN">
-              <a:solidFill>
-                <a:schemeClr val="bg1"/>
-              </a:solidFill>
-              <a:sym typeface="+mn-ea"/>
-            </a:endParaRPr>
-          </a:p>
-          <a:p>
-            <a:pPr algn="l"/>
-            <a:r>
-              <a:rPr lang="en-US" altLang="zh-CN">
-                <a:solidFill>
-                  <a:schemeClr val="bg1"/>
-                </a:solidFill>
-                <a:sym typeface="+mn-ea"/>
-              </a:rPr>
-              <a:t>  c</a:t>
-            </a:r>
-            <a:r>
-              <a:rPr lang="zh-CN" altLang="en-US">
-                <a:solidFill>
-                  <a:schemeClr val="bg1"/>
-                </a:solidFill>
-                <a:sym typeface="+mn-ea"/>
-              </a:rPr>
-              <a:t>、</a:t>
-            </a:r>
-            <a:r>
-              <a:rPr lang="en-US" altLang="zh-CN">
-                <a:solidFill>
-                  <a:schemeClr val="bg1"/>
-                </a:solidFill>
-                <a:sym typeface="+mn-ea"/>
-              </a:rPr>
-              <a:t>在kotlin字节码页面中，我们点击左上角的decompile按钮，就可以看到Java代码了</a:t>
-            </a:r>
-            <a:endParaRPr lang="en-US" altLang="zh-CN">
-              <a:solidFill>
-                <a:schemeClr val="bg1"/>
-              </a:solidFill>
-              <a:sym typeface="+mn-ea"/>
-            </a:endParaRPr>
-          </a:p>
-          <a:p>
-            <a:pPr algn="l"/>
-            <a:endParaRPr lang="en-US" altLang="zh-CN">
-              <a:solidFill>
-                <a:schemeClr val="bg1"/>
-              </a:solidFill>
-              <a:sym typeface="+mn-ea"/>
-            </a:endParaRPr>
-          </a:p>
-          <a:p>
-            <a:pPr algn="l"/>
-            <a:r>
-              <a:rPr lang="en-US" altLang="zh-CN">
-                <a:solidFill>
-                  <a:schemeClr val="bg1"/>
-                </a:solidFill>
-                <a:sym typeface="+mn-ea"/>
-              </a:rPr>
-              <a:t>2 . </a:t>
-            </a:r>
-            <a:r>
-              <a:rPr lang="zh-CN" altLang="en-US">
-                <a:solidFill>
-                  <a:schemeClr val="bg1"/>
-                </a:solidFill>
-                <a:sym typeface="+mn-ea"/>
-              </a:rPr>
-              <a:t>流式集合</a:t>
-            </a:r>
-            <a:endParaRPr lang="zh-CN" altLang="en-US">
-              <a:solidFill>
-                <a:schemeClr val="bg1"/>
-              </a:solidFill>
-            </a:endParaRPr>
-          </a:p>
-          <a:p>
-            <a:pPr algn="l"/>
-            <a:r>
-              <a:rPr lang="en-US" altLang="zh-CN">
-                <a:solidFill>
-                  <a:schemeClr val="bg1"/>
-                </a:solidFill>
-              </a:rPr>
-              <a:t>val list = listOf(1, 2, 3, 4, 5, 6, 7, 8, 9, 10)</a:t>
-            </a:r>
-            <a:endParaRPr lang="en-US" altLang="zh-CN">
-              <a:solidFill>
-                <a:schemeClr val="bg1"/>
-              </a:solidFill>
-            </a:endParaRPr>
-          </a:p>
-          <a:p>
-            <a:pPr algn="l"/>
-            <a:r>
-              <a:rPr lang="en-US" altLang="zh-CN">
-                <a:solidFill>
-                  <a:schemeClr val="bg1"/>
-                </a:solidFill>
-              </a:rPr>
-              <a:t>    list.filter { it%2==0 }             // 取偶数</a:t>
-            </a:r>
-            <a:endParaRPr lang="en-US" altLang="zh-CN">
-              <a:solidFill>
-                <a:schemeClr val="bg1"/>
-              </a:solidFill>
-            </a:endParaRPr>
-          </a:p>
-          <a:p>
-            <a:pPr algn="l"/>
-            <a:r>
-              <a:rPr lang="en-US" altLang="zh-CN">
-                <a:solidFill>
-                  <a:schemeClr val="bg1"/>
-                </a:solidFill>
-              </a:rPr>
-              <a:t>            .map{ it*it }               // 平方</a:t>
-            </a:r>
-            <a:endParaRPr lang="en-US" altLang="zh-CN">
-              <a:solidFill>
-                <a:schemeClr val="bg1"/>
-              </a:solidFill>
-            </a:endParaRPr>
-          </a:p>
-          <a:p>
-            <a:pPr algn="l"/>
-            <a:r>
-              <a:rPr lang="en-US" altLang="zh-CN">
-                <a:solidFill>
-                  <a:schemeClr val="bg1"/>
-                </a:solidFill>
-              </a:rPr>
-              <a:t>            .sortedDescending()         // 降序排序</a:t>
-            </a:r>
-            <a:endParaRPr lang="en-US" altLang="zh-CN">
-              <a:solidFill>
-                <a:schemeClr val="bg1"/>
-              </a:solidFill>
-            </a:endParaRPr>
-          </a:p>
-          <a:p>
-            <a:pPr algn="l"/>
-            <a:r>
-              <a:rPr lang="en-US" altLang="zh-CN">
-                <a:solidFill>
-                  <a:schemeClr val="bg1"/>
-                </a:solidFill>
-              </a:rPr>
-              <a:t>            .take(3)                    // 取前 3 个</a:t>
-            </a:r>
-            <a:endParaRPr lang="en-US" altLang="zh-CN">
-              <a:solidFill>
-                <a:schemeClr val="bg1"/>
-              </a:solidFill>
-            </a:endParaRPr>
-          </a:p>
-          <a:p>
-            <a:pPr algn="l"/>
-            <a:r>
-              <a:rPr lang="en-US" altLang="zh-CN">
-                <a:solidFill>
-                  <a:schemeClr val="bg1"/>
-                </a:solidFill>
-              </a:rPr>
-              <a:t>            .forEach { println(it) }    // 遍历, 打印</a:t>
+              <a:t>val numbers = listOf(1, 2, 3, 4, 5, 6, 7, 8)</a:t>
+            </a:r>
+            <a:endParaRPr lang="en-US" altLang="zh-CN">
+              <a:solidFill>
+                <a:schemeClr val="bg1"/>
+              </a:solidFill>
+            </a:endParaRPr>
+          </a:p>
+          <a:p>
+            <a:pPr algn="l"/>
+            <a:r>
+              <a:rPr lang="en-US" altLang="zh-CN">
+                <a:solidFill>
+                  <a:schemeClr val="bg1"/>
+                </a:solidFill>
+              </a:rPr>
+              <a:t>     println(numbers.filter(</a:t>
+            </a:r>
+            <a:endParaRPr lang="en-US" altLang="zh-CN">
+              <a:solidFill>
+                <a:schemeClr val="bg1"/>
+              </a:solidFill>
+            </a:endParaRPr>
+          </a:p>
+          <a:p>
+            <a:pPr algn="l"/>
+            <a:r>
+              <a:rPr lang="en-US" altLang="zh-CN">
+                <a:solidFill>
+                  <a:schemeClr val="bg1"/>
+                </a:solidFill>
+              </a:rPr>
+              <a:t>               fun (x: Int):Boolean {</a:t>
+            </a:r>
+            <a:endParaRPr lang="en-US" altLang="zh-CN">
+              <a:solidFill>
+                <a:schemeClr val="bg1"/>
+              </a:solidFill>
+            </a:endParaRPr>
+          </a:p>
+          <a:p>
+            <a:pPr algn="l"/>
+            <a:r>
+              <a:rPr lang="en-US" altLang="zh-CN">
+                <a:solidFill>
+                  <a:schemeClr val="bg1"/>
+                </a:solidFill>
+              </a:rPr>
+              <a:t>                    return x &gt; 5</a:t>
+            </a:r>
+            <a:endParaRPr lang="en-US" altLang="zh-CN">
+              <a:solidFill>
+                <a:schemeClr val="bg1"/>
+              </a:solidFill>
+            </a:endParaRPr>
+          </a:p>
+          <a:p>
+            <a:pPr algn="l"/>
+            <a:r>
+              <a:rPr lang="en-US" altLang="zh-CN">
+                <a:solidFill>
+                  <a:schemeClr val="bg1"/>
+                </a:solidFill>
+              </a:rPr>
+              <a:t>               }</a:t>
+            </a:r>
+            <a:endParaRPr lang="en-US" altLang="zh-CN">
+              <a:solidFill>
+                <a:schemeClr val="bg1"/>
+              </a:solidFill>
+            </a:endParaRPr>
+          </a:p>
+          <a:p>
+            <a:pPr algn="l"/>
+            <a:r>
+              <a:rPr lang="en-US" altLang="zh-CN">
+                <a:solidFill>
+                  <a:schemeClr val="bg1"/>
+                </a:solidFill>
+              </a:rPr>
+              <a:t>          )</a:t>
+            </a:r>
+            <a:endParaRPr lang="en-US" altLang="zh-CN">
+              <a:solidFill>
+                <a:schemeClr val="bg1"/>
+              </a:solidFill>
+            </a:endParaRPr>
+          </a:p>
+          <a:p>
+            <a:pPr algn="l"/>
+            <a:r>
+              <a:rPr lang="en-US" altLang="zh-CN">
+                <a:solidFill>
+                  <a:schemeClr val="bg1"/>
+                </a:solidFill>
+              </a:rPr>
+              <a:t>3 . Lambda表达式</a:t>
+            </a:r>
+            <a:endParaRPr lang="en-US" altLang="zh-CN">
+              <a:solidFill>
+                <a:schemeClr val="bg1"/>
+              </a:solidFill>
+            </a:endParaRPr>
+          </a:p>
+          <a:p>
+            <a:pPr algn="l"/>
+            <a:r>
+              <a:rPr lang="en-US" altLang="zh-CN">
+                <a:solidFill>
+                  <a:schemeClr val="bg1"/>
+                </a:solidFill>
+              </a:rPr>
+              <a:t> val numbers = listOf(1, 2, 3, 4, 5, 6, 7, 8)</a:t>
+            </a:r>
+            <a:endParaRPr lang="en-US" altLang="zh-CN">
+              <a:solidFill>
+                <a:schemeClr val="bg1"/>
+              </a:solidFill>
+            </a:endParaRPr>
+          </a:p>
+          <a:p>
+            <a:pPr algn="l"/>
+            <a:r>
+              <a:rPr lang="en-US" altLang="zh-CN">
+                <a:solidFill>
+                  <a:schemeClr val="bg1"/>
+                </a:solidFill>
+              </a:rPr>
+              <a:t>    numbers.filter({ it &gt; 5 })</a:t>
+            </a:r>
+            <a:endParaRPr lang="en-US" altLang="zh-CN">
+              <a:solidFill>
+                <a:schemeClr val="bg1"/>
+              </a:solidFill>
+            </a:endParaRPr>
+          </a:p>
+          <a:p>
+            <a:pPr algn="l"/>
+            <a:r>
+              <a:rPr lang="en-US" altLang="zh-CN">
+                <a:solidFill>
+                  <a:schemeClr val="bg1"/>
+                </a:solidFill>
+              </a:rPr>
+              <a:t>    //or 这样</a:t>
+            </a:r>
+            <a:endParaRPr lang="en-US" altLang="zh-CN">
+              <a:solidFill>
+                <a:schemeClr val="bg1"/>
+              </a:solidFill>
+            </a:endParaRPr>
+          </a:p>
+          <a:p>
+            <a:pPr algn="l"/>
+            <a:r>
+              <a:rPr lang="en-US" altLang="zh-CN">
+                <a:solidFill>
+                  <a:schemeClr val="bg1"/>
+                </a:solidFill>
+              </a:rPr>
+              <a:t>    numbers.filter { it &gt; 5 }</a:t>
             </a:r>
             <a:endParaRPr lang="en-US" altLang="zh-CN">
               <a:solidFill>
@@ -4867,15 +4823,15 @@
                   <a:schemeClr val="bg1"/>
                 </a:solidFill>
               </a:rPr>
-              <a:t>知识点</a:t>
-            </a:r>
-            <a:r>
-              <a:rPr lang="en-US" altLang="zh-CN">
-                <a:solidFill>
-                  <a:schemeClr val="bg1"/>
-                </a:solidFill>
-              </a:rPr>
-              <a:t>1</a:t>
+              <a:t>函数式编程</a:t>
+            </a:r>
+            <a:r>
+              <a:rPr lang="en-US" altLang="zh-CN">
+                <a:solidFill>
+                  <a:schemeClr val="bg1"/>
+                </a:solidFill>
+              </a:rPr>
+              <a:t>2</a:t>
             </a:r>
             <a:endParaRPr lang="en-US" altLang="zh-CN">
               <a:solidFill>
@@ -4950,71 +4906,120 @@
                   <a:schemeClr val="bg1"/>
                 </a:solidFill>
               </a:rPr>
-              <a:t>3. Kotlin实现Parcelable</a:t>
-            </a:r>
-            <a:endParaRPr lang="en-US" altLang="zh-CN">
-              <a:solidFill>
-                <a:schemeClr val="bg1"/>
-              </a:solidFill>
-            </a:endParaRPr>
-          </a:p>
-          <a:p>
-            <a:pPr algn="l"/>
-            <a:r>
-              <a:rPr lang="en-US" altLang="zh-CN">
-                <a:solidFill>
-                  <a:schemeClr val="bg1"/>
-                </a:solidFill>
-              </a:rPr>
-              <a:t>@Parcelize</a:t>
-            </a:r>
-            <a:endParaRPr lang="en-US" altLang="zh-CN">
-              <a:solidFill>
-                <a:schemeClr val="bg1"/>
-              </a:solidFill>
-            </a:endParaRPr>
-          </a:p>
-          <a:p>
-            <a:pPr algn="l"/>
-            <a:r>
-              <a:rPr lang="en-US" altLang="zh-CN">
-                <a:solidFill>
-                  <a:schemeClr val="bg1"/>
-                </a:solidFill>
-              </a:rPr>
-              <a:t>data class User(val name: String, val age: Int) : Parcelable</a:t>
-            </a:r>
-            <a:endParaRPr lang="en-US" altLang="zh-CN">
-              <a:solidFill>
-                <a:schemeClr val="bg1"/>
-              </a:solidFill>
-            </a:endParaRPr>
-          </a:p>
-          <a:p>
-            <a:pPr algn="l"/>
-            <a:endParaRPr lang="en-US" altLang="zh-CN">
-              <a:solidFill>
-                <a:schemeClr val="bg1"/>
-              </a:solidFill>
-            </a:endParaRPr>
-          </a:p>
-          <a:p>
-            <a:pPr algn="l"/>
-            <a:r>
-              <a:rPr lang="en-US" altLang="zh-CN">
-                <a:solidFill>
-                  <a:schemeClr val="bg1"/>
-                </a:solidFill>
-              </a:rPr>
-              <a:t>4 . async </a:t>
+              <a:t>1. kotlin查看编译后的Java代码</a:t>
+            </a:r>
+            <a:endParaRPr lang="en-US" altLang="zh-CN">
+              <a:solidFill>
+                <a:schemeClr val="bg1"/>
+              </a:solidFill>
+            </a:endParaRPr>
+          </a:p>
+          <a:p>
+            <a:pPr algn="l"/>
+            <a:r>
+              <a:rPr lang="en-US" altLang="zh-CN">
+                <a:solidFill>
+                  <a:schemeClr val="bg1"/>
+                </a:solidFill>
+              </a:rPr>
+              <a:t>  a、打开一个.kt文件</a:t>
+            </a:r>
+            <a:endParaRPr lang="en-US" altLang="zh-CN">
+              <a:solidFill>
+                <a:schemeClr val="bg1"/>
+              </a:solidFill>
+            </a:endParaRPr>
+          </a:p>
+          <a:p>
+            <a:pPr algn="l"/>
+            <a:r>
+              <a:rPr lang="en-US" altLang="zh-CN">
+                <a:solidFill>
+                  <a:schemeClr val="bg1"/>
+                </a:solidFill>
+              </a:rPr>
+              <a:t>  b、在Android Studio上方，操作如下:</a:t>
+            </a:r>
+            <a:r>
+              <a:rPr lang="en-US" altLang="zh-CN">
+                <a:solidFill>
+                  <a:schemeClr val="bg1"/>
+                </a:solidFill>
+                <a:sym typeface="+mn-ea"/>
+              </a:rPr>
+              <a:t>Tools --&gt; Kotlin --&gt; Show Kotlin ByteCodes</a:t>
+            </a:r>
+            <a:endParaRPr lang="en-US" altLang="zh-CN">
+              <a:solidFill>
+                <a:schemeClr val="bg1"/>
+              </a:solidFill>
+              <a:sym typeface="+mn-ea"/>
+            </a:endParaRPr>
+          </a:p>
+          <a:p>
+            <a:pPr algn="l"/>
+            <a:r>
+              <a:rPr lang="en-US" altLang="zh-CN">
+                <a:solidFill>
+                  <a:schemeClr val="bg1"/>
+                </a:solidFill>
+                <a:sym typeface="+mn-ea"/>
+              </a:rPr>
+              <a:t>  c</a:t>
             </a:r>
             <a:r>
               <a:rPr lang="zh-CN" altLang="en-US">
                 <a:solidFill>
                   <a:schemeClr val="bg1"/>
                 </a:solidFill>
-              </a:rPr>
-              <a:t>实现异步：</a:t>
+                <a:sym typeface="+mn-ea"/>
+              </a:rPr>
+              <a:t>、</a:t>
+            </a:r>
+            <a:r>
+              <a:rPr lang="en-US" altLang="zh-CN">
+                <a:solidFill>
+                  <a:schemeClr val="bg1"/>
+                </a:solidFill>
+                <a:sym typeface="+mn-ea"/>
+              </a:rPr>
+              <a:t>在kotlin字节码页面中，我们点击左上角的decompile按钮，就可以看到Java代码了</a:t>
+            </a:r>
+            <a:endParaRPr lang="en-US" altLang="zh-CN">
+              <a:solidFill>
+                <a:schemeClr val="bg1"/>
+              </a:solidFill>
+              <a:sym typeface="+mn-ea"/>
+            </a:endParaRPr>
+          </a:p>
+          <a:p>
+            <a:pPr algn="l"/>
+            <a:endParaRPr lang="en-US" altLang="zh-CN">
+              <a:solidFill>
+                <a:schemeClr val="bg1"/>
+              </a:solidFill>
+              <a:sym typeface="+mn-ea"/>
+            </a:endParaRPr>
+          </a:p>
+          <a:p>
+            <a:pPr algn="l"/>
+            <a:r>
+              <a:rPr lang="en-US" altLang="zh-CN">
+                <a:solidFill>
+                  <a:schemeClr val="bg1"/>
+                </a:solidFill>
+                <a:sym typeface="+mn-ea"/>
+              </a:rPr>
+              <a:t>2 . </a:t>
+            </a:r>
+            <a:r>
+              <a:rPr lang="zh-CN" altLang="en-US">
+                <a:solidFill>
+                  <a:schemeClr val="bg1"/>
+                </a:solidFill>
+                <a:sym typeface="+mn-ea"/>
+              </a:rPr>
+              <a:t>流式集合</a:t>
             </a:r>
             <a:endParaRPr lang="zh-CN" altLang="en-US">
               <a:solidFill>
@@ -5025,70 +5030,94 @@
           <a:p>
             <a:pPr algn="l"/>
             <a:r>
-              <a:rPr lang="zh-CN" altLang="en-US">
-                <a:solidFill>
-                  <a:schemeClr val="bg1"/>
-                </a:solidFill>
-              </a:rPr>
-              <a:t>在build.gradle中添加：compile 'org.jetbrains.anko:anko-sdk15:0.8.2'</a:t>
-            </a:r>
-            <a:endParaRPr lang="zh-CN" altLang="en-US">
-              <a:solidFill>
-                <a:schemeClr val="bg1"/>
-              </a:solidFill>
-            </a:endParaRPr>
-          </a:p>
-          <a:p>
-            <a:pPr algn="l"/>
-            <a:r>
-              <a:rPr lang="zh-CN" altLang="en-US">
-                <a:solidFill>
-                  <a:schemeClr val="bg1"/>
-                </a:solidFill>
-              </a:rPr>
-              <a:t>async {</a:t>
-            </a:r>
-            <a:endParaRPr lang="zh-CN" altLang="en-US">
-              <a:solidFill>
-                <a:schemeClr val="bg1"/>
-              </a:solidFill>
-            </a:endParaRPr>
-          </a:p>
-          <a:p>
-            <a:pPr algn="l"/>
-            <a:r>
-              <a:rPr lang="zh-CN" altLang="en-US">
-                <a:solidFill>
-                  <a:schemeClr val="bg1"/>
-                </a:solidFill>
-              </a:rPr>
-              <a:t>           val text = URL("https://www.baidu.com").readText()//访问网络例如百度                                uiThread { show.text = text } //更新ui(show是一个TextView)</a:t>
-            </a:r>
-            <a:endParaRPr lang="zh-CN" altLang="en-US">
-              <a:solidFill>
-                <a:schemeClr val="bg1"/>
-              </a:solidFill>
-            </a:endParaRPr>
-          </a:p>
-          <a:p>
-            <a:pPr algn="l"/>
-            <a:r>
-              <a:rPr lang="zh-CN" altLang="en-US">
-                <a:solidFill>
-                  <a:schemeClr val="bg1"/>
-                </a:solidFill>
-              </a:rPr>
-              <a:t>       }</a:t>
-            </a:r>
-            <a:endParaRPr lang="zh-CN" altLang="en-US">
-              <a:solidFill>
-                <a:schemeClr val="bg1"/>
-              </a:solidFill>
-            </a:endParaRPr>
-          </a:p>
-          <a:p>
-            <a:pPr algn="l"/>
-            <a:endParaRPr lang="zh-CN" altLang="en-US">
+              <a:rPr lang="en-US" altLang="zh-CN">
+                <a:solidFill>
+                  <a:schemeClr val="bg1"/>
+                </a:solidFill>
+              </a:rPr>
+              <a:t>val list = listOf(1, 2, 3, 4, 5, 6, 7, 8, 9, 10)</a:t>
+            </a:r>
+            <a:endParaRPr lang="en-US" altLang="zh-CN">
+              <a:solidFill>
+                <a:schemeClr val="bg1"/>
+              </a:solidFill>
+            </a:endParaRPr>
+          </a:p>
+          <a:p>
+            <a:pPr algn="l"/>
+            <a:r>
+              <a:rPr lang="en-US" altLang="zh-CN">
+                <a:solidFill>
+                  <a:schemeClr val="bg1"/>
+                </a:solidFill>
+              </a:rPr>
+              <a:t>    list.filter { it%2==0 }             // 取偶数</a:t>
+            </a:r>
+            <a:endParaRPr lang="en-US" altLang="zh-CN">
+              <a:solidFill>
+                <a:schemeClr val="bg1"/>
+              </a:solidFill>
+            </a:endParaRPr>
+          </a:p>
+          <a:p>
+            <a:pPr algn="l"/>
+            <a:r>
+              <a:rPr lang="en-US" altLang="zh-CN">
+                <a:solidFill>
+                  <a:schemeClr val="bg1"/>
+                </a:solidFill>
+              </a:rPr>
+              <a:t>            .map{ it*it }               // 平方</a:t>
+            </a:r>
+            <a:endParaRPr lang="en-US" altLang="zh-CN">
+              <a:solidFill>
+                <a:schemeClr val="bg1"/>
+              </a:solidFill>
+            </a:endParaRPr>
+          </a:p>
+          <a:p>
+            <a:pPr algn="l"/>
+            <a:r>
+              <a:rPr lang="en-US" altLang="zh-CN">
+                <a:solidFill>
+                  <a:schemeClr val="bg1"/>
+                </a:solidFill>
+              </a:rPr>
+              <a:t>            .sortedDescending()         // 降序排序</a:t>
+            </a:r>
+            <a:endParaRPr lang="en-US" altLang="zh-CN">
+              <a:solidFill>
+                <a:schemeClr val="bg1"/>
+              </a:solidFill>
+            </a:endParaRPr>
+          </a:p>
+          <a:p>
+            <a:pPr algn="l"/>
+            <a:r>
+              <a:rPr lang="en-US" altLang="zh-CN">
+                <a:solidFill>
+                  <a:schemeClr val="bg1"/>
+                </a:solidFill>
+              </a:rPr>
+              <a:t>            .take(3)                    // 取前 3 个</a:t>
+            </a:r>
+            <a:endParaRPr lang="en-US" altLang="zh-CN">
+              <a:solidFill>
+                <a:schemeClr val="bg1"/>
+              </a:solidFill>
+            </a:endParaRPr>
+          </a:p>
+          <a:p>
+            <a:pPr algn="l"/>
+            <a:r>
+              <a:rPr lang="en-US" altLang="zh-CN">
+                <a:solidFill>
+                  <a:schemeClr val="bg1"/>
+                </a:solidFill>
+              </a:rPr>
+              <a:t>            .forEach { println(it) }    // 遍历, 打印</a:t>
+            </a:r>
+            <a:endParaRPr lang="en-US" altLang="zh-CN">
               <a:solidFill>
                 <a:schemeClr val="bg1"/>
               </a:solidFill>
@@ -5137,7 +5166,7 @@
                   <a:schemeClr val="bg1"/>
                 </a:solidFill>
               </a:rPr>
-              <a:t>2</a:t>
+              <a:t>1</a:t>
             </a:r>
             <a:endParaRPr lang="en-US" altLang="zh-CN">
               <a:solidFill>
@@ -5212,7 +5241,63 @@
                   <a:schemeClr val="bg1"/>
                 </a:solidFill>
               </a:rPr>
-              <a:t>5 . </a:t>
+              <a:t>3. Kotlin实现Parcelable</a:t>
+            </a:r>
+            <a:endParaRPr lang="en-US" altLang="zh-CN">
+              <a:solidFill>
+                <a:schemeClr val="bg1"/>
+              </a:solidFill>
+            </a:endParaRPr>
+          </a:p>
+          <a:p>
+            <a:pPr algn="l"/>
+            <a:r>
+              <a:rPr lang="en-US" altLang="zh-CN">
+                <a:solidFill>
+                  <a:schemeClr val="bg1"/>
+                </a:solidFill>
+              </a:rPr>
+              <a:t>@Parcelize</a:t>
+            </a:r>
+            <a:endParaRPr lang="en-US" altLang="zh-CN">
+              <a:solidFill>
+                <a:schemeClr val="bg1"/>
+              </a:solidFill>
+            </a:endParaRPr>
+          </a:p>
+          <a:p>
+            <a:pPr algn="l"/>
+            <a:r>
+              <a:rPr lang="en-US" altLang="zh-CN">
+                <a:solidFill>
+                  <a:schemeClr val="bg1"/>
+                </a:solidFill>
+              </a:rPr>
+              <a:t>data class User(val name: String, val age: Int) : Parcelable</a:t>
+            </a:r>
+            <a:endParaRPr lang="en-US" altLang="zh-CN">
+              <a:solidFill>
+                <a:schemeClr val="bg1"/>
+              </a:solidFill>
+            </a:endParaRPr>
+          </a:p>
+          <a:p>
+            <a:pPr algn="l"/>
+            <a:endParaRPr lang="en-US" altLang="zh-CN">
+              <a:solidFill>
+                <a:schemeClr val="bg1"/>
+              </a:solidFill>
+            </a:endParaRPr>
+          </a:p>
+          <a:p>
+            <a:pPr algn="l"/>
+            <a:r>
+              <a:rPr lang="en-US" altLang="zh-CN">
+                <a:solidFill>
+                  <a:schemeClr val="bg1"/>
+                </a:solidFill>
+              </a:rPr>
+              <a:t>4 . async </a:t>
             </a:r>
             <a:r>
               <a:rPr lang="zh-CN" altLang="en-US">
@@ -5220,7 +5305,7 @@
                   <a:schemeClr val="bg1"/>
                 </a:solidFill>
               </a:rPr>
-              <a:t>协程实现异步：</a:t>
+              <a:t>实现异步：</a:t>
             </a:r>
             <a:endParaRPr lang="zh-CN" altLang="en-US">
               <a:solidFill>
@@ -5236,7 +5321,7 @@
                   <a:schemeClr val="bg1"/>
                 </a:solidFill>
               </a:rPr>
-              <a:t>build.gradle文件中添加如下的依赖。</a:t>
+              <a:t>在build.gradle中添加：compile 'org.jetbrains.anko:anko-sdk15:0.8.2'</a:t>
             </a:r>
             <a:endParaRPr lang="zh-CN" altLang="en-US">
               <a:solidFill>
@@ -5252,7 +5337,7 @@
                   <a:schemeClr val="bg1"/>
                 </a:solidFill>
               </a:rPr>
-              <a:t>implementation 'org.jetbrains.kotlinx:kotlinx-coroutines-core:0.20' implementation 'org.jetbrains.kotlinx:kotlinx-coroutines-android:0.20'</a:t>
+              <a:t>async {</a:t>
             </a:r>
             <a:endParaRPr lang="zh-CN" altLang="en-US">
               <a:solidFill>
@@ -5268,7 +5353,7 @@
                   <a:schemeClr val="bg1"/>
                 </a:solidFill>
               </a:rPr>
-              <a:t>val job = launch(Background) {</a:t>
+              <a:t>           val text = URL("https://www.baidu.com").readText()//访问网络例如百度                                uiThread { show.text = text } //更新ui(show是一个TextView)</a:t>
             </a:r>
             <a:endParaRPr lang="zh-CN" altLang="en-US">
               <a:solidFill>
@@ -5284,87 +5369,7 @@
                   <a:schemeClr val="bg1"/>
                 </a:solidFill>
               </a:rPr>
-              <a:t>  val bitmap = MediaStore.Images.Media.getBitmap(contentResolver,uri) </a:t>
-            </a:r>
-            <a:endParaRPr lang="zh-CN" altLang="en-US">
-              <a:solidFill>
-                <a:schemeClr val="bg1"/>
-              </a:solidFill>
-            </a:endParaRPr>
-          </a:p>
-          <a:p>
-            <a:pPr algn="l"/>
-            <a:r>
-              <a:rPr lang="zh-CN" altLang="en-US">
-                <a:solidFill>
-                  <a:schemeClr val="bg1"/>
-                </a:solidFill>
-              </a:rPr>
-              <a:t>  launch(UI) {</a:t>
-            </a:r>
-            <a:endParaRPr lang="zh-CN" altLang="en-US">
-              <a:solidFill>
-                <a:schemeClr val="bg1"/>
-              </a:solidFill>
-            </a:endParaRPr>
-          </a:p>
-          <a:p>
-            <a:pPr algn="l"/>
-            <a:r>
-              <a:rPr lang="zh-CN" altLang="en-US">
-                <a:solidFill>
-                  <a:schemeClr val="bg1"/>
-                </a:solidFill>
-              </a:rPr>
-              <a:t>    imageView.setImageBitmap(bitmap)</a:t>
-            </a:r>
-            <a:endParaRPr lang="zh-CN" altLang="en-US">
-              <a:solidFill>
-                <a:schemeClr val="bg1"/>
-              </a:solidFill>
-            </a:endParaRPr>
-          </a:p>
-          <a:p>
-            <a:pPr algn="l"/>
-            <a:r>
-              <a:rPr lang="zh-CN" altLang="en-US">
-                <a:solidFill>
-                  <a:schemeClr val="bg1"/>
-                </a:solidFill>
-              </a:rPr>
-              <a:t>  }</a:t>
-            </a:r>
-            <a:endParaRPr lang="zh-CN" altLang="en-US">
-              <a:solidFill>
-                <a:schemeClr val="bg1"/>
-              </a:solidFill>
-            </a:endParaRPr>
-          </a:p>
-          <a:p>
-            <a:pPr algn="l"/>
-            <a:r>
-              <a:rPr lang="zh-CN" altLang="en-US">
-                <a:solidFill>
-                  <a:schemeClr val="bg1"/>
-                </a:solidFill>
-              </a:rPr>
-              <a:t>}</a:t>
-            </a:r>
-            <a:endParaRPr lang="zh-CN" altLang="en-US">
-              <a:solidFill>
-                <a:schemeClr val="bg1"/>
-              </a:solidFill>
-            </a:endParaRPr>
-          </a:p>
-          <a:p>
-            <a:pPr algn="l"/>
-            <a:r>
-              <a:rPr lang="en-US" altLang="zh-CN">
-                <a:solidFill>
-                  <a:schemeClr val="bg1"/>
-                </a:solidFill>
-              </a:rPr>
-              <a:t>job.cancel()</a:t>
+              <a:t>       }</a:t>
             </a:r>
             <a:endParaRPr lang="zh-CN" altLang="en-US">
               <a:solidFill>
@@ -5423,7 +5428,7 @@
                   <a:schemeClr val="bg1"/>
                 </a:solidFill>
               </a:rPr>
-              <a:t>3</a:t>
+              <a:t>2</a:t>
             </a:r>
             <a:endParaRPr lang="en-US" altLang="zh-CN">
               <a:solidFill>
@@ -5474,6 +5479,292 @@
         </p:nvSpPr>
         <p:spPr>
           <a:xfrm>
+            <a:off x="598170" y="1196340"/>
+            <a:ext cx="11065510" cy="5502910"/>
+          </a:xfrm>
+        </p:spPr>
+        <p:txBody>
+          <a:bodyPr>
+            <a:noAutofit/>
+          </a:bodyPr>
+          <a:p>
+            <a:pPr algn="l"/>
+            <a:endParaRPr lang="en-US" altLang="zh-CN" sz="2000">
+              <a:solidFill>
+                <a:schemeClr val="bg1"/>
+              </a:solidFill>
+            </a:endParaRPr>
+          </a:p>
+          <a:p>
+            <a:pPr algn="l"/>
+            <a:r>
+              <a:rPr lang="en-US" altLang="zh-CN">
+                <a:solidFill>
+                  <a:schemeClr val="bg1"/>
+                </a:solidFill>
+              </a:rPr>
+              <a:t>5 . </a:t>
+            </a:r>
+            <a:r>
+              <a:rPr lang="zh-CN" altLang="en-US">
+                <a:solidFill>
+                  <a:schemeClr val="bg1"/>
+                </a:solidFill>
+              </a:rPr>
+              <a:t>协程实现异步：</a:t>
+            </a:r>
+            <a:endParaRPr lang="zh-CN" altLang="en-US">
+              <a:solidFill>
+                <a:schemeClr val="bg1"/>
+              </a:solidFill>
+            </a:endParaRPr>
+          </a:p>
+          <a:p>
+            <a:pPr algn="l"/>
+            <a:r>
+              <a:rPr lang="zh-CN" altLang="en-US">
+                <a:solidFill>
+                  <a:schemeClr val="bg1"/>
+                </a:solidFill>
+              </a:rPr>
+              <a:t>build.gradle文件中添加如下的依赖。</a:t>
+            </a:r>
+            <a:endParaRPr lang="zh-CN" altLang="en-US">
+              <a:solidFill>
+                <a:schemeClr val="bg1"/>
+              </a:solidFill>
+            </a:endParaRPr>
+          </a:p>
+          <a:p>
+            <a:pPr algn="l"/>
+            <a:r>
+              <a:rPr lang="zh-CN" altLang="en-US">
+                <a:solidFill>
+                  <a:schemeClr val="bg1"/>
+                </a:solidFill>
+              </a:rPr>
+              <a:t>implementation 'org.jetbrains.kotlinx:kotlinx-coroutines-core:0.20' implementation 'org.jetbrains.kotlinx:kotlinx-coroutines-android:0.20'</a:t>
+            </a:r>
+            <a:endParaRPr lang="zh-CN" altLang="en-US">
+              <a:solidFill>
+                <a:schemeClr val="bg1"/>
+              </a:solidFill>
+            </a:endParaRPr>
+          </a:p>
+          <a:p>
+            <a:pPr algn="l"/>
+            <a:r>
+              <a:rPr lang="zh-CN" altLang="en-US">
+                <a:solidFill>
+                  <a:schemeClr val="bg1"/>
+                </a:solidFill>
+              </a:rPr>
+              <a:t>val job = launch(Background) {</a:t>
+            </a:r>
+            <a:endParaRPr lang="zh-CN" altLang="en-US">
+              <a:solidFill>
+                <a:schemeClr val="bg1"/>
+              </a:solidFill>
+            </a:endParaRPr>
+          </a:p>
+          <a:p>
+            <a:pPr algn="l"/>
+            <a:r>
+              <a:rPr lang="zh-CN" altLang="en-US">
+                <a:solidFill>
+                  <a:schemeClr val="bg1"/>
+                </a:solidFill>
+              </a:rPr>
+              <a:t>  val bitmap = MediaStore.Images.Media.getBitmap(contentResolver,uri) </a:t>
+            </a:r>
+            <a:endParaRPr lang="zh-CN" altLang="en-US">
+              <a:solidFill>
+                <a:schemeClr val="bg1"/>
+              </a:solidFill>
+            </a:endParaRPr>
+          </a:p>
+          <a:p>
+            <a:pPr algn="l"/>
+            <a:r>
+              <a:rPr lang="zh-CN" altLang="en-US">
+                <a:solidFill>
+                  <a:schemeClr val="bg1"/>
+                </a:solidFill>
+              </a:rPr>
+              <a:t>  launch(UI) {</a:t>
+            </a:r>
+            <a:endParaRPr lang="zh-CN" altLang="en-US">
+              <a:solidFill>
+                <a:schemeClr val="bg1"/>
+              </a:solidFill>
+            </a:endParaRPr>
+          </a:p>
+          <a:p>
+            <a:pPr algn="l"/>
+            <a:r>
+              <a:rPr lang="zh-CN" altLang="en-US">
+                <a:solidFill>
+                  <a:schemeClr val="bg1"/>
+                </a:solidFill>
+              </a:rPr>
+              <a:t>    imageView.setImageBitmap(bitmap)</a:t>
+            </a:r>
+            <a:endParaRPr lang="zh-CN" altLang="en-US">
+              <a:solidFill>
+                <a:schemeClr val="bg1"/>
+              </a:solidFill>
+            </a:endParaRPr>
+          </a:p>
+          <a:p>
+            <a:pPr algn="l"/>
+            <a:r>
+              <a:rPr lang="zh-CN" altLang="en-US">
+                <a:solidFill>
+                  <a:schemeClr val="bg1"/>
+                </a:solidFill>
+              </a:rPr>
+              <a:t>  }</a:t>
+            </a:r>
+            <a:endParaRPr lang="zh-CN" altLang="en-US">
+              <a:solidFill>
+                <a:schemeClr val="bg1"/>
+              </a:solidFill>
+            </a:endParaRPr>
+          </a:p>
+          <a:p>
+            <a:pPr algn="l"/>
+            <a:r>
+              <a:rPr lang="zh-CN" altLang="en-US">
+                <a:solidFill>
+                  <a:schemeClr val="bg1"/>
+                </a:solidFill>
+              </a:rPr>
+              <a:t>}</a:t>
+            </a:r>
+            <a:endParaRPr lang="zh-CN" altLang="en-US">
+              <a:solidFill>
+                <a:schemeClr val="bg1"/>
+              </a:solidFill>
+            </a:endParaRPr>
+          </a:p>
+          <a:p>
+            <a:pPr algn="l"/>
+            <a:r>
+              <a:rPr lang="en-US" altLang="zh-CN">
+                <a:solidFill>
+                  <a:schemeClr val="bg1"/>
+                </a:solidFill>
+              </a:rPr>
+              <a:t>job.cancel()</a:t>
+            </a:r>
+            <a:endParaRPr lang="zh-CN" altLang="en-US">
+              <a:solidFill>
+                <a:schemeClr val="bg1"/>
+              </a:solidFill>
+            </a:endParaRPr>
+          </a:p>
+          <a:p>
+            <a:pPr algn="l"/>
+            <a:endParaRPr lang="zh-CN" altLang="en-US">
+              <a:solidFill>
+                <a:schemeClr val="bg1"/>
+              </a:solidFill>
+            </a:endParaRPr>
+          </a:p>
+        </p:txBody>
+      </p:sp>
+      <p:sp>
+        <p:nvSpPr>
+          <p:cNvPr id="4" name="标题 3"/>
+          <p:cNvSpPr/>
+          <p:nvPr>
+            <p:ph type="ctrTitle"/>
+          </p:nvPr>
+        </p:nvSpPr>
+        <p:spPr>
+          <a:xfrm>
+            <a:off x="1419225" y="97155"/>
+            <a:ext cx="9144000" cy="920750"/>
+          </a:xfrm>
+        </p:spPr>
+        <p:txBody>
+          <a:bodyPr>
+            <a:normAutofit fontScale="90000"/>
+          </a:bodyPr>
+          <a:p>
+            <a:r>
+              <a:rPr lang="en-US" altLang="zh-CN">
+                <a:solidFill>
+                  <a:schemeClr val="bg1"/>
+                </a:solidFill>
+              </a:rPr>
+              <a:t>Kotlin</a:t>
+            </a:r>
+            <a:r>
+              <a:rPr lang="zh-CN" altLang="en-US">
+                <a:solidFill>
+                  <a:schemeClr val="bg1"/>
+                </a:solidFill>
+              </a:rPr>
+              <a:t>知识点</a:t>
+            </a:r>
+            <a:r>
+              <a:rPr lang="en-US" altLang="zh-CN">
+                <a:solidFill>
+                  <a:schemeClr val="bg1"/>
+                </a:solidFill>
+              </a:rPr>
+              <a:t>3</a:t>
+            </a:r>
+            <a:endParaRPr lang="en-US" altLang="zh-CN">
+              <a:solidFill>
+                <a:schemeClr val="bg1"/>
+              </a:solidFill>
+            </a:endParaRPr>
+          </a:p>
+        </p:txBody>
+      </p:sp>
+    </p:spTree>
+  </p:cSld>
+  <p:clrMapOvr>
+    <a:masterClrMapping/>
+  </p:clrMapOvr>
+</p:sld>
+</file>
+
+<file path=ppt/slides/slide19.xml><?xml version="1.0" encoding="utf-8"?>
+<p:sld xmlns:a="http://schemas.openxmlformats.org/drawingml/2006/main" xmlns:r="http://schemas.openxmlformats.org/officeDocument/2006/relationships" xmlns:p="http://schemas.openxmlformats.org/presentationml/2006/main">
+  <p:cSld>
+    <p:bg>
+      <p:bgPr>
+        <a:blipFill rotWithShape="1">
+          <a:blip r:embed="rId1"/>
+          <a:stretch>
+            <a:fillRect/>
+          </a:stretch>
+        </a:blipFill>
+        <a:effectLst/>
+      </p:bgPr>
+    </p:bg>
+    <p:spTree>
+      <p:nvGrpSpPr>
+        <p:cNvPr id="1" name=""/>
+        <p:cNvGrpSpPr/>
+        <p:nvPr/>
+      </p:nvGrpSpPr>
+      <p:grpSpPr/>
+      <p:sp>
+        <p:nvSpPr>
+          <p:cNvPr id="3" name="副标题 2"/>
+          <p:cNvSpPr>
+            <a:spLocks noGrp="1"/>
+          </p:cNvSpPr>
+          <p:nvPr>
+            <p:ph type="subTitle" idx="1"/>
+          </p:nvPr>
+        </p:nvSpPr>
+        <p:spPr>
+          <a:xfrm>
             <a:off x="598170" y="4688840"/>
             <a:ext cx="11065510" cy="2010410"/>
           </a:xfrm>
@@ -6033,13 +6324,13 @@
         </p:nvSpPr>
         <p:spPr>
           <a:xfrm>
-            <a:off x="598170" y="1153795"/>
-            <a:ext cx="11065510" cy="5452745"/>
+            <a:off x="598170" y="885190"/>
+            <a:ext cx="11065510" cy="5721350"/>
           </a:xfrm>
         </p:spPr>
         <p:txBody>
           <a:bodyPr>
-            <a:normAutofit fontScale="90000" lnSpcReduction="20000"/>
+            <a:noAutofit/>
           </a:bodyPr>
           <a:p>
             <a:pPr algn="l"/>
@@ -6219,79 +6510,23 @@
           </a:p>
           <a:p>
             <a:pPr algn="l"/>
-            <a:r>
-              <a:rPr lang="en-US" altLang="zh-CN">
-                <a:solidFill>
-                  <a:schemeClr val="bg1"/>
-                </a:solidFill>
-              </a:rPr>
-              <a:t>is：判断类型用，类似于Java中的instanceof()</a:t>
-            </a:r>
-            <a:endParaRPr lang="en-US" altLang="zh-CN">
-              <a:solidFill>
-                <a:schemeClr val="bg1"/>
-              </a:solidFill>
-            </a:endParaRPr>
-          </a:p>
-          <a:p>
-            <a:pPr algn="l"/>
-            <a:r>
-              <a:rPr lang="en-US" altLang="zh-CN">
-                <a:solidFill>
-                  <a:schemeClr val="bg1"/>
-                </a:solidFill>
-              </a:rPr>
-              <a:t>as</a:t>
-            </a:r>
-            <a:r>
-              <a:rPr lang="zh-CN" altLang="en-US">
-                <a:solidFill>
-                  <a:schemeClr val="bg1"/>
-                </a:solidFill>
-              </a:rPr>
-              <a:t>：强制转化</a:t>
-            </a:r>
-            <a:endParaRPr lang="zh-CN" altLang="en-US">
-              <a:solidFill>
-                <a:schemeClr val="bg1"/>
-              </a:solidFill>
-            </a:endParaRPr>
-          </a:p>
-          <a:p>
-            <a:pPr algn="l"/>
-            <a:r>
-              <a:rPr lang="en-US" altLang="zh-CN">
-                <a:solidFill>
-                  <a:schemeClr val="bg1"/>
-                </a:solidFill>
-              </a:rPr>
-              <a:t>object</a:t>
-            </a:r>
-            <a:r>
-              <a:rPr lang="zh-CN" altLang="en-US">
-                <a:solidFill>
-                  <a:schemeClr val="bg1"/>
-                </a:solidFill>
-              </a:rPr>
-              <a:t>：1. 对象声明  2. 伴生对象 </a:t>
-            </a:r>
-            <a:r>
-              <a:rPr lang="en-US" altLang="zh-CN">
-                <a:solidFill>
-                  <a:schemeClr val="bg1"/>
-                </a:solidFill>
-              </a:rPr>
-              <a:t>3. </a:t>
-            </a:r>
-            <a:r>
-              <a:rPr lang="zh-CN" altLang="en-US">
-                <a:solidFill>
-                  <a:schemeClr val="bg1"/>
-                </a:solidFill>
-              </a:rPr>
-              <a:t>对象表达式</a:t>
-            </a:r>
-            <a:endParaRPr lang="zh-CN" altLang="en-US">
+            <a:endParaRPr lang="zh-CN" altLang="en-US" sz="2000">
+              <a:solidFill>
+                <a:schemeClr val="bg1"/>
+              </a:solidFill>
+            </a:endParaRPr>
+          </a:p>
+          <a:p>
+            <a:pPr algn="l"/>
+            <a:endParaRPr lang="zh-CN" altLang="en-US" sz="2000">
+              <a:solidFill>
+                <a:schemeClr val="bg1"/>
+              </a:solidFill>
+            </a:endParaRPr>
+          </a:p>
+          <a:p>
+            <a:pPr algn="l"/>
+            <a:endParaRPr lang="zh-CN" altLang="en-US" sz="2000">
               <a:solidFill>
                 <a:schemeClr val="bg1"/>
               </a:solidFill>
@@ -6375,13 +6610,13 @@
         </p:nvSpPr>
         <p:spPr>
           <a:xfrm>
-            <a:off x="598170" y="1315085"/>
-            <a:ext cx="11065510" cy="5130165"/>
+            <a:off x="598170" y="1189355"/>
+            <a:ext cx="11065510" cy="5417185"/>
           </a:xfrm>
         </p:spPr>
         <p:txBody>
           <a:bodyPr>
-            <a:normAutofit/>
+            <a:noAutofit/>
           </a:bodyPr>
           <a:p>
             <a:pPr algn="l"/>
@@ -6390,123 +6625,37 @@
                 <a:solidFill>
                   <a:schemeClr val="bg1"/>
                 </a:solidFill>
-              </a:rPr>
-              <a:t>1.extends  用 （冐号）：代替。MainActivity extends Activity,  </a:t>
-            </a:r>
-            <a:endParaRPr lang="en-US" altLang="zh-CN">
-              <a:solidFill>
-                <a:schemeClr val="bg1"/>
-              </a:solidFill>
-            </a:endParaRPr>
-          </a:p>
-          <a:p>
-            <a:pPr algn="l"/>
-            <a:r>
-              <a:rPr lang="en-US" altLang="zh-CN">
-                <a:solidFill>
-                  <a:schemeClr val="bg1"/>
-                </a:solidFill>
-              </a:rPr>
-              <a:t>　　现在是  MaiActivity ：Activity()</a:t>
-            </a:r>
-            <a:endParaRPr lang="en-US" altLang="zh-CN">
-              <a:solidFill>
-                <a:schemeClr val="bg1"/>
-              </a:solidFill>
-            </a:endParaRPr>
-          </a:p>
-          <a:p>
-            <a:pPr algn="l"/>
-            <a:r>
-              <a:rPr lang="en-US" altLang="zh-CN">
-                <a:solidFill>
-                  <a:schemeClr val="bg1"/>
-                </a:solidFill>
-              </a:rPr>
-              <a:t>2.interface 用（逗号），代替。 A interface B{}　　　　　　　　</a:t>
-            </a:r>
-            <a:endParaRPr lang="en-US" altLang="zh-CN">
-              <a:solidFill>
-                <a:schemeClr val="bg1"/>
-              </a:solidFill>
-            </a:endParaRPr>
-          </a:p>
-          <a:p>
-            <a:pPr algn="l"/>
-            <a:r>
-              <a:rPr lang="en-US" altLang="zh-CN">
-                <a:solidFill>
-                  <a:schemeClr val="bg1"/>
-                </a:solidFill>
-              </a:rPr>
-              <a:t>　　现在是  ,B{}</a:t>
-            </a:r>
-            <a:endParaRPr lang="en-US" altLang="zh-CN">
-              <a:solidFill>
-                <a:schemeClr val="bg1"/>
-              </a:solidFill>
-            </a:endParaRPr>
-          </a:p>
-          <a:p>
-            <a:pPr algn="l"/>
-            <a:r>
-              <a:rPr lang="en-US" altLang="zh-CN">
-                <a:solidFill>
-                  <a:schemeClr val="bg1"/>
-                </a:solidFill>
-              </a:rPr>
-              <a:t>3.override 不现进 注解，而是用到了方法中 　　　　　　　　　　　</a:t>
-            </a:r>
-            <a:endParaRPr lang="en-US" altLang="zh-CN">
-              <a:solidFill>
-                <a:schemeClr val="bg1"/>
-              </a:solidFill>
-            </a:endParaRPr>
-          </a:p>
-          <a:p>
-            <a:pPr algn="l"/>
-            <a:r>
-              <a:rPr lang="en-US" altLang="zh-CN">
-                <a:solidFill>
-                  <a:schemeClr val="bg1"/>
-                </a:solidFill>
-              </a:rPr>
-              <a:t>　　这样写 override fun onCreate(saveInstanceState:Bundle?)</a:t>
-            </a:r>
-            <a:endParaRPr lang="en-US" altLang="zh-CN">
-              <a:solidFill>
-                <a:schemeClr val="bg1"/>
-              </a:solidFill>
-            </a:endParaRPr>
-          </a:p>
-          <a:p>
-            <a:pPr algn="l"/>
-            <a:r>
-              <a:rPr lang="en-US" altLang="zh-CN">
-                <a:solidFill>
-                  <a:schemeClr val="bg1"/>
-                </a:solidFill>
-              </a:rPr>
-              <a:t>4. .如何获得 class 的实例</a:t>
+                <a:sym typeface="+mn-ea"/>
+              </a:rPr>
+              <a:t>is：判断类型用，类似于Java中的instanceof()</a:t>
+            </a:r>
+            <a:endParaRPr lang="en-US" altLang="zh-CN">
+              <a:solidFill>
+                <a:schemeClr val="bg1"/>
+              </a:solidFill>
+            </a:endParaRPr>
+          </a:p>
+          <a:p>
+            <a:pPr algn="l"/>
+            <a:r>
+              <a:rPr lang="en-US" altLang="zh-CN">
+                <a:solidFill>
+                  <a:schemeClr val="bg1"/>
+                </a:solidFill>
+                <a:sym typeface="+mn-ea"/>
+              </a:rPr>
+              <a:t>as</a:t>
             </a:r>
             <a:r>
               <a:rPr lang="zh-CN" altLang="en-US">
                 <a:solidFill>
                   <a:schemeClr val="bg1"/>
                 </a:solidFill>
-              </a:rPr>
-              <a:t>，</a:t>
-            </a:r>
-            <a:r>
-              <a:rPr lang="en-US" altLang="zh-CN">
-                <a:solidFill>
-                  <a:schemeClr val="bg1"/>
-                </a:solidFill>
                 <a:sym typeface="+mn-ea"/>
               </a:rPr>
-              <a:t>java中可以 类名.class</a:t>
-            </a:r>
-            <a:endParaRPr lang="en-US" altLang="zh-CN">
+              <a:t>：强制转化</a:t>
+            </a:r>
+            <a:endParaRPr lang="zh-CN" altLang="en-US">
               <a:solidFill>
                 <a:schemeClr val="bg1"/>
               </a:solidFill>
@@ -6522,7 +6671,7 @@
                 </a:solidFill>
                 <a:sym typeface="+mn-ea"/>
               </a:rPr>
-              <a:t>Kotlin</a:t>
+              <a:t>object</a:t>
             </a:r>
             <a:r>
               <a:rPr lang="zh-CN" altLang="en-US">
@@ -6531,7 +6680,7 @@
                 </a:solidFill>
                 <a:sym typeface="+mn-ea"/>
               </a:rPr>
-              <a:t>中 </a:t>
+              <a:t>：1. 对象声明  2. 伴生对象 </a:t>
             </a:r>
             <a:r>
               <a:rPr lang="en-US" altLang="zh-CN">
@@ -6540,9 +6689,18 @@
                 </a:solidFill>
                 <a:sym typeface="+mn-ea"/>
               </a:rPr>
-              <a:t>val clazz = Hello::class.java  </a:t>
-            </a:r>
-            <a:endParaRPr lang="en-US" altLang="zh-CN">
+              <a:t>3. </a:t>
+            </a:r>
+            <a:r>
+              <a:rPr lang="zh-CN" altLang="en-US">
+                <a:solidFill>
+                  <a:schemeClr val="bg1"/>
+                </a:solidFill>
+                <a:sym typeface="+mn-ea"/>
+              </a:rPr>
+              <a:t>对象表达式</a:t>
+            </a:r>
+            <a:endParaRPr lang="zh-CN" altLang="en-US">
               <a:solidFill>
                 <a:schemeClr val="bg1"/>
               </a:solidFill>
@@ -6552,28 +6710,20 @@
           <a:p>
             <a:pPr algn="l"/>
             <a:r>
-              <a:rPr lang="en-US" altLang="zh-CN">
-                <a:solidFill>
-                  <a:schemeClr val="bg1"/>
-                </a:solidFill>
-              </a:rPr>
-              <a:t>5.kotlin没有object类　　　　　　　　　　　　　　　　　　　　　　</a:t>
-            </a:r>
-            <a:endParaRPr lang="en-US" altLang="zh-CN">
-              <a:solidFill>
-                <a:schemeClr val="bg1"/>
-              </a:solidFill>
-            </a:endParaRPr>
-          </a:p>
-          <a:p>
-            <a:pPr algn="l"/>
-            <a:r>
-              <a:rPr lang="en-US" altLang="zh-CN">
-                <a:solidFill>
-                  <a:schemeClr val="bg1"/>
-                </a:solidFill>
-              </a:rPr>
-              <a:t>　　现在是Any()没有Object()</a:t>
+              <a:rPr lang="zh-CN" altLang="en-US">
+                <a:solidFill>
+                  <a:schemeClr val="bg1"/>
+                </a:solidFill>
+              </a:rPr>
+              <a:t>data class：会自动生成一下方法，equals()/hashCode() 、toString()、</a:t>
+            </a:r>
+            <a:r>
+              <a:rPr lang="en-US" altLang="zh-CN">
+                <a:solidFill>
+                  <a:schemeClr val="bg1"/>
+                </a:solidFill>
+              </a:rPr>
+              <a:t>copy()</a:t>
             </a:r>
             <a:endParaRPr lang="en-US" altLang="zh-CN">
               <a:solidFill>
@@ -6608,33 +6758,9 @@
                   <a:schemeClr val="bg1"/>
                 </a:solidFill>
               </a:rPr>
-              <a:t>Kotlin</a:t>
-            </a:r>
-            <a:r>
-              <a:rPr lang="zh-CN" altLang="en-US">
-                <a:solidFill>
-                  <a:schemeClr val="bg1"/>
-                </a:solidFill>
-              </a:rPr>
-              <a:t>和</a:t>
-            </a:r>
-            <a:r>
-              <a:rPr lang="en-US" altLang="zh-CN">
-                <a:solidFill>
-                  <a:schemeClr val="bg1"/>
-                </a:solidFill>
-              </a:rPr>
-              <a:t>Java</a:t>
-            </a:r>
-            <a:r>
-              <a:rPr lang="zh-CN" altLang="en-US">
-                <a:solidFill>
-                  <a:schemeClr val="bg1"/>
-                </a:solidFill>
-              </a:rPr>
-              <a:t>的不同（一）</a:t>
-            </a:r>
-            <a:endParaRPr lang="zh-CN" altLang="en-US">
+              <a:t>Kotlin关键字2</a:t>
+            </a:r>
+            <a:endParaRPr lang="en-US" altLang="zh-CN">
               <a:solidFill>
                 <a:schemeClr val="bg1"/>
               </a:solidFill>
@@ -6689,7 +6815,7 @@
         </p:spPr>
         <p:txBody>
           <a:bodyPr>
-            <a:normAutofit fontScale="90000"/>
+            <a:normAutofit/>
           </a:bodyPr>
           <a:p>
             <a:pPr algn="l"/>
@@ -6699,167 +6825,189 @@
                   <a:schemeClr val="bg1"/>
                 </a:solidFill>
               </a:rPr>
-              <a:t>6.跟java一样不能继承final类　　　　　　　　　　　　　　　　　　　</a:t>
-            </a:r>
-            <a:endParaRPr lang="en-US" altLang="zh-CN">
-              <a:solidFill>
-                <a:schemeClr val="bg1"/>
-              </a:solidFill>
-            </a:endParaRPr>
-          </a:p>
-          <a:p>
-            <a:pPr algn="l"/>
-            <a:r>
-              <a:rPr lang="en-US" altLang="zh-CN">
-                <a:solidFill>
-                  <a:schemeClr val="bg1"/>
-                </a:solidFill>
-              </a:rPr>
-              <a:t>　　继承open abstract 类，并且默认是open，必须要写修饰符</a:t>
-            </a:r>
-            <a:endParaRPr lang="en-US" altLang="zh-CN">
-              <a:solidFill>
-                <a:schemeClr val="bg1"/>
-              </a:solidFill>
-            </a:endParaRPr>
-          </a:p>
-          <a:p>
-            <a:pPr algn="l"/>
-            <a:r>
-              <a:rPr lang="en-US" altLang="zh-CN">
-                <a:solidFill>
-                  <a:schemeClr val="bg1"/>
-                </a:solidFill>
-              </a:rPr>
-              <a:t>7.不在有分号，　　　　　　　　　　　　　　　　　　　　　　　　　　</a:t>
-            </a:r>
-            <a:endParaRPr lang="en-US" altLang="zh-CN">
-              <a:solidFill>
-                <a:schemeClr val="bg1"/>
-              </a:solidFill>
-            </a:endParaRPr>
-          </a:p>
-          <a:p>
-            <a:pPr algn="l"/>
-            <a:r>
-              <a:rPr lang="en-US" altLang="zh-CN">
-                <a:solidFill>
-                  <a:schemeClr val="bg1"/>
-                </a:solidFill>
-              </a:rPr>
-              <a:t>　　不在有分号，不在有分号，不过可以写的</a:t>
-            </a:r>
-            <a:endParaRPr lang="en-US" altLang="zh-CN">
-              <a:solidFill>
-                <a:schemeClr val="bg1"/>
-              </a:solidFill>
-            </a:endParaRPr>
-          </a:p>
-          <a:p>
-            <a:pPr algn="l"/>
-            <a:r>
-              <a:rPr lang="en-US" altLang="zh-CN">
-                <a:solidFill>
-                  <a:schemeClr val="bg1"/>
-                </a:solidFill>
-              </a:rPr>
-              <a:t>8. java中没能返回值是void,返回值写在小括号左面　　　　　　　　　　</a:t>
-            </a:r>
-            <a:endParaRPr lang="en-US" altLang="zh-CN">
-              <a:solidFill>
-                <a:schemeClr val="bg1"/>
-              </a:solidFill>
-            </a:endParaRPr>
-          </a:p>
-          <a:p>
-            <a:pPr algn="l"/>
-            <a:r>
-              <a:rPr lang="en-US" altLang="zh-CN">
-                <a:solidFill>
-                  <a:schemeClr val="bg1"/>
-                </a:solidFill>
-              </a:rPr>
-              <a:t>　　现在改成空方法是Unit,方法用fun1, fun2,代替， 并且返回值要写在小括号后面</a:t>
-            </a:r>
-            <a:endParaRPr lang="en-US" altLang="zh-CN">
-              <a:solidFill>
-                <a:schemeClr val="bg1"/>
-              </a:solidFill>
-            </a:endParaRPr>
-          </a:p>
-          <a:p>
-            <a:pPr algn="l"/>
-            <a:r>
-              <a:rPr lang="en-US" altLang="zh-CN">
-                <a:solidFill>
-                  <a:schemeClr val="bg1"/>
-                </a:solidFill>
-              </a:rPr>
-              <a:t>　　　　　　fun Unit(x: Any, y: Any) {</a:t>
-            </a:r>
-            <a:endParaRPr lang="en-US" altLang="zh-CN">
-              <a:solidFill>
-                <a:schemeClr val="bg1"/>
-              </a:solidFill>
-            </a:endParaRPr>
-          </a:p>
-          <a:p>
-            <a:pPr algn="l"/>
-            <a:r>
-              <a:rPr lang="en-US" altLang="zh-CN">
-                <a:solidFill>
-                  <a:schemeClr val="bg1"/>
-                </a:solidFill>
-              </a:rPr>
-              <a:t>　　　　　　fun Unit(x: Any, y: Any): Int{</a:t>
-            </a:r>
-            <a:endParaRPr lang="en-US" altLang="zh-CN">
-              <a:solidFill>
-                <a:schemeClr val="bg1"/>
-              </a:solidFill>
-            </a:endParaRPr>
-          </a:p>
-          <a:p>
-            <a:pPr algn="l"/>
-            <a:r>
-              <a:rPr lang="en-US" altLang="zh-CN">
-                <a:solidFill>
-                  <a:schemeClr val="bg1"/>
-                </a:solidFill>
-              </a:rPr>
-              <a:t>　　　　　　返回值可以用一个表达式写fun add(x: Int,y: Int) : Int = x + y</a:t>
-            </a:r>
-            <a:endParaRPr lang="en-US" altLang="zh-CN">
-              <a:solidFill>
-                <a:schemeClr val="bg1"/>
-              </a:solidFill>
-            </a:endParaRPr>
-          </a:p>
-          <a:p>
-            <a:pPr algn="l"/>
-            <a:r>
-              <a:rPr lang="en-US" altLang="zh-CN">
-                <a:solidFill>
-                  <a:schemeClr val="bg1"/>
-                </a:solidFill>
-              </a:rPr>
-              <a:t>9.jave中每珍上对象都要new 　　　　　　　　　　　　　　　　　　</a:t>
-            </a:r>
-            <a:endParaRPr lang="en-US" altLang="zh-CN">
-              <a:solidFill>
-                <a:schemeClr val="bg1"/>
-              </a:solidFill>
-            </a:endParaRPr>
-          </a:p>
-          <a:p>
-            <a:pPr algn="l"/>
-            <a:r>
-              <a:rPr lang="en-US" altLang="zh-CN">
-                <a:solidFill>
-                  <a:schemeClr val="bg1"/>
-                </a:solidFill>
-              </a:rPr>
-              <a:t>　　kotlin不需要new这个关键字</a:t>
+              <a:t>1.extends  用 （冐号）：代替。MainActivity extends Activity,  </a:t>
+            </a:r>
+            <a:endParaRPr lang="en-US" altLang="zh-CN">
+              <a:solidFill>
+                <a:schemeClr val="bg1"/>
+              </a:solidFill>
+            </a:endParaRPr>
+          </a:p>
+          <a:p>
+            <a:pPr algn="l"/>
+            <a:r>
+              <a:rPr lang="en-US" altLang="zh-CN">
+                <a:solidFill>
+                  <a:schemeClr val="bg1"/>
+                </a:solidFill>
+              </a:rPr>
+              <a:t>　　现在是  MaiActivity ：Activity()</a:t>
+            </a:r>
+            <a:endParaRPr lang="en-US" altLang="zh-CN">
+              <a:solidFill>
+                <a:schemeClr val="bg1"/>
+              </a:solidFill>
+            </a:endParaRPr>
+          </a:p>
+          <a:p>
+            <a:pPr algn="l"/>
+            <a:r>
+              <a:rPr lang="en-US" altLang="zh-CN">
+                <a:solidFill>
+                  <a:schemeClr val="bg1"/>
+                </a:solidFill>
+              </a:rPr>
+              <a:t>2.interface 用（逗号），代替。 A interface B{}　　　　　　　　</a:t>
+            </a:r>
+            <a:endParaRPr lang="en-US" altLang="zh-CN">
+              <a:solidFill>
+                <a:schemeClr val="bg1"/>
+              </a:solidFill>
+            </a:endParaRPr>
+          </a:p>
+          <a:p>
+            <a:pPr algn="l"/>
+            <a:r>
+              <a:rPr lang="en-US" altLang="zh-CN">
+                <a:solidFill>
+                  <a:schemeClr val="bg1"/>
+                </a:solidFill>
+              </a:rPr>
+              <a:t>　　现在是  ,B{}</a:t>
+            </a:r>
+            <a:endParaRPr lang="en-US" altLang="zh-CN">
+              <a:solidFill>
+                <a:schemeClr val="bg1"/>
+              </a:solidFill>
+            </a:endParaRPr>
+          </a:p>
+          <a:p>
+            <a:pPr algn="l"/>
+            <a:r>
+              <a:rPr lang="en-US" altLang="zh-CN">
+                <a:solidFill>
+                  <a:schemeClr val="bg1"/>
+                </a:solidFill>
+              </a:rPr>
+              <a:t>3.override 不现进 注解，而是用到了方法中 　　　　　　　　　　　</a:t>
+            </a:r>
+            <a:endParaRPr lang="en-US" altLang="zh-CN">
+              <a:solidFill>
+                <a:schemeClr val="bg1"/>
+              </a:solidFill>
+            </a:endParaRPr>
+          </a:p>
+          <a:p>
+            <a:pPr algn="l"/>
+            <a:r>
+              <a:rPr lang="en-US" altLang="zh-CN">
+                <a:solidFill>
+                  <a:schemeClr val="bg1"/>
+                </a:solidFill>
+              </a:rPr>
+              <a:t>　　这样写 override fun onCreate(saveInstanceState:Bundle?)</a:t>
+            </a:r>
+            <a:endParaRPr lang="en-US" altLang="zh-CN">
+              <a:solidFill>
+                <a:schemeClr val="bg1"/>
+              </a:solidFill>
+            </a:endParaRPr>
+          </a:p>
+          <a:p>
+            <a:pPr algn="l"/>
+            <a:r>
+              <a:rPr lang="en-US" altLang="zh-CN">
+                <a:solidFill>
+                  <a:schemeClr val="bg1"/>
+                </a:solidFill>
+              </a:rPr>
+              <a:t>4. .如何获得 class 的实例</a:t>
+            </a:r>
+            <a:r>
+              <a:rPr lang="zh-CN" altLang="en-US">
+                <a:solidFill>
+                  <a:schemeClr val="bg1"/>
+                </a:solidFill>
+              </a:rPr>
+              <a:t>，</a:t>
+            </a:r>
+            <a:r>
+              <a:rPr lang="en-US" altLang="zh-CN">
+                <a:solidFill>
+                  <a:schemeClr val="bg1"/>
+                </a:solidFill>
+                <a:sym typeface="+mn-ea"/>
+              </a:rPr>
+              <a:t>java中可以 类名.class</a:t>
+            </a:r>
+            <a:endParaRPr lang="en-US" altLang="zh-CN">
+              <a:solidFill>
+                <a:schemeClr val="bg1"/>
+              </a:solidFill>
+              <a:sym typeface="+mn-ea"/>
+            </a:endParaRPr>
+          </a:p>
+          <a:p>
+            <a:pPr algn="l"/>
+            <a:r>
+              <a:rPr lang="en-US" altLang="zh-CN">
+                <a:solidFill>
+                  <a:schemeClr val="bg1"/>
+                </a:solidFill>
+                <a:sym typeface="+mn-ea"/>
+              </a:rPr>
+              <a:t>Kotlin</a:t>
+            </a:r>
+            <a:r>
+              <a:rPr lang="zh-CN" altLang="en-US">
+                <a:solidFill>
+                  <a:schemeClr val="bg1"/>
+                </a:solidFill>
+                <a:sym typeface="+mn-ea"/>
+              </a:rPr>
+              <a:t>中 </a:t>
+            </a:r>
+            <a:r>
+              <a:rPr lang="en-US" altLang="zh-CN">
+                <a:solidFill>
+                  <a:schemeClr val="bg1"/>
+                </a:solidFill>
+                <a:sym typeface="+mn-ea"/>
+              </a:rPr>
+              <a:t>val clazz = Hello::class.java  </a:t>
+            </a:r>
+            <a:endParaRPr lang="en-US" altLang="zh-CN">
+              <a:solidFill>
+                <a:schemeClr val="bg1"/>
+              </a:solidFill>
+              <a:sym typeface="+mn-ea"/>
+            </a:endParaRPr>
+          </a:p>
+          <a:p>
+            <a:pPr algn="l"/>
+            <a:r>
+              <a:rPr lang="en-US" altLang="zh-CN">
+                <a:solidFill>
+                  <a:schemeClr val="bg1"/>
+                </a:solidFill>
+              </a:rPr>
+              <a:t>5.kotlin没有object类　　　　　　　　　　　　　　　　　　　　　　</a:t>
+            </a:r>
+            <a:endParaRPr lang="en-US" altLang="zh-CN">
+              <a:solidFill>
+                <a:schemeClr val="bg1"/>
+              </a:solidFill>
+            </a:endParaRPr>
+          </a:p>
+          <a:p>
+            <a:pPr algn="l"/>
+            <a:r>
+              <a:rPr lang="en-US" altLang="zh-CN">
+                <a:solidFill>
+                  <a:schemeClr val="bg1"/>
+                </a:solidFill>
+              </a:rPr>
+              <a:t>　　现在是Any()没有Object()</a:t>
             </a:r>
             <a:endParaRPr lang="en-US" altLang="zh-CN">
               <a:solidFill>
@@ -6918,7 +7066,7 @@
                   <a:schemeClr val="bg1"/>
                 </a:solidFill>
               </a:rPr>
-              <a:t>的不同（二）</a:t>
+              <a:t>的不同（一）</a:t>
             </a:r>
             <a:endParaRPr lang="zh-CN" altLang="en-US">
               <a:solidFill>
@@ -6975,7 +7123,7 @@
         </p:spPr>
         <p:txBody>
           <a:bodyPr>
-            <a:normAutofit fontScale="90000" lnSpcReduction="20000"/>
+            <a:normAutofit fontScale="90000"/>
           </a:bodyPr>
           <a:p>
             <a:pPr algn="l"/>
@@ -6985,215 +7133,167 @@
                   <a:schemeClr val="bg1"/>
                 </a:solidFill>
               </a:rPr>
-              <a:t>10.在java中给控件不能直接赋值，　　　　　　　　　　　　　　　　</a:t>
-            </a:r>
-            <a:endParaRPr lang="en-US" altLang="zh-CN">
-              <a:solidFill>
-                <a:schemeClr val="bg1"/>
-              </a:solidFill>
-            </a:endParaRPr>
-          </a:p>
-          <a:p>
-            <a:pPr algn="l"/>
-            <a:r>
-              <a:rPr lang="en-US" altLang="zh-CN">
-                <a:solidFill>
-                  <a:schemeClr val="bg1"/>
-                </a:solidFill>
-              </a:rPr>
-              <a:t>　　在kotlin里  通过import kotlinx.android.synthetic.main.demo.*</a:t>
-            </a:r>
-            <a:endParaRPr lang="en-US" altLang="zh-CN">
-              <a:solidFill>
-                <a:schemeClr val="bg1"/>
-              </a:solidFill>
-            </a:endParaRPr>
-          </a:p>
-          <a:p>
-            <a:pPr algn="l"/>
-            <a:r>
-              <a:rPr lang="en-US" altLang="zh-CN">
-                <a:solidFill>
-                  <a:schemeClr val="bg1"/>
-                </a:solidFill>
-              </a:rPr>
-              <a:t>　　text1.text = "hello world kotlin" 这样就完成了"hello world kotlin"</a:t>
-            </a:r>
-            <a:endParaRPr lang="en-US" altLang="zh-CN">
-              <a:solidFill>
-                <a:schemeClr val="bg1"/>
-              </a:solidFill>
-            </a:endParaRPr>
-          </a:p>
-          <a:p>
-            <a:pPr algn="l"/>
-            <a:r>
-              <a:rPr lang="en-US" altLang="zh-CN">
-                <a:solidFill>
-                  <a:schemeClr val="bg1"/>
-                </a:solidFill>
-              </a:rPr>
-              <a:t>11.for循环也不一样了  在java中是这样写的for(int i = ; i &lt; 10; i++)　　　　</a:t>
-            </a:r>
-            <a:endParaRPr lang="en-US" altLang="zh-CN">
-              <a:solidFill>
-                <a:schemeClr val="bg1"/>
-              </a:solidFill>
-            </a:endParaRPr>
-          </a:p>
-          <a:p>
-            <a:pPr algn="l"/>
-            <a:r>
-              <a:rPr lang="en-US" altLang="zh-CN">
-                <a:solidFill>
-                  <a:schemeClr val="bg1"/>
-                </a:solidFill>
-              </a:rPr>
-              <a:t>　　Kotlin是这样写的for (i in 0..99) {</a:t>
-            </a:r>
-            <a:endParaRPr lang="en-US" altLang="zh-CN">
-              <a:solidFill>
-                <a:schemeClr val="bg1"/>
-              </a:solidFill>
-            </a:endParaRPr>
-          </a:p>
-          <a:p>
-            <a:pPr algn="l"/>
-            <a:r>
-              <a:rPr lang="en-US" altLang="zh-CN">
-                <a:solidFill>
-                  <a:schemeClr val="bg1"/>
-                </a:solidFill>
-              </a:rPr>
-              <a:t>12.java中方法在括号，　　　</a:t>
-            </a:r>
-            <a:endParaRPr lang="en-US" altLang="zh-CN">
-              <a:solidFill>
-                <a:schemeClr val="bg1"/>
-              </a:solidFill>
-            </a:endParaRPr>
-          </a:p>
-          <a:p>
-            <a:pPr algn="l"/>
-            <a:r>
-              <a:rPr lang="en-US" altLang="zh-CN">
-                <a:solidFill>
-                  <a:schemeClr val="bg1"/>
-                </a:solidFill>
-              </a:rPr>
-              <a:t>　　　　new Handler().postDelayed(new Runnable() {</a:t>
-            </a:r>
-            <a:endParaRPr lang="en-US" altLang="zh-CN">
-              <a:solidFill>
-                <a:schemeClr val="bg1"/>
-              </a:solidFill>
-            </a:endParaRPr>
-          </a:p>
-          <a:p>
-            <a:pPr algn="l"/>
-            <a:r>
-              <a:rPr lang="en-US" altLang="zh-CN">
-                <a:solidFill>
-                  <a:schemeClr val="bg1"/>
-                </a:solidFill>
-              </a:rPr>
-              <a:t>                    @Override</a:t>
-            </a:r>
-            <a:endParaRPr lang="en-US" altLang="zh-CN">
-              <a:solidFill>
-                <a:schemeClr val="bg1"/>
-              </a:solidFill>
-            </a:endParaRPr>
-          </a:p>
-          <a:p>
-            <a:pPr algn="l"/>
-            <a:r>
-              <a:rPr lang="en-US" altLang="zh-CN">
-                <a:solidFill>
-                  <a:schemeClr val="bg1"/>
-                </a:solidFill>
-              </a:rPr>
-              <a:t>                    public void run() {</a:t>
-            </a:r>
-            <a:endParaRPr lang="en-US" altLang="zh-CN">
-              <a:solidFill>
-                <a:schemeClr val="bg1"/>
-              </a:solidFill>
-            </a:endParaRPr>
-          </a:p>
-          <a:p>
-            <a:pPr algn="l"/>
-            <a:r>
-              <a:rPr lang="en-US" altLang="zh-CN">
-                <a:solidFill>
-                  <a:schemeClr val="bg1"/>
-                </a:solidFill>
-              </a:rPr>
-              <a:t>                        main_srl.setRefreshing(false);</a:t>
-            </a:r>
-            <a:endParaRPr lang="en-US" altLang="zh-CN">
-              <a:solidFill>
-                <a:schemeClr val="bg1"/>
-              </a:solidFill>
-            </a:endParaRPr>
-          </a:p>
-          <a:p>
-            <a:pPr algn="l"/>
-            <a:r>
-              <a:rPr lang="en-US" altLang="zh-CN">
-                <a:solidFill>
-                  <a:schemeClr val="bg1"/>
-                </a:solidFill>
-              </a:rPr>
-              <a:t>                    }</a:t>
-            </a:r>
-            <a:endParaRPr lang="en-US" altLang="zh-CN">
-              <a:solidFill>
-                <a:schemeClr val="bg1"/>
-              </a:solidFill>
-            </a:endParaRPr>
-          </a:p>
-          <a:p>
-            <a:pPr algn="l"/>
-            <a:r>
-              <a:rPr lang="en-US" altLang="zh-CN">
-                <a:solidFill>
-                  <a:schemeClr val="bg1"/>
-                </a:solidFill>
-              </a:rPr>
-              <a:t>                }, 5000);</a:t>
-            </a:r>
-            <a:endParaRPr lang="en-US" altLang="zh-CN">
-              <a:solidFill>
-                <a:schemeClr val="bg1"/>
-              </a:solidFill>
-            </a:endParaRPr>
-          </a:p>
-          <a:p>
-            <a:pPr algn="l"/>
-            <a:r>
-              <a:rPr lang="en-US" altLang="zh-CN">
-                <a:solidFill>
-                  <a:schemeClr val="bg1"/>
-                </a:solidFill>
-              </a:rPr>
-              <a:t>　　kotlin是这样写的</a:t>
-            </a:r>
-            <a:endParaRPr lang="en-US" altLang="zh-CN">
-              <a:solidFill>
-                <a:schemeClr val="bg1"/>
-              </a:solidFill>
-            </a:endParaRPr>
-          </a:p>
-          <a:p>
-            <a:pPr algn="l"/>
-            <a:r>
-              <a:rPr lang="en-US" altLang="zh-CN">
-                <a:solidFill>
-                  <a:schemeClr val="bg1"/>
-                </a:solidFill>
-              </a:rPr>
-              <a:t>　　Handler().postDelayed({ main_srl!!.isRefreshing = false }, 5000) }</a:t>
+              <a:t>6.跟java一样不能继承final类　　　　　　　　　　　　　　　　　　　</a:t>
+            </a:r>
+            <a:endParaRPr lang="en-US" altLang="zh-CN">
+              <a:solidFill>
+                <a:schemeClr val="bg1"/>
+              </a:solidFill>
+            </a:endParaRPr>
+          </a:p>
+          <a:p>
+            <a:pPr algn="l"/>
+            <a:r>
+              <a:rPr lang="en-US" altLang="zh-CN">
+                <a:solidFill>
+                  <a:schemeClr val="bg1"/>
+                </a:solidFill>
+              </a:rPr>
+              <a:t>　　继承open abstract 类，并且默认是open，必须要写修饰符</a:t>
+            </a:r>
+            <a:endParaRPr lang="en-US" altLang="zh-CN">
+              <a:solidFill>
+                <a:schemeClr val="bg1"/>
+              </a:solidFill>
+            </a:endParaRPr>
+          </a:p>
+          <a:p>
+            <a:pPr algn="l"/>
+            <a:r>
+              <a:rPr lang="en-US" altLang="zh-CN">
+                <a:solidFill>
+                  <a:schemeClr val="bg1"/>
+                </a:solidFill>
+              </a:rPr>
+              <a:t>7.不在有分号，　　　　　　　　　　　　　　　　　　　　　　　　　　</a:t>
+            </a:r>
+            <a:endParaRPr lang="en-US" altLang="zh-CN">
+              <a:solidFill>
+                <a:schemeClr val="bg1"/>
+              </a:solidFill>
+            </a:endParaRPr>
+          </a:p>
+          <a:p>
+            <a:pPr algn="l"/>
+            <a:r>
+              <a:rPr lang="en-US" altLang="zh-CN">
+                <a:solidFill>
+                  <a:schemeClr val="bg1"/>
+                </a:solidFill>
+              </a:rPr>
+              <a:t>　　不在有分号，不在有分号，不过可以写的</a:t>
+            </a:r>
+            <a:endParaRPr lang="en-US" altLang="zh-CN">
+              <a:solidFill>
+                <a:schemeClr val="bg1"/>
+              </a:solidFill>
+            </a:endParaRPr>
+          </a:p>
+          <a:p>
+            <a:pPr algn="l"/>
+            <a:r>
+              <a:rPr lang="en-US" altLang="zh-CN">
+                <a:solidFill>
+                  <a:schemeClr val="bg1"/>
+                </a:solidFill>
+              </a:rPr>
+              <a:t>8. java中没能返回值是void,返回值写在小括号左面　　　　　　　　　　</a:t>
+            </a:r>
+            <a:endParaRPr lang="en-US" altLang="zh-CN">
+              <a:solidFill>
+                <a:schemeClr val="bg1"/>
+              </a:solidFill>
+            </a:endParaRPr>
+          </a:p>
+          <a:p>
+            <a:pPr algn="l"/>
+            <a:r>
+              <a:rPr lang="en-US" altLang="zh-CN">
+                <a:solidFill>
+                  <a:schemeClr val="bg1"/>
+                </a:solidFill>
+              </a:rPr>
+              <a:t>　　现在改成空方法是Unit,方法用fun1, fun2,代替， 并且返回值要写在小括号后面</a:t>
+            </a:r>
+            <a:endParaRPr lang="en-US" altLang="zh-CN">
+              <a:solidFill>
+                <a:schemeClr val="bg1"/>
+              </a:solidFill>
+            </a:endParaRPr>
+          </a:p>
+          <a:p>
+            <a:pPr algn="l"/>
+            <a:r>
+              <a:rPr lang="en-US" altLang="zh-CN">
+                <a:solidFill>
+                  <a:schemeClr val="bg1"/>
+                </a:solidFill>
+              </a:rPr>
+              <a:t>　　　　　　fun Unit(x: Any, y: Any) {</a:t>
+            </a:r>
+            <a:endParaRPr lang="en-US" altLang="zh-CN">
+              <a:solidFill>
+                <a:schemeClr val="bg1"/>
+              </a:solidFill>
+            </a:endParaRPr>
+          </a:p>
+          <a:p>
+            <a:pPr algn="l"/>
+            <a:r>
+              <a:rPr lang="en-US" altLang="zh-CN">
+                <a:solidFill>
+                  <a:schemeClr val="bg1"/>
+                </a:solidFill>
+              </a:rPr>
+              <a:t>　　　　　　fun Unit(x: Any, y: Any): Int{</a:t>
+            </a:r>
+            <a:endParaRPr lang="en-US" altLang="zh-CN">
+              <a:solidFill>
+                <a:schemeClr val="bg1"/>
+              </a:solidFill>
+            </a:endParaRPr>
+          </a:p>
+          <a:p>
+            <a:pPr algn="l"/>
+            <a:r>
+              <a:rPr lang="en-US" altLang="zh-CN">
+                <a:solidFill>
+                  <a:schemeClr val="bg1"/>
+                </a:solidFill>
+              </a:rPr>
+              <a:t>　　　　　　返回值可以用一个表达式写fun add(x: Int,y: Int) : Int = x + y</a:t>
+            </a:r>
+            <a:endParaRPr lang="en-US" altLang="zh-CN">
+              <a:solidFill>
+                <a:schemeClr val="bg1"/>
+              </a:solidFill>
+            </a:endParaRPr>
+          </a:p>
+          <a:p>
+            <a:pPr algn="l"/>
+            <a:r>
+              <a:rPr lang="en-US" altLang="zh-CN">
+                <a:solidFill>
+                  <a:schemeClr val="bg1"/>
+                </a:solidFill>
+              </a:rPr>
+              <a:t>9.jave中每珍上对象都要new 　　　　　　　　　　　　　　　　　　</a:t>
+            </a:r>
+            <a:endParaRPr lang="en-US" altLang="zh-CN">
+              <a:solidFill>
+                <a:schemeClr val="bg1"/>
+              </a:solidFill>
+            </a:endParaRPr>
+          </a:p>
+          <a:p>
+            <a:pPr algn="l"/>
+            <a:r>
+              <a:rPr lang="en-US" altLang="zh-CN">
+                <a:solidFill>
+                  <a:schemeClr val="bg1"/>
+                </a:solidFill>
+              </a:rPr>
+              <a:t>　　kotlin不需要new这个关键字</a:t>
             </a:r>
             <a:endParaRPr lang="en-US" altLang="zh-CN">
               <a:solidFill>
@@ -7252,7 +7352,7 @@
                   <a:schemeClr val="bg1"/>
                 </a:solidFill>
               </a:rPr>
-              <a:t>的不同（三）</a:t>
+              <a:t>的不同（二）</a:t>
             </a:r>
             <a:endParaRPr lang="zh-CN" altLang="en-US">
               <a:solidFill>
@@ -7303,8 +7403,8 @@
         </p:nvSpPr>
         <p:spPr>
           <a:xfrm>
-            <a:off x="563245" y="1208405"/>
-            <a:ext cx="11065510" cy="5380355"/>
+            <a:off x="598170" y="1315085"/>
+            <a:ext cx="11065510" cy="5130165"/>
           </a:xfrm>
         </p:spPr>
         <p:txBody>
@@ -7319,217 +7419,215 @@
                   <a:schemeClr val="bg1"/>
                 </a:solidFill>
               </a:rPr>
-              <a:t>13</a:t>
-            </a:r>
-            <a:r>
-              <a:rPr lang="zh-CN" altLang="en-US">
-                <a:solidFill>
-                  <a:schemeClr val="bg1"/>
-                </a:solidFill>
-              </a:rPr>
-              <a:t>、</a:t>
-            </a:r>
-            <a:r>
-              <a:rPr lang="en-US" altLang="zh-CN">
-                <a:solidFill>
-                  <a:schemeClr val="bg1"/>
-                </a:solidFill>
-              </a:rPr>
-              <a:t>?. 安全调用运算符</a:t>
-            </a:r>
-            <a:r>
-              <a:rPr lang="zh-CN" altLang="en-US">
-                <a:solidFill>
-                  <a:schemeClr val="bg1"/>
-                </a:solidFill>
-              </a:rPr>
-              <a:t>，系统在任何情况不会报它的空指针异常。</a:t>
-            </a:r>
-            <a:endParaRPr lang="zh-CN" altLang="en-US">
-              <a:solidFill>
-                <a:schemeClr val="bg1"/>
-              </a:solidFill>
-            </a:endParaRPr>
-          </a:p>
-          <a:p>
-            <a:pPr algn="l"/>
-            <a:r>
-              <a:rPr lang="en-US" altLang="zh-CN">
-                <a:solidFill>
-                  <a:schemeClr val="bg1"/>
-                </a:solidFill>
-              </a:rPr>
-              <a:t>fun StrLen(s:String):Int =s?.length</a:t>
-            </a:r>
-            <a:endParaRPr lang="en-US" altLang="zh-CN">
-              <a:solidFill>
-                <a:schemeClr val="bg1"/>
-              </a:solidFill>
-            </a:endParaRPr>
-          </a:p>
-          <a:p>
-            <a:pPr algn="l"/>
-            <a:endParaRPr lang="en-US" altLang="zh-CN">
-              <a:solidFill>
-                <a:schemeClr val="bg1"/>
-              </a:solidFill>
-            </a:endParaRPr>
-          </a:p>
-          <a:p>
-            <a:pPr algn="l"/>
-            <a:r>
-              <a:rPr lang="en-US" altLang="zh-CN">
-                <a:solidFill>
-                  <a:schemeClr val="bg1"/>
-                </a:solidFill>
-              </a:rPr>
-              <a:t>?: 可以设置当检查结果为空的时候的返回值</a:t>
-            </a:r>
-            <a:endParaRPr lang="en-US" altLang="zh-CN">
-              <a:solidFill>
-                <a:schemeClr val="bg1"/>
-              </a:solidFill>
-            </a:endParaRPr>
-          </a:p>
-          <a:p>
-            <a:pPr algn="l"/>
-            <a:r>
-              <a:rPr lang="en-US" altLang="zh-CN">
-                <a:solidFill>
-                  <a:schemeClr val="bg1"/>
-                </a:solidFill>
-              </a:rPr>
-              <a:t>fun foo(s:String?){</a:t>
-            </a:r>
-            <a:endParaRPr lang="en-US" altLang="zh-CN">
-              <a:solidFill>
-                <a:schemeClr val="bg1"/>
-              </a:solidFill>
-            </a:endParaRPr>
-          </a:p>
-          <a:p>
-            <a:pPr algn="l"/>
-            <a:r>
-              <a:rPr lang="en-US" altLang="zh-CN">
-                <a:solidFill>
-                  <a:schemeClr val="bg1"/>
-                </a:solidFill>
-              </a:rPr>
-              <a:t>     val t:String  =  s ?:  "" //如果?:左边的值不为空返回左边的值，如果为空返回""</a:t>
-            </a:r>
-            <a:endParaRPr lang="en-US" altLang="zh-CN">
-              <a:solidFill>
-                <a:schemeClr val="bg1"/>
-              </a:solidFill>
-            </a:endParaRPr>
-          </a:p>
-          <a:p>
-            <a:pPr algn="l"/>
-            <a:r>
-              <a:rPr lang="en-US" altLang="zh-CN">
-                <a:solidFill>
-                  <a:schemeClr val="bg1"/>
-                </a:solidFill>
-              </a:rPr>
-              <a:t>}</a:t>
-            </a:r>
-            <a:endParaRPr lang="en-US" altLang="zh-CN">
-              <a:solidFill>
-                <a:schemeClr val="bg1"/>
-              </a:solidFill>
-            </a:endParaRPr>
-          </a:p>
-          <a:p>
-            <a:pPr algn="l"/>
-            <a:r>
-              <a:rPr lang="en-US" altLang="zh-CN">
-                <a:solidFill>
-                  <a:schemeClr val="bg1"/>
-                </a:solidFill>
-              </a:rPr>
-              <a:t>as? 安全转换运算符</a:t>
-            </a:r>
-            <a:endParaRPr lang="en-US" altLang="zh-CN">
-              <a:solidFill>
-                <a:schemeClr val="bg1"/>
-              </a:solidFill>
-            </a:endParaRPr>
-          </a:p>
-          <a:p>
-            <a:pPr algn="l"/>
-            <a:r>
-              <a:rPr lang="en-US" altLang="zh-CN">
-                <a:solidFill>
-                  <a:schemeClr val="bg1"/>
-                </a:solidFill>
-              </a:rPr>
-              <a:t>尝试把值转换成给定的类型，如果类型不合适就返回null</a:t>
-            </a:r>
-            <a:endParaRPr lang="en-US" altLang="zh-CN">
-              <a:solidFill>
-                <a:schemeClr val="bg1"/>
-              </a:solidFill>
-            </a:endParaRPr>
-          </a:p>
-          <a:p>
-            <a:pPr algn="l"/>
-            <a:r>
-              <a:rPr lang="en-US" altLang="zh-CN">
-                <a:solidFill>
-                  <a:schemeClr val="bg1"/>
-                </a:solidFill>
-              </a:rPr>
-              <a:t>foo as? Type -&gt; foo is  Type  retrun (foo as Type)</a:t>
-            </a:r>
-            <a:endParaRPr lang="en-US" altLang="zh-CN">
-              <a:solidFill>
-                <a:schemeClr val="bg1"/>
-              </a:solidFill>
-            </a:endParaRPr>
-          </a:p>
-          <a:p>
-            <a:pPr algn="l"/>
-            <a:r>
-              <a:rPr lang="en-US" altLang="zh-CN">
-                <a:solidFill>
-                  <a:schemeClr val="bg1"/>
-                </a:solidFill>
-              </a:rPr>
-              <a:t>             -&gt; foo !is Type  return null</a:t>
-            </a:r>
-            <a:endParaRPr lang="en-US" altLang="zh-CN">
-              <a:solidFill>
-                <a:schemeClr val="bg1"/>
-              </a:solidFill>
-            </a:endParaRPr>
-          </a:p>
-          <a:p>
-            <a:pPr algn="l"/>
-            <a:r>
-              <a:rPr lang="en-US" altLang="zh-CN">
-                <a:solidFill>
-                  <a:schemeClr val="bg1"/>
-                </a:solidFill>
-                <a:sym typeface="+mn-ea"/>
-              </a:rPr>
-              <a:t>!!  非空断言 （如果对象为null，那么系统一定会报异常！Kotlin不推荐使用非空断言，通常我们会用?:来防止程序运行时报空指针异常而崩溃）</a:t>
-            </a:r>
-            <a:endParaRPr lang="en-US" altLang="zh-CN">
-              <a:solidFill>
-                <a:schemeClr val="bg1"/>
-              </a:solidFill>
-            </a:endParaRPr>
-          </a:p>
-          <a:p>
-            <a:pPr algn="l"/>
-            <a:r>
-              <a:rPr lang="en-US" altLang="zh-CN">
-                <a:solidFill>
-                  <a:schemeClr val="bg1"/>
-                </a:solidFill>
-                <a:sym typeface="+mn-ea"/>
-              </a:rPr>
-              <a:t>fun StrLen(s:String):Int =s!!.length</a:t>
+              <a:t>10.在java中给控件不能直接赋值，　　　　　　　　　　　　　　　　</a:t>
+            </a:r>
+            <a:endParaRPr lang="en-US" altLang="zh-CN">
+              <a:solidFill>
+                <a:schemeClr val="bg1"/>
+              </a:solidFill>
+            </a:endParaRPr>
+          </a:p>
+          <a:p>
+            <a:pPr algn="l"/>
+            <a:r>
+              <a:rPr lang="en-US" altLang="zh-CN">
+                <a:solidFill>
+                  <a:schemeClr val="bg1"/>
+                </a:solidFill>
+              </a:rPr>
+              <a:t>　　在kotlin里  通过import kotlinx.android.synthetic.main.demo.*</a:t>
+            </a:r>
+            <a:endParaRPr lang="en-US" altLang="zh-CN">
+              <a:solidFill>
+                <a:schemeClr val="bg1"/>
+              </a:solidFill>
+            </a:endParaRPr>
+          </a:p>
+          <a:p>
+            <a:pPr algn="l"/>
+            <a:r>
+              <a:rPr lang="en-US" altLang="zh-CN">
+                <a:solidFill>
+                  <a:schemeClr val="bg1"/>
+                </a:solidFill>
+              </a:rPr>
+              <a:t>　　text1.text = "hello world kotlin" 这样就完成了"hello world kotlin"</a:t>
+            </a:r>
+            <a:endParaRPr lang="en-US" altLang="zh-CN">
+              <a:solidFill>
+                <a:schemeClr val="bg1"/>
+              </a:solidFill>
+            </a:endParaRPr>
+          </a:p>
+          <a:p>
+            <a:pPr algn="l"/>
+            <a:r>
+              <a:rPr lang="en-US" altLang="zh-CN">
+                <a:solidFill>
+                  <a:schemeClr val="bg1"/>
+                </a:solidFill>
+              </a:rPr>
+              <a:t>11.for循环也不一样了  在java中是这样写的for(int i = ; i &lt; 10; i++)　　　　</a:t>
+            </a:r>
+            <a:endParaRPr lang="en-US" altLang="zh-CN">
+              <a:solidFill>
+                <a:schemeClr val="bg1"/>
+              </a:solidFill>
+            </a:endParaRPr>
+          </a:p>
+          <a:p>
+            <a:pPr algn="l"/>
+            <a:r>
+              <a:rPr lang="en-US" altLang="zh-CN">
+                <a:solidFill>
+                  <a:schemeClr val="bg1"/>
+                </a:solidFill>
+              </a:rPr>
+              <a:t>　　Kotlin是这样写的for (i in 0..99) {</a:t>
+            </a:r>
+            <a:endParaRPr lang="en-US" altLang="zh-CN">
+              <a:solidFill>
+                <a:schemeClr val="bg1"/>
+              </a:solidFill>
+            </a:endParaRPr>
+          </a:p>
+          <a:p>
+            <a:pPr algn="l"/>
+            <a:r>
+              <a:rPr lang="en-US" altLang="zh-CN">
+                <a:solidFill>
+                  <a:schemeClr val="bg1"/>
+                </a:solidFill>
+              </a:rPr>
+              <a:t>12.java中方法在括号，　　　</a:t>
+            </a:r>
+            <a:endParaRPr lang="en-US" altLang="zh-CN">
+              <a:solidFill>
+                <a:schemeClr val="bg1"/>
+              </a:solidFill>
+            </a:endParaRPr>
+          </a:p>
+          <a:p>
+            <a:pPr algn="l"/>
+            <a:r>
+              <a:rPr lang="en-US" altLang="zh-CN">
+                <a:solidFill>
+                  <a:schemeClr val="bg1"/>
+                </a:solidFill>
+              </a:rPr>
+              <a:t>　　　　new Handler().postDelayed(new Runnable() {</a:t>
+            </a:r>
+            <a:endParaRPr lang="en-US" altLang="zh-CN">
+              <a:solidFill>
+                <a:schemeClr val="bg1"/>
+              </a:solidFill>
+            </a:endParaRPr>
+          </a:p>
+          <a:p>
+            <a:pPr algn="l"/>
+            <a:r>
+              <a:rPr lang="en-US" altLang="zh-CN">
+                <a:solidFill>
+                  <a:schemeClr val="bg1"/>
+                </a:solidFill>
+              </a:rPr>
+              <a:t>                    @Override</a:t>
+            </a:r>
+            <a:endParaRPr lang="en-US" altLang="zh-CN">
+              <a:solidFill>
+                <a:schemeClr val="bg1"/>
+              </a:solidFill>
+            </a:endParaRPr>
+          </a:p>
+          <a:p>
+            <a:pPr algn="l"/>
+            <a:r>
+              <a:rPr lang="en-US" altLang="zh-CN">
+                <a:solidFill>
+                  <a:schemeClr val="bg1"/>
+                </a:solidFill>
+              </a:rPr>
+              <a:t>                    public void run() {</a:t>
+            </a:r>
+            <a:endParaRPr lang="en-US" altLang="zh-CN">
+              <a:solidFill>
+                <a:schemeClr val="bg1"/>
+              </a:solidFill>
+            </a:endParaRPr>
+          </a:p>
+          <a:p>
+            <a:pPr algn="l"/>
+            <a:r>
+              <a:rPr lang="en-US" altLang="zh-CN">
+                <a:solidFill>
+                  <a:schemeClr val="bg1"/>
+                </a:solidFill>
+              </a:rPr>
+              <a:t>                        main_srl.setRefreshing(false);</a:t>
+            </a:r>
+            <a:endParaRPr lang="en-US" altLang="zh-CN">
+              <a:solidFill>
+                <a:schemeClr val="bg1"/>
+              </a:solidFill>
+            </a:endParaRPr>
+          </a:p>
+          <a:p>
+            <a:pPr algn="l"/>
+            <a:r>
+              <a:rPr lang="en-US" altLang="zh-CN">
+                <a:solidFill>
+                  <a:schemeClr val="bg1"/>
+                </a:solidFill>
+              </a:rPr>
+              <a:t>                    }</a:t>
+            </a:r>
+            <a:endParaRPr lang="en-US" altLang="zh-CN">
+              <a:solidFill>
+                <a:schemeClr val="bg1"/>
+              </a:solidFill>
+            </a:endParaRPr>
+          </a:p>
+          <a:p>
+            <a:pPr algn="l"/>
+            <a:r>
+              <a:rPr lang="en-US" altLang="zh-CN">
+                <a:solidFill>
+                  <a:schemeClr val="bg1"/>
+                </a:solidFill>
+              </a:rPr>
+              <a:t>                }, 5000);</a:t>
+            </a:r>
+            <a:endParaRPr lang="en-US" altLang="zh-CN">
+              <a:solidFill>
+                <a:schemeClr val="bg1"/>
+              </a:solidFill>
+            </a:endParaRPr>
+          </a:p>
+          <a:p>
+            <a:pPr algn="l"/>
+            <a:r>
+              <a:rPr lang="en-US" altLang="zh-CN">
+                <a:solidFill>
+                  <a:schemeClr val="bg1"/>
+                </a:solidFill>
+              </a:rPr>
+              <a:t>　　kotlin是这样写的</a:t>
+            </a:r>
+            <a:endParaRPr lang="en-US" altLang="zh-CN">
+              <a:solidFill>
+                <a:schemeClr val="bg1"/>
+              </a:solidFill>
+            </a:endParaRPr>
+          </a:p>
+          <a:p>
+            <a:pPr algn="l"/>
+            <a:r>
+              <a:rPr lang="en-US" altLang="zh-CN">
+                <a:solidFill>
+                  <a:schemeClr val="bg1"/>
+                </a:solidFill>
+              </a:rPr>
+              <a:t>　　Handler().postDelayed({ main_srl!!.isRefreshing = false }, 5000) }</a:t>
             </a:r>
             <a:endParaRPr lang="en-US" altLang="zh-CN">
               <a:solidFill>
@@ -7588,7 +7686,7 @@
                   <a:schemeClr val="bg1"/>
                 </a:solidFill>
               </a:rPr>
-              <a:t>的不同（四）</a:t>
+              <a:t>的不同（三）</a:t>
             </a:r>
             <a:endParaRPr lang="zh-CN" altLang="en-US">
               <a:solidFill>
@@ -7639,192 +7737,238 @@
         </p:nvSpPr>
         <p:spPr>
           <a:xfrm>
-            <a:off x="598170" y="1018540"/>
-            <a:ext cx="11065510" cy="5680710"/>
+            <a:off x="563245" y="1208405"/>
+            <a:ext cx="11065510" cy="5380355"/>
           </a:xfrm>
         </p:spPr>
         <p:txBody>
           <a:bodyPr>
-            <a:noAutofit/>
+            <a:normAutofit fontScale="90000" lnSpcReduction="20000"/>
           </a:bodyPr>
           <a:p>
             <a:pPr algn="l"/>
-            <a:endParaRPr lang="en-US" altLang="zh-CN" sz="2200">
-              <a:solidFill>
-                <a:schemeClr val="bg1"/>
-              </a:solidFill>
-              <a:sym typeface="+mn-ea"/>
-            </a:endParaRPr>
-          </a:p>
-          <a:p>
-            <a:pPr algn="l"/>
-            <a:r>
-              <a:rPr lang="en-US" altLang="zh-CN" sz="2200">
+            <a:r>
+              <a:rPr lang="en-US" altLang="zh-CN">
+                <a:solidFill>
+                  <a:schemeClr val="bg1"/>
+                </a:solidFill>
+              </a:rPr>
+              <a:t>13</a:t>
+            </a:r>
+            <a:r>
+              <a:rPr lang="zh-CN" altLang="en-US">
+                <a:solidFill>
+                  <a:schemeClr val="bg1"/>
+                </a:solidFill>
+              </a:rPr>
+              <a:t>、</a:t>
+            </a:r>
+            <a:r>
+              <a:rPr lang="en-US" altLang="zh-CN">
+                <a:solidFill>
+                  <a:schemeClr val="bg1"/>
+                </a:solidFill>
+              </a:rPr>
+              <a:t>?. 安全调用运算符</a:t>
+            </a:r>
+            <a:r>
+              <a:rPr lang="zh-CN" altLang="en-US">
+                <a:solidFill>
+                  <a:schemeClr val="bg1"/>
+                </a:solidFill>
+              </a:rPr>
+              <a:t>，系统在任何情况不会报它的空指针异常。</a:t>
+            </a:r>
+            <a:endParaRPr lang="zh-CN" altLang="en-US">
+              <a:solidFill>
+                <a:schemeClr val="bg1"/>
+              </a:solidFill>
+            </a:endParaRPr>
+          </a:p>
+          <a:p>
+            <a:pPr algn="l"/>
+            <a:r>
+              <a:rPr lang="en-US" altLang="zh-CN">
+                <a:solidFill>
+                  <a:schemeClr val="bg1"/>
+                </a:solidFill>
+              </a:rPr>
+              <a:t>fun StrLen(s:String):Int =s?.length</a:t>
+            </a:r>
+            <a:endParaRPr lang="en-US" altLang="zh-CN">
+              <a:solidFill>
+                <a:schemeClr val="bg1"/>
+              </a:solidFill>
+            </a:endParaRPr>
+          </a:p>
+          <a:p>
+            <a:pPr algn="l"/>
+            <a:endParaRPr lang="en-US" altLang="zh-CN">
+              <a:solidFill>
+                <a:schemeClr val="bg1"/>
+              </a:solidFill>
+            </a:endParaRPr>
+          </a:p>
+          <a:p>
+            <a:pPr algn="l"/>
+            <a:r>
+              <a:rPr lang="en-US" altLang="zh-CN">
+                <a:solidFill>
+                  <a:schemeClr val="bg1"/>
+                </a:solidFill>
+              </a:rPr>
+              <a:t>?: 可以设置当检查结果为空的时候的返回值</a:t>
+            </a:r>
+            <a:endParaRPr lang="en-US" altLang="zh-CN">
+              <a:solidFill>
+                <a:schemeClr val="bg1"/>
+              </a:solidFill>
+            </a:endParaRPr>
+          </a:p>
+          <a:p>
+            <a:pPr algn="l"/>
+            <a:r>
+              <a:rPr lang="en-US" altLang="zh-CN">
+                <a:solidFill>
+                  <a:schemeClr val="bg1"/>
+                </a:solidFill>
+              </a:rPr>
+              <a:t>fun foo(s:String?){</a:t>
+            </a:r>
+            <a:endParaRPr lang="en-US" altLang="zh-CN">
+              <a:solidFill>
+                <a:schemeClr val="bg1"/>
+              </a:solidFill>
+            </a:endParaRPr>
+          </a:p>
+          <a:p>
+            <a:pPr algn="l"/>
+            <a:r>
+              <a:rPr lang="en-US" altLang="zh-CN">
+                <a:solidFill>
+                  <a:schemeClr val="bg1"/>
+                </a:solidFill>
+              </a:rPr>
+              <a:t>     val t:String  =  s ?:  "" //如果?:左边的值不为空返回左边的值，如果为空返回""</a:t>
+            </a:r>
+            <a:endParaRPr lang="en-US" altLang="zh-CN">
+              <a:solidFill>
+                <a:schemeClr val="bg1"/>
+              </a:solidFill>
+            </a:endParaRPr>
+          </a:p>
+          <a:p>
+            <a:pPr algn="l"/>
+            <a:r>
+              <a:rPr lang="en-US" altLang="zh-CN">
+                <a:solidFill>
+                  <a:schemeClr val="bg1"/>
+                </a:solidFill>
+              </a:rPr>
+              <a:t>}</a:t>
+            </a:r>
+            <a:endParaRPr lang="en-US" altLang="zh-CN">
+              <a:solidFill>
+                <a:schemeClr val="bg1"/>
+              </a:solidFill>
+            </a:endParaRPr>
+          </a:p>
+          <a:p>
+            <a:pPr algn="l"/>
+            <a:r>
+              <a:rPr lang="en-US" altLang="zh-CN">
+                <a:solidFill>
+                  <a:schemeClr val="bg1"/>
+                </a:solidFill>
+              </a:rPr>
+              <a:t>as? 安全转换运算符</a:t>
+            </a:r>
+            <a:endParaRPr lang="en-US" altLang="zh-CN">
+              <a:solidFill>
+                <a:schemeClr val="bg1"/>
+              </a:solidFill>
+            </a:endParaRPr>
+          </a:p>
+          <a:p>
+            <a:pPr algn="l"/>
+            <a:r>
+              <a:rPr lang="en-US" altLang="zh-CN">
+                <a:solidFill>
+                  <a:schemeClr val="bg1"/>
+                </a:solidFill>
+              </a:rPr>
+              <a:t>尝试把值转换成给定的类型，如果类型不合适就返回null</a:t>
+            </a:r>
+            <a:endParaRPr lang="en-US" altLang="zh-CN">
+              <a:solidFill>
+                <a:schemeClr val="bg1"/>
+              </a:solidFill>
+            </a:endParaRPr>
+          </a:p>
+          <a:p>
+            <a:pPr algn="l"/>
+            <a:r>
+              <a:rPr lang="en-US" altLang="zh-CN">
+                <a:solidFill>
+                  <a:schemeClr val="bg1"/>
+                </a:solidFill>
+              </a:rPr>
+              <a:t>foo as? Type -&gt; foo is  Type  retrun (foo as Type)</a:t>
+            </a:r>
+            <a:endParaRPr lang="en-US" altLang="zh-CN">
+              <a:solidFill>
+                <a:schemeClr val="bg1"/>
+              </a:solidFill>
+            </a:endParaRPr>
+          </a:p>
+          <a:p>
+            <a:pPr algn="l"/>
+            <a:r>
+              <a:rPr lang="en-US" altLang="zh-CN">
+                <a:solidFill>
+                  <a:schemeClr val="bg1"/>
+                </a:solidFill>
+              </a:rPr>
+              <a:t>             -&gt; foo !is Type  return null</a:t>
+            </a:r>
+            <a:endParaRPr lang="en-US" altLang="zh-CN">
+              <a:solidFill>
+                <a:schemeClr val="bg1"/>
+              </a:solidFill>
+            </a:endParaRPr>
+          </a:p>
+          <a:p>
+            <a:pPr algn="l"/>
+            <a:r>
+              <a:rPr lang="en-US" altLang="zh-CN">
                 <a:solidFill>
                   <a:schemeClr val="bg1"/>
                 </a:solidFill>
                 <a:sym typeface="+mn-ea"/>
               </a:rPr>
-              <a:t>14 .-&gt;的用法</a:t>
-            </a:r>
-            <a:r>
-              <a:rPr lang="zh-CN" altLang="en-US" sz="2200">
+              <a:t>!!  非空断言 （如果对象为null，那么系统一定会报异常！Kotlin不推荐使用非空断言，通常我们会用?:来防止程序运行时报空指针异常而崩溃）</a:t>
+            </a:r>
+            <a:endParaRPr lang="en-US" altLang="zh-CN">
+              <a:solidFill>
+                <a:schemeClr val="bg1"/>
+              </a:solidFill>
+            </a:endParaRPr>
+          </a:p>
+          <a:p>
+            <a:pPr algn="l"/>
+            <a:r>
+              <a:rPr lang="en-US" altLang="zh-CN">
                 <a:solidFill>
                   <a:schemeClr val="bg1"/>
                 </a:solidFill>
                 <a:sym typeface="+mn-ea"/>
               </a:rPr>
-              <a:t>。</a:t>
-            </a:r>
-            <a:r>
-              <a:rPr lang="en-US" altLang="zh-CN" sz="2200">
-                <a:solidFill>
-                  <a:schemeClr val="bg1"/>
-                </a:solidFill>
-                <a:sym typeface="+mn-ea"/>
-              </a:rPr>
-              <a:t>java中是这样写的</a:t>
-            </a:r>
-            <a:endParaRPr lang="en-US" altLang="zh-CN" sz="2200">
-              <a:solidFill>
-                <a:schemeClr val="bg1"/>
-              </a:solidFill>
-              <a:sym typeface="+mn-ea"/>
-            </a:endParaRPr>
-          </a:p>
-          <a:p>
-            <a:pPr algn="l"/>
-            <a:r>
-              <a:rPr lang="en-US" altLang="zh-CN" sz="2200">
-                <a:solidFill>
-                  <a:schemeClr val="bg1"/>
-                </a:solidFill>
-                <a:sym typeface="+mn-ea"/>
-              </a:rPr>
-              <a:t>        recyclerViewAdapter.setOnItemClickedListener(new HeaderRecyclerViewAdapter.onItemClickedListener() {</a:t>
-            </a:r>
-            <a:endParaRPr lang="en-US" altLang="zh-CN" sz="2200">
-              <a:solidFill>
-                <a:schemeClr val="bg1"/>
-              </a:solidFill>
-              <a:sym typeface="+mn-ea"/>
-            </a:endParaRPr>
-          </a:p>
-          <a:p>
-            <a:pPr algn="l"/>
-            <a:r>
-              <a:rPr lang="en-US" altLang="zh-CN" sz="2200">
-                <a:solidFill>
-                  <a:schemeClr val="bg1"/>
-                </a:solidFill>
-                <a:sym typeface="+mn-ea"/>
-              </a:rPr>
-              <a:t>            public void onItemClick(View view, int position) {</a:t>
-            </a:r>
-            <a:endParaRPr lang="en-US" altLang="zh-CN" sz="2200">
-              <a:solidFill>
-                <a:schemeClr val="bg1"/>
-              </a:solidFill>
-              <a:sym typeface="+mn-ea"/>
-            </a:endParaRPr>
-          </a:p>
-          <a:p>
-            <a:pPr algn="l"/>
-            <a:r>
-              <a:rPr lang="en-US" altLang="zh-CN" sz="2200">
-                <a:solidFill>
-                  <a:schemeClr val="bg1"/>
-                </a:solidFill>
-                <a:sym typeface="+mn-ea"/>
-              </a:rPr>
-              <a:t>                Toast.makeText(MainActivity.this, "position " + position, Toast.LENGTH_SHORT).show();</a:t>
-            </a:r>
-            <a:endParaRPr lang="en-US" altLang="zh-CN" sz="2200">
-              <a:solidFill>
-                <a:schemeClr val="bg1"/>
-              </a:solidFill>
-              <a:sym typeface="+mn-ea"/>
-            </a:endParaRPr>
-          </a:p>
-          <a:p>
-            <a:pPr algn="l"/>
-            <a:r>
-              <a:rPr lang="en-US" altLang="zh-CN" sz="2200">
-                <a:solidFill>
-                  <a:schemeClr val="bg1"/>
-                </a:solidFill>
-                <a:sym typeface="+mn-ea"/>
-              </a:rPr>
-              <a:t>            }</a:t>
-            </a:r>
-            <a:endParaRPr lang="en-US" altLang="zh-CN" sz="2200">
-              <a:solidFill>
-                <a:schemeClr val="bg1"/>
-              </a:solidFill>
-              <a:sym typeface="+mn-ea"/>
-            </a:endParaRPr>
-          </a:p>
-          <a:p>
-            <a:pPr algn="l"/>
-            <a:r>
-              <a:rPr lang="en-US" altLang="zh-CN" sz="2200">
-                <a:solidFill>
-                  <a:schemeClr val="bg1"/>
-                </a:solidFill>
-                <a:sym typeface="+mn-ea"/>
-              </a:rPr>
-              <a:t>        });</a:t>
-            </a:r>
-            <a:endParaRPr lang="en-US" altLang="zh-CN" sz="2200">
-              <a:solidFill>
-                <a:schemeClr val="bg1"/>
-              </a:solidFill>
-              <a:sym typeface="+mn-ea"/>
-            </a:endParaRPr>
-          </a:p>
-          <a:p>
-            <a:pPr algn="l"/>
-            <a:r>
-              <a:rPr lang="en-US" altLang="zh-CN" sz="2200">
-                <a:solidFill>
-                  <a:schemeClr val="bg1"/>
-                </a:solidFill>
-                <a:sym typeface="+mn-ea"/>
-              </a:rPr>
-              <a:t>　　kotlin这样写的</a:t>
-            </a:r>
-            <a:endParaRPr lang="en-US" altLang="zh-CN" sz="2200">
-              <a:solidFill>
-                <a:schemeClr val="bg1"/>
-              </a:solidFill>
-              <a:sym typeface="+mn-ea"/>
-            </a:endParaRPr>
-          </a:p>
-          <a:p>
-            <a:pPr algn="l"/>
-            <a:r>
-              <a:rPr lang="en-US" altLang="zh-CN" sz="2200">
-                <a:solidFill>
-                  <a:schemeClr val="bg1"/>
-                </a:solidFill>
-                <a:sym typeface="+mn-ea"/>
-              </a:rPr>
-              <a:t>　　recyclerViewAdapter.setOnItemClickedListener { view, position -&gt; Toast.makeText(this@MainActivity, "position " + position, Toast.LENGTH_SHORT).show() }</a:t>
-            </a:r>
-            <a:endParaRPr lang="en-US" altLang="zh-CN" sz="2000">
-              <a:solidFill>
-                <a:schemeClr val="bg1"/>
-              </a:solidFill>
-              <a:sym typeface="+mn-ea"/>
-            </a:endParaRPr>
-          </a:p>
-          <a:p>
-            <a:pPr algn="l"/>
-            <a:endParaRPr lang="en-US" altLang="zh-CN" sz="2000">
-              <a:solidFill>
-                <a:schemeClr val="bg1"/>
-              </a:solidFill>
-              <a:sym typeface="+mn-ea"/>
+              <a:t>fun StrLen(s:String):Int =s!!.length</a:t>
+            </a:r>
+            <a:endParaRPr lang="en-US" altLang="zh-CN">
+              <a:solidFill>
+                <a:schemeClr val="bg1"/>
+              </a:solidFill>
             </a:endParaRPr>
           </a:p>
         </p:txBody>
@@ -7878,9 +8022,9 @@
                   <a:schemeClr val="bg1"/>
                 </a:solidFill>
               </a:rPr>
-              <a:t>的不同（五）</a:t>
-            </a:r>
-            <a:endParaRPr lang="en-US" altLang="zh-CN">
+              <a:t>的不同（四）</a:t>
+            </a:r>
+            <a:endParaRPr lang="zh-CN" altLang="en-US">
               <a:solidFill>
                 <a:schemeClr val="bg1"/>
               </a:solidFill>

--- a/KotlinApp/Kotlin分享.pptx
+++ b/KotlinApp/Kotlin分享.pptx
@@ -23,7 +23,8 @@
     <p:sldId id="270" r:id="rId18"/>
     <p:sldId id="273" r:id="rId19"/>
     <p:sldId id="274" r:id="rId20"/>
-    <p:sldId id="275" r:id="rId21"/>
+    <p:sldId id="297" r:id="rId21"/>
+    <p:sldId id="275" r:id="rId22"/>
   </p:sldIdLst>
   <p:sldSz cx="12192000" cy="6858000"/>
   <p:notesSz cx="7103745" cy="10234295"/>
@@ -4882,8 +4883,8 @@
         </p:nvSpPr>
         <p:spPr>
           <a:xfrm>
-            <a:off x="598170" y="1196340"/>
-            <a:ext cx="11065510" cy="5502910"/>
+            <a:off x="598170" y="1017270"/>
+            <a:ext cx="11065510" cy="5681980"/>
           </a:xfrm>
         </p:spPr>
         <p:txBody>
@@ -4892,14 +4893,6 @@
           </a:bodyPr>
           <a:p>
             <a:pPr algn="l"/>
-            <a:endParaRPr lang="en-US" altLang="zh-CN" sz="2000">
-              <a:solidFill>
-                <a:schemeClr val="bg1"/>
-              </a:solidFill>
-            </a:endParaRPr>
-          </a:p>
-          <a:p>
-            <a:pPr algn="l"/>
             <a:r>
               <a:rPr lang="en-US" altLang="zh-CN">
                 <a:solidFill>
@@ -4985,15 +4978,6 @@
               </a:rPr>
               <a:t>在kotlin字节码页面中，我们点击左上角的decompile按钮，就可以看到Java代码了</a:t>
             </a:r>
-            <a:endParaRPr lang="en-US" altLang="zh-CN">
-              <a:solidFill>
-                <a:schemeClr val="bg1"/>
-              </a:solidFill>
-              <a:sym typeface="+mn-ea"/>
-            </a:endParaRPr>
-          </a:p>
-          <a:p>
-            <a:pPr algn="l"/>
             <a:endParaRPr lang="en-US" altLang="zh-CN">
               <a:solidFill>
                 <a:schemeClr val="bg1"/>
@@ -5765,8 +5749,8 @@
         </p:nvSpPr>
         <p:spPr>
           <a:xfrm>
-            <a:off x="598170" y="4688840"/>
-            <a:ext cx="11065510" cy="2010410"/>
+            <a:off x="598170" y="1196340"/>
+            <a:ext cx="11065510" cy="5502910"/>
           </a:xfrm>
         </p:spPr>
         <p:txBody>
@@ -5783,6 +5767,30 @@
           </a:p>
           <a:p>
             <a:pPr algn="l"/>
+            <a:r>
+              <a:rPr lang="en-US" altLang="zh-CN">
+                <a:solidFill>
+                  <a:schemeClr val="bg1"/>
+                </a:solidFill>
+              </a:rPr>
+              <a:t>6 . </a:t>
+            </a:r>
+            <a:r>
+              <a:rPr lang="zh-CN" altLang="en-US">
+                <a:solidFill>
+                  <a:schemeClr val="bg1"/>
+                </a:solidFill>
+              </a:rPr>
+              <a:t>协程和线程的区别：http://www.imooc.com/article/74963，https://www.jianshu.com/p/7b575785097d</a:t>
+            </a:r>
+            <a:endParaRPr lang="zh-CN" altLang="en-US">
+              <a:solidFill>
+                <a:schemeClr val="bg1"/>
+              </a:solidFill>
+            </a:endParaRPr>
+          </a:p>
+          <a:p>
+            <a:pPr algn="l"/>
             <a:endParaRPr lang="zh-CN" altLang="en-US">
               <a:solidFill>
                 <a:schemeClr val="bg1"/>
@@ -5809,8 +5817,8 @@
         </p:nvSpPr>
         <p:spPr>
           <a:xfrm>
-            <a:off x="1232535" y="2505075"/>
-            <a:ext cx="9144000" cy="972185"/>
+            <a:off x="1419225" y="97155"/>
+            <a:ext cx="9144000" cy="920750"/>
           </a:xfrm>
         </p:spPr>
         <p:txBody>
@@ -5824,7 +5832,15 @@
                   <a:schemeClr val="bg1"/>
                 </a:solidFill>
               </a:rPr>
-              <a:t>Thanks</a:t>
+              <a:t>Kotlin</a:t>
+            </a:r>
+            <a:r>
+              <a:rPr lang="zh-CN" altLang="en-US">
+                <a:solidFill>
+                  <a:schemeClr val="bg1"/>
+                </a:solidFill>
+              </a:rPr>
+              <a:t>知识点</a:t>
             </a:r>
             <a:endParaRPr lang="en-US" altLang="zh-CN">
               <a:solidFill>
@@ -6027,6 +6043,116 @@
                 </a:solidFill>
               </a:rPr>
               <a:t>Kotlin特点</a:t>
+            </a:r>
+            <a:endParaRPr lang="en-US" altLang="zh-CN">
+              <a:solidFill>
+                <a:schemeClr val="bg1"/>
+              </a:solidFill>
+            </a:endParaRPr>
+          </a:p>
+        </p:txBody>
+      </p:sp>
+    </p:spTree>
+  </p:cSld>
+  <p:clrMapOvr>
+    <a:masterClrMapping/>
+  </p:clrMapOvr>
+</p:sld>
+</file>
+
+<file path=ppt/slides/slide20.xml><?xml version="1.0" encoding="utf-8"?>
+<p:sld xmlns:a="http://schemas.openxmlformats.org/drawingml/2006/main" xmlns:r="http://schemas.openxmlformats.org/officeDocument/2006/relationships" xmlns:p="http://schemas.openxmlformats.org/presentationml/2006/main">
+  <p:cSld>
+    <p:bg>
+      <p:bgPr>
+        <a:blipFill rotWithShape="1">
+          <a:blip r:embed="rId1"/>
+          <a:stretch>
+            <a:fillRect/>
+          </a:stretch>
+        </a:blipFill>
+        <a:effectLst/>
+      </p:bgPr>
+    </p:bg>
+    <p:spTree>
+      <p:nvGrpSpPr>
+        <p:cNvPr id="1" name=""/>
+        <p:cNvGrpSpPr/>
+        <p:nvPr/>
+      </p:nvGrpSpPr>
+      <p:grpSpPr/>
+      <p:sp>
+        <p:nvSpPr>
+          <p:cNvPr id="3" name="副标题 2"/>
+          <p:cNvSpPr>
+            <a:spLocks noGrp="1"/>
+          </p:cNvSpPr>
+          <p:nvPr>
+            <p:ph type="subTitle" idx="1"/>
+          </p:nvPr>
+        </p:nvSpPr>
+        <p:spPr>
+          <a:xfrm>
+            <a:off x="598170" y="4688840"/>
+            <a:ext cx="11065510" cy="2010410"/>
+          </a:xfrm>
+        </p:spPr>
+        <p:txBody>
+          <a:bodyPr>
+            <a:noAutofit/>
+          </a:bodyPr>
+          <a:p>
+            <a:pPr algn="l"/>
+            <a:endParaRPr lang="en-US" altLang="zh-CN" sz="2000">
+              <a:solidFill>
+                <a:schemeClr val="bg1"/>
+              </a:solidFill>
+            </a:endParaRPr>
+          </a:p>
+          <a:p>
+            <a:pPr algn="l"/>
+            <a:endParaRPr lang="zh-CN" altLang="en-US">
+              <a:solidFill>
+                <a:schemeClr val="bg1"/>
+              </a:solidFill>
+            </a:endParaRPr>
+          </a:p>
+          <a:p>
+            <a:pPr algn="l"/>
+            <a:endParaRPr lang="zh-CN" altLang="en-US">
+              <a:solidFill>
+                <a:schemeClr val="bg1"/>
+              </a:solidFill>
+            </a:endParaRPr>
+          </a:p>
+        </p:txBody>
+      </p:sp>
+      <p:sp>
+        <p:nvSpPr>
+          <p:cNvPr id="4" name="标题 3"/>
+          <p:cNvSpPr/>
+          <p:nvPr>
+            <p:ph type="ctrTitle"/>
+          </p:nvPr>
+        </p:nvSpPr>
+        <p:spPr>
+          <a:xfrm>
+            <a:off x="1232535" y="2505075"/>
+            <a:ext cx="9144000" cy="972185"/>
+          </a:xfrm>
+        </p:spPr>
+        <p:txBody>
+          <a:bodyPr>
+            <a:normAutofit fontScale="90000"/>
+          </a:bodyPr>
+          <a:p>
+            <a:r>
+              <a:rPr lang="en-US" altLang="zh-CN">
+                <a:solidFill>
+                  <a:schemeClr val="bg1"/>
+                </a:solidFill>
+              </a:rPr>
+              <a:t>Thanks</a:t>
             </a:r>
             <a:endParaRPr lang="en-US" altLang="zh-CN">
               <a:solidFill>
